--- a/Document/PP_TEMPLATE.pptx
+++ b/Document/PP_TEMPLATE.pptx
@@ -7,20 +7,24 @@
     <p:sldMasterId id="2147483672" r:id="rId4"/>
   </p:sldMasterIdLst>
   <p:notesMasterIdLst>
-    <p:notesMasterId r:id="rId16"/>
+    <p:notesMasterId r:id="rId20"/>
   </p:notesMasterIdLst>
   <p:sldIdLst>
     <p:sldId id="258" r:id="rId5"/>
     <p:sldId id="259" r:id="rId6"/>
-    <p:sldId id="260" r:id="rId7"/>
-    <p:sldId id="261" r:id="rId8"/>
-    <p:sldId id="262" r:id="rId9"/>
-    <p:sldId id="263" r:id="rId10"/>
-    <p:sldId id="264" r:id="rId11"/>
-    <p:sldId id="265" r:id="rId12"/>
-    <p:sldId id="266" r:id="rId13"/>
-    <p:sldId id="267" r:id="rId14"/>
-    <p:sldId id="268" r:id="rId15"/>
+    <p:sldId id="269" r:id="rId7"/>
+    <p:sldId id="270" r:id="rId8"/>
+    <p:sldId id="272" r:id="rId9"/>
+    <p:sldId id="271" r:id="rId10"/>
+    <p:sldId id="273" r:id="rId11"/>
+    <p:sldId id="274" r:id="rId12"/>
+    <p:sldId id="275" r:id="rId13"/>
+    <p:sldId id="276" r:id="rId14"/>
+    <p:sldId id="277" r:id="rId15"/>
+    <p:sldId id="278" r:id="rId16"/>
+    <p:sldId id="279" r:id="rId17"/>
+    <p:sldId id="280" r:id="rId18"/>
+    <p:sldId id="281" r:id="rId19"/>
   </p:sldIdLst>
   <p:sldSz cx="12192000" cy="6858000"/>
   <p:notesSz cx="6858000" cy="9144000"/>
@@ -620,6 +624,10 @@
           <a:bodyPr/>
           <a:lstStyle/>
           <a:p>
+            <a:r>
+              <a:rPr lang="en-US"/>
+              <a:t>Hoàng Minh Tài - 6051071102</a:t>
+            </a:r>
             <a:endParaRPr lang="en-US"/>
           </a:p>
         </p:txBody>
@@ -651,6 +659,7 @@
   <p:clrMapOvr>
     <a:masterClrMapping/>
   </p:clrMapOvr>
+  <p:hf hdr="0" dt="0"/>
 </p:sldLayout>
 </file>
 
@@ -787,6 +796,10 @@
           <a:bodyPr/>
           <a:lstStyle/>
           <a:p>
+            <a:r>
+              <a:rPr lang="en-US"/>
+              <a:t>Hoàng Minh Tài - 6051071102</a:t>
+            </a:r>
             <a:endParaRPr lang="en-US"/>
           </a:p>
         </p:txBody>
@@ -818,6 +831,7 @@
   <p:clrMapOvr>
     <a:masterClrMapping/>
   </p:clrMapOvr>
+  <p:hf hdr="0" dt="0"/>
 </p:sldLayout>
 </file>
 
@@ -964,6 +978,10 @@
           <a:bodyPr/>
           <a:lstStyle/>
           <a:p>
+            <a:r>
+              <a:rPr lang="en-US"/>
+              <a:t>Hoàng Minh Tài - 6051071102</a:t>
+            </a:r>
             <a:endParaRPr lang="en-US"/>
           </a:p>
         </p:txBody>
@@ -995,6 +1013,7 @@
   <p:clrMapOvr>
     <a:masterClrMapping/>
   </p:clrMapOvr>
+  <p:hf hdr="0" dt="0"/>
 </p:sldLayout>
 </file>
 
@@ -1149,6 +1168,10 @@
           <a:bodyPr/>
           <a:lstStyle/>
           <a:p>
+            <a:r>
+              <a:rPr lang="en-US"/>
+              <a:t>Hoàng Minh Tài - 6051071102</a:t>
+            </a:r>
             <a:endParaRPr lang="en-US"/>
           </a:p>
         </p:txBody>
@@ -1180,6 +1203,7 @@
   <p:clrMapOvr>
     <a:masterClrMapping/>
   </p:clrMapOvr>
+  <p:hf hdr="0" dt="0"/>
 </p:sldLayout>
 </file>
 
@@ -1316,6 +1340,10 @@
           <a:bodyPr/>
           <a:lstStyle/>
           <a:p>
+            <a:r>
+              <a:rPr lang="en-US"/>
+              <a:t>Hoàng Minh Tài - 6051071102</a:t>
+            </a:r>
             <a:endParaRPr lang="en-US"/>
           </a:p>
         </p:txBody>
@@ -1347,6 +1375,7 @@
   <p:clrMapOvr>
     <a:masterClrMapping/>
   </p:clrMapOvr>
+  <p:hf hdr="0" dt="0"/>
 </p:sldLayout>
 </file>
 
@@ -1556,6 +1585,10 @@
           <a:bodyPr/>
           <a:lstStyle/>
           <a:p>
+            <a:r>
+              <a:rPr lang="en-US"/>
+              <a:t>Hoàng Minh Tài - 6051071102</a:t>
+            </a:r>
             <a:endParaRPr lang="en-US"/>
           </a:p>
         </p:txBody>
@@ -1587,6 +1620,7 @@
   <p:clrMapOvr>
     <a:masterClrMapping/>
   </p:clrMapOvr>
+  <p:hf hdr="0" dt="0"/>
 </p:sldLayout>
 </file>
 
@@ -1789,6 +1823,10 @@
           <a:bodyPr/>
           <a:lstStyle/>
           <a:p>
+            <a:r>
+              <a:rPr lang="en-US"/>
+              <a:t>Hoàng Minh Tài - 6051071102</a:t>
+            </a:r>
             <a:endParaRPr lang="en-US"/>
           </a:p>
         </p:txBody>
@@ -1820,6 +1858,7 @@
   <p:clrMapOvr>
     <a:masterClrMapping/>
   </p:clrMapOvr>
+  <p:hf hdr="0" dt="0"/>
 </p:sldLayout>
 </file>
 
@@ -2159,6 +2198,10 @@
           <a:bodyPr/>
           <a:lstStyle/>
           <a:p>
+            <a:r>
+              <a:rPr lang="en-US"/>
+              <a:t>Hoàng Minh Tài - 6051071102</a:t>
+            </a:r>
             <a:endParaRPr lang="en-US"/>
           </a:p>
         </p:txBody>
@@ -2190,6 +2233,7 @@
   <p:clrMapOvr>
     <a:masterClrMapping/>
   </p:clrMapOvr>
+  <p:hf hdr="0" dt="0"/>
 </p:sldLayout>
 </file>
 
@@ -2270,6 +2314,10 @@
           <a:bodyPr/>
           <a:lstStyle/>
           <a:p>
+            <a:r>
+              <a:rPr lang="en-US"/>
+              <a:t>Hoàng Minh Tài - 6051071102</a:t>
+            </a:r>
             <a:endParaRPr lang="en-US"/>
           </a:p>
         </p:txBody>
@@ -2301,6 +2349,7 @@
   <p:clrMapOvr>
     <a:masterClrMapping/>
   </p:clrMapOvr>
+  <p:hf hdr="0" dt="0"/>
 </p:sldLayout>
 </file>
 
@@ -2358,6 +2407,10 @@
           <a:bodyPr/>
           <a:lstStyle/>
           <a:p>
+            <a:r>
+              <a:rPr lang="en-US"/>
+              <a:t>Hoàng Minh Tài - 6051071102</a:t>
+            </a:r>
             <a:endParaRPr lang="en-US"/>
           </a:p>
         </p:txBody>
@@ -2389,6 +2442,7 @@
   <p:clrMapOvr>
     <a:masterClrMapping/>
   </p:clrMapOvr>
+  <p:hf hdr="0" dt="0"/>
 </p:sldLayout>
 </file>
 
@@ -2633,6 +2687,10 @@
           <a:bodyPr/>
           <a:lstStyle/>
           <a:p>
+            <a:r>
+              <a:rPr lang="en-US"/>
+              <a:t>Hoàng Minh Tài - 6051071102</a:t>
+            </a:r>
             <a:endParaRPr lang="en-US"/>
           </a:p>
         </p:txBody>
@@ -2664,6 +2722,7 @@
   <p:clrMapOvr>
     <a:masterClrMapping/>
   </p:clrMapOvr>
+  <p:hf hdr="0" dt="0"/>
 </p:sldLayout>
 </file>
 
@@ -2800,6 +2859,10 @@
           <a:bodyPr/>
           <a:lstStyle/>
           <a:p>
+            <a:r>
+              <a:rPr lang="en-US"/>
+              <a:t>Hoàng Minh Tài - 6051071102</a:t>
+            </a:r>
             <a:endParaRPr lang="en-US"/>
           </a:p>
         </p:txBody>
@@ -2831,6 +2894,7 @@
   <p:clrMapOvr>
     <a:masterClrMapping/>
   </p:clrMapOvr>
+  <p:hf hdr="0" dt="0"/>
 </p:sldLayout>
 </file>
 
@@ -3047,6 +3111,10 @@
           <a:bodyPr/>
           <a:lstStyle/>
           <a:p>
+            <a:r>
+              <a:rPr lang="en-US"/>
+              <a:t>Hoàng Minh Tài - 6051071102</a:t>
+            </a:r>
             <a:endParaRPr lang="en-US"/>
           </a:p>
         </p:txBody>
@@ -3078,6 +3146,7 @@
   <p:clrMapOvr>
     <a:masterClrMapping/>
   </p:clrMapOvr>
+  <p:hf hdr="0" dt="0"/>
 </p:sldLayout>
 </file>
 
@@ -3214,6 +3283,10 @@
           <a:bodyPr/>
           <a:lstStyle/>
           <a:p>
+            <a:r>
+              <a:rPr lang="en-US"/>
+              <a:t>Hoàng Minh Tài - 6051071102</a:t>
+            </a:r>
             <a:endParaRPr lang="en-US"/>
           </a:p>
         </p:txBody>
@@ -3245,6 +3318,7 @@
   <p:clrMapOvr>
     <a:masterClrMapping/>
   </p:clrMapOvr>
+  <p:hf hdr="0" dt="0"/>
 </p:sldLayout>
 </file>
 
@@ -3391,6 +3465,10 @@
           <a:bodyPr/>
           <a:lstStyle/>
           <a:p>
+            <a:r>
+              <a:rPr lang="en-US"/>
+              <a:t>Hoàng Minh Tài - 6051071102</a:t>
+            </a:r>
             <a:endParaRPr lang="en-US"/>
           </a:p>
         </p:txBody>
@@ -3422,6 +3500,7 @@
   <p:clrMapOvr>
     <a:masterClrMapping/>
   </p:clrMapOvr>
+  <p:hf hdr="0" dt="0"/>
 </p:sldLayout>
 </file>
 
@@ -3576,6 +3655,10 @@
           <a:bodyPr/>
           <a:lstStyle/>
           <a:p>
+            <a:r>
+              <a:rPr lang="en-US"/>
+              <a:t>Hoàng Minh Tài - 6051071102</a:t>
+            </a:r>
             <a:endParaRPr lang="en-US"/>
           </a:p>
         </p:txBody>
@@ -3607,6 +3690,7 @@
   <p:clrMapOvr>
     <a:masterClrMapping/>
   </p:clrMapOvr>
+  <p:hf hdr="0" dt="0"/>
 </p:sldLayout>
 </file>
 
@@ -3743,6 +3827,10 @@
           <a:bodyPr/>
           <a:lstStyle/>
           <a:p>
+            <a:r>
+              <a:rPr lang="en-US"/>
+              <a:t>Hoàng Minh Tài - 6051071102</a:t>
+            </a:r>
             <a:endParaRPr lang="en-US"/>
           </a:p>
         </p:txBody>
@@ -3774,6 +3862,7 @@
   <p:clrMapOvr>
     <a:masterClrMapping/>
   </p:clrMapOvr>
+  <p:hf hdr="0" dt="0"/>
 </p:sldLayout>
 </file>
 
@@ -3983,6 +4072,10 @@
           <a:bodyPr/>
           <a:lstStyle/>
           <a:p>
+            <a:r>
+              <a:rPr lang="en-US"/>
+              <a:t>Hoàng Minh Tài - 6051071102</a:t>
+            </a:r>
             <a:endParaRPr lang="en-US"/>
           </a:p>
         </p:txBody>
@@ -4014,6 +4107,7 @@
   <p:clrMapOvr>
     <a:masterClrMapping/>
   </p:clrMapOvr>
+  <p:hf hdr="0" dt="0"/>
 </p:sldLayout>
 </file>
 
@@ -4216,6 +4310,10 @@
           <a:bodyPr/>
           <a:lstStyle/>
           <a:p>
+            <a:r>
+              <a:rPr lang="en-US"/>
+              <a:t>Hoàng Minh Tài - 6051071102</a:t>
+            </a:r>
             <a:endParaRPr lang="en-US"/>
           </a:p>
         </p:txBody>
@@ -4247,6 +4345,7 @@
   <p:clrMapOvr>
     <a:masterClrMapping/>
   </p:clrMapOvr>
+  <p:hf hdr="0" dt="0"/>
 </p:sldLayout>
 </file>
 
@@ -4586,6 +4685,10 @@
           <a:bodyPr/>
           <a:lstStyle/>
           <a:p>
+            <a:r>
+              <a:rPr lang="en-US"/>
+              <a:t>Hoàng Minh Tài - 6051071102</a:t>
+            </a:r>
             <a:endParaRPr lang="en-US"/>
           </a:p>
         </p:txBody>
@@ -4617,6 +4720,7 @@
   <p:clrMapOvr>
     <a:masterClrMapping/>
   </p:clrMapOvr>
+  <p:hf hdr="0" dt="0"/>
 </p:sldLayout>
 </file>
 
@@ -4697,6 +4801,10 @@
           <a:bodyPr/>
           <a:lstStyle/>
           <a:p>
+            <a:r>
+              <a:rPr lang="en-US"/>
+              <a:t>Hoàng Minh Tài - 6051071102</a:t>
+            </a:r>
             <a:endParaRPr lang="en-US"/>
           </a:p>
         </p:txBody>
@@ -4728,6 +4836,7 @@
   <p:clrMapOvr>
     <a:masterClrMapping/>
   </p:clrMapOvr>
+  <p:hf hdr="0" dt="0"/>
 </p:sldLayout>
 </file>
 
@@ -4785,6 +4894,10 @@
           <a:bodyPr/>
           <a:lstStyle/>
           <a:p>
+            <a:r>
+              <a:rPr lang="en-US"/>
+              <a:t>Hoàng Minh Tài - 6051071102</a:t>
+            </a:r>
             <a:endParaRPr lang="en-US"/>
           </a:p>
         </p:txBody>
@@ -4816,6 +4929,7 @@
   <p:clrMapOvr>
     <a:masterClrMapping/>
   </p:clrMapOvr>
+  <p:hf hdr="0" dt="0"/>
 </p:sldLayout>
 </file>
 
@@ -5025,6 +5139,10 @@
           <a:bodyPr/>
           <a:lstStyle/>
           <a:p>
+            <a:r>
+              <a:rPr lang="en-US"/>
+              <a:t>Hoàng Minh Tài - 6051071102</a:t>
+            </a:r>
             <a:endParaRPr lang="en-US"/>
           </a:p>
         </p:txBody>
@@ -5056,6 +5174,7 @@
   <p:clrMapOvr>
     <a:masterClrMapping/>
   </p:clrMapOvr>
+  <p:hf hdr="0" dt="0"/>
 </p:sldLayout>
 </file>
 
@@ -5300,6 +5419,10 @@
           <a:bodyPr/>
           <a:lstStyle/>
           <a:p>
+            <a:r>
+              <a:rPr lang="en-US"/>
+              <a:t>Hoàng Minh Tài - 6051071102</a:t>
+            </a:r>
             <a:endParaRPr lang="en-US"/>
           </a:p>
         </p:txBody>
@@ -5331,6 +5454,7 @@
   <p:clrMapOvr>
     <a:masterClrMapping/>
   </p:clrMapOvr>
+  <p:hf hdr="0" dt="0"/>
 </p:sldLayout>
 </file>
 
@@ -5547,6 +5671,10 @@
           <a:bodyPr/>
           <a:lstStyle/>
           <a:p>
+            <a:r>
+              <a:rPr lang="en-US"/>
+              <a:t>Hoàng Minh Tài - 6051071102</a:t>
+            </a:r>
             <a:endParaRPr lang="en-US"/>
           </a:p>
         </p:txBody>
@@ -5578,6 +5706,7 @@
   <p:clrMapOvr>
     <a:masterClrMapping/>
   </p:clrMapOvr>
+  <p:hf hdr="0" dt="0"/>
 </p:sldLayout>
 </file>
 
@@ -5714,6 +5843,10 @@
           <a:bodyPr/>
           <a:lstStyle/>
           <a:p>
+            <a:r>
+              <a:rPr lang="en-US"/>
+              <a:t>Hoàng Minh Tài - 6051071102</a:t>
+            </a:r>
             <a:endParaRPr lang="en-US"/>
           </a:p>
         </p:txBody>
@@ -5745,6 +5878,7 @@
   <p:clrMapOvr>
     <a:masterClrMapping/>
   </p:clrMapOvr>
+  <p:hf hdr="0" dt="0"/>
 </p:sldLayout>
 </file>
 
@@ -5891,6 +6025,10 @@
           <a:bodyPr/>
           <a:lstStyle/>
           <a:p>
+            <a:r>
+              <a:rPr lang="en-US"/>
+              <a:t>Hoàng Minh Tài - 6051071102</a:t>
+            </a:r>
             <a:endParaRPr lang="en-US"/>
           </a:p>
         </p:txBody>
@@ -5922,6 +6060,7 @@
   <p:clrMapOvr>
     <a:masterClrMapping/>
   </p:clrMapOvr>
+  <p:hf hdr="0" dt="0"/>
 </p:sldLayout>
 </file>
 
@@ -6124,6 +6263,10 @@
           <a:bodyPr/>
           <a:lstStyle/>
           <a:p>
+            <a:r>
+              <a:rPr lang="en-US"/>
+              <a:t>Hoàng Minh Tài - 6051071102</a:t>
+            </a:r>
             <a:endParaRPr lang="en-US"/>
           </a:p>
         </p:txBody>
@@ -6155,6 +6298,7 @@
   <p:clrMapOvr>
     <a:masterClrMapping/>
   </p:clrMapOvr>
+  <p:hf hdr="0" dt="0"/>
 </p:sldLayout>
 </file>
 
@@ -6494,6 +6638,10 @@
           <a:bodyPr/>
           <a:lstStyle/>
           <a:p>
+            <a:r>
+              <a:rPr lang="en-US"/>
+              <a:t>Hoàng Minh Tài - 6051071102</a:t>
+            </a:r>
             <a:endParaRPr lang="en-US"/>
           </a:p>
         </p:txBody>
@@ -6525,6 +6673,7 @@
   <p:clrMapOvr>
     <a:masterClrMapping/>
   </p:clrMapOvr>
+  <p:hf hdr="0" dt="0"/>
 </p:sldLayout>
 </file>
 
@@ -6605,6 +6754,10 @@
           <a:bodyPr/>
           <a:lstStyle/>
           <a:p>
+            <a:r>
+              <a:rPr lang="en-US"/>
+              <a:t>Hoàng Minh Tài - 6051071102</a:t>
+            </a:r>
             <a:endParaRPr lang="en-US"/>
           </a:p>
         </p:txBody>
@@ -6636,6 +6789,7 @@
   <p:clrMapOvr>
     <a:masterClrMapping/>
   </p:clrMapOvr>
+  <p:hf hdr="0" dt="0"/>
 </p:sldLayout>
 </file>
 
@@ -6693,6 +6847,10 @@
           <a:bodyPr/>
           <a:lstStyle/>
           <a:p>
+            <a:r>
+              <a:rPr lang="en-US"/>
+              <a:t>Hoàng Minh Tài - 6051071102</a:t>
+            </a:r>
             <a:endParaRPr lang="en-US"/>
           </a:p>
         </p:txBody>
@@ -6724,6 +6882,7 @@
   <p:clrMapOvr>
     <a:masterClrMapping/>
   </p:clrMapOvr>
+  <p:hf hdr="0" dt="0"/>
 </p:sldLayout>
 </file>
 
@@ -6968,6 +7127,10 @@
           <a:bodyPr/>
           <a:lstStyle/>
           <a:p>
+            <a:r>
+              <a:rPr lang="en-US"/>
+              <a:t>Hoàng Minh Tài - 6051071102</a:t>
+            </a:r>
             <a:endParaRPr lang="en-US"/>
           </a:p>
         </p:txBody>
@@ -6999,6 +7162,7 @@
   <p:clrMapOvr>
     <a:masterClrMapping/>
   </p:clrMapOvr>
+  <p:hf hdr="0" dt="0"/>
 </p:sldLayout>
 </file>
 
@@ -7215,6 +7379,10 @@
           <a:bodyPr/>
           <a:lstStyle/>
           <a:p>
+            <a:r>
+              <a:rPr lang="en-US"/>
+              <a:t>Hoàng Minh Tài - 6051071102</a:t>
+            </a:r>
             <a:endParaRPr lang="en-US"/>
           </a:p>
         </p:txBody>
@@ -7246,6 +7414,7 @@
   <p:clrMapOvr>
     <a:masterClrMapping/>
   </p:clrMapOvr>
+  <p:hf hdr="0" dt="0"/>
 </p:sldLayout>
 </file>
 
@@ -7443,6 +7612,10 @@
             </a:lvl1pPr>
           </a:lstStyle>
           <a:p>
+            <a:r>
+              <a:rPr lang="en-US"/>
+              <a:t>Hoàng Minh Tài - 6051071102</a:t>
+            </a:r>
             <a:endParaRPr lang="en-US"/>
           </a:p>
         </p:txBody>
@@ -7527,7 +7700,7 @@
     <p:sldLayoutId id="2147483658" r:id="rId10"/>
     <p:sldLayoutId id="2147483659" r:id="rId11"/>
   </p:sldLayoutIdLst>
-  <p:hf sldNum="0" hdr="0" ftr="0"/>
+  <p:hf hdr="0" dt="0"/>
   <p:txStyles>
     <p:titleStyle>
       <a:lvl1pPr algn="l" defTabSz="914400" rtl="0" eaLnBrk="1" latinLnBrk="0" hangingPunct="1">
@@ -8005,6 +8178,10 @@
             </a:lvl1pPr>
           </a:lstStyle>
           <a:p>
+            <a:r>
+              <a:rPr lang="en-US"/>
+              <a:t>Hoàng Minh Tài - 6051071102</a:t>
+            </a:r>
             <a:endParaRPr lang="en-US"/>
           </a:p>
         </p:txBody>
@@ -8065,6 +8242,7 @@
     <p:sldLayoutId id="2147483670" r:id="rId10"/>
     <p:sldLayoutId id="2147483671" r:id="rId11"/>
   </p:sldLayoutIdLst>
+  <p:hf hdr="0" dt="0"/>
   <p:txStyles>
     <p:titleStyle>
       <a:lvl1pPr algn="l" defTabSz="914400" rtl="0" eaLnBrk="1" latinLnBrk="0" hangingPunct="1">
@@ -8542,6 +8720,10 @@
             </a:lvl1pPr>
           </a:lstStyle>
           <a:p>
+            <a:r>
+              <a:rPr lang="en-US"/>
+              <a:t>Hoàng Minh Tài - 6051071102</a:t>
+            </a:r>
             <a:endParaRPr lang="en-US"/>
           </a:p>
         </p:txBody>
@@ -8602,6 +8784,7 @@
     <p:sldLayoutId id="2147483682" r:id="rId10"/>
     <p:sldLayoutId id="2147483683" r:id="rId11"/>
   </p:sldLayoutIdLst>
+  <p:hf hdr="0" dt="0"/>
   <p:txStyles>
     <p:titleStyle>
       <a:lvl1pPr algn="l" defTabSz="914400" rtl="0" eaLnBrk="1" latinLnBrk="0" hangingPunct="1">
@@ -8914,124 +9097,313 @@
         </p:nvSpPr>
         <p:spPr>
           <a:xfrm>
-            <a:off x="1025525" y="1214755"/>
+            <a:off x="1024890" y="1608455"/>
             <a:ext cx="10141585" cy="2387600"/>
           </a:xfrm>
         </p:spPr>
         <p:txBody>
           <a:bodyPr>
+            <a:normAutofit fontScale="90000"/>
+          </a:bodyPr>
+          <a:p>
+            <a:pPr algn="ctr">
+              <a:lnSpc>
+                <a:spcPct val="120000"/>
+              </a:lnSpc>
+              <a:spcBef>
+                <a:spcPts val="0"/>
+              </a:spcBef>
+              <a:spcAft>
+                <a:spcPts val="50"/>
+              </a:spcAft>
+            </a:pPr>
+            <a:r>
+              <a:rPr lang="en-US" altLang="en-GB" sz="4445" b="1">
+                <a:solidFill>
+                  <a:srgbClr val="002060"/>
+                </a:solidFill>
+                <a:latin typeface="Segoe UI" panose="020B0502040204020203" charset="0"/>
+                <a:cs typeface="Segoe UI" panose="020B0502040204020203" charset="0"/>
+              </a:rPr>
+              <a:t>BÁO CÁO ĐỒ ÁN TỐT NGHIỆP</a:t>
+            </a:r>
+            <a:br>
+              <a:rPr lang="en-US" altLang="en-GB" sz="4445" b="1">
+                <a:solidFill>
+                  <a:srgbClr val="002060"/>
+                </a:solidFill>
+                <a:latin typeface="Segoe UI" panose="020B0502040204020203" charset="0"/>
+                <a:cs typeface="Segoe UI" panose="020B0502040204020203" charset="0"/>
+              </a:rPr>
+            </a:br>
+            <a:br>
+              <a:rPr lang="en-US" altLang="en-GB" sz="2220" b="1">
+                <a:solidFill>
+                  <a:srgbClr val="002060"/>
+                </a:solidFill>
+                <a:latin typeface="Segoe UI" panose="020B0502040204020203" charset="0"/>
+                <a:cs typeface="Segoe UI" panose="020B0502040204020203" charset="0"/>
+              </a:rPr>
+            </a:br>
+            <a:r>
+              <a:rPr lang="en-US" altLang="en-GB" sz="2665">
+                <a:solidFill>
+                  <a:srgbClr val="002060"/>
+                </a:solidFill>
+                <a:latin typeface="Segoe UI" panose="020B0502040204020203" charset="0"/>
+                <a:cs typeface="Segoe UI" panose="020B0502040204020203" charset="0"/>
+              </a:rPr>
+              <a:t>NGHIÊN CỨU HỆ THỐNG ĐỀ XUẤT NỘI DUNG ÁP DỤNG KĨ THUẬT CONTENT-BASED FILTERING TRONG ỨNG DỤNG NGHE NHẠC</a:t>
+            </a:r>
+            <a:br>
+              <a:rPr lang="en-US" altLang="en-GB" sz="2665">
+                <a:solidFill>
+                  <a:srgbClr val="002060"/>
+                </a:solidFill>
+                <a:latin typeface="Segoe UI" panose="020B0502040204020203" charset="0"/>
+                <a:cs typeface="Segoe UI" panose="020B0502040204020203" charset="0"/>
+              </a:rPr>
+            </a:br>
+            <a:r>
+              <a:rPr lang="en-US" altLang="en-GB" sz="2665">
+                <a:solidFill>
+                  <a:srgbClr val="002060"/>
+                </a:solidFill>
+                <a:latin typeface="Segoe UI" panose="020B0502040204020203" charset="0"/>
+                <a:cs typeface="Segoe UI" panose="020B0502040204020203" charset="0"/>
+              </a:rPr>
+              <a:t>TRỰC TUYẾN INCOGNITO MUSIC</a:t>
+            </a:r>
+            <a:endParaRPr lang="en-US" altLang="en-GB" sz="2665">
+              <a:solidFill>
+                <a:srgbClr val="002060"/>
+              </a:solidFill>
+              <a:latin typeface="Segoe UI" panose="020B0502040204020203" charset="0"/>
+              <a:cs typeface="Segoe UI" panose="020B0502040204020203" charset="0"/>
+            </a:endParaRPr>
+          </a:p>
+        </p:txBody>
+      </p:sp>
+      <p:sp>
+        <p:nvSpPr>
+          <p:cNvPr id="3" name="Subtitle 2"/>
+          <p:cNvSpPr>
+            <a:spLocks noGrp="1"/>
+          </p:cNvSpPr>
+          <p:nvPr>
+            <p:ph type="subTitle" idx="1"/>
+          </p:nvPr>
+        </p:nvSpPr>
+        <p:spPr>
+          <a:xfrm>
+            <a:off x="2407920" y="4116705"/>
+            <a:ext cx="7376795" cy="1655445"/>
+          </a:xfrm>
+        </p:spPr>
+        <p:txBody>
+          <a:bodyPr anchor="ctr" anchorCtr="0">
+            <a:normAutofit lnSpcReduction="20000"/>
+          </a:bodyPr>
+          <a:p>
+            <a:pPr algn="l">
+              <a:lnSpc>
+                <a:spcPct val="100000"/>
+              </a:lnSpc>
+            </a:pPr>
+            <a:r>
+              <a:rPr lang="en-US">
+                <a:solidFill>
+                  <a:srgbClr val="002060"/>
+                </a:solidFill>
+                <a:latin typeface="Segoe UI" panose="020B0502040204020203" charset="0"/>
+                <a:cs typeface="Segoe UI" panose="020B0502040204020203" charset="0"/>
+              </a:rPr>
+              <a:t>Sinh viên thực hiện	:	HOÀNG MINH TÀI </a:t>
+            </a:r>
+            <a:endParaRPr lang="en-US">
+              <a:solidFill>
+                <a:srgbClr val="002060"/>
+              </a:solidFill>
+              <a:latin typeface="Segoe UI" panose="020B0502040204020203" charset="0"/>
+              <a:cs typeface="Segoe UI" panose="020B0502040204020203" charset="0"/>
+            </a:endParaRPr>
+          </a:p>
+          <a:p>
+            <a:pPr algn="l">
+              <a:lnSpc>
+                <a:spcPct val="100000"/>
+              </a:lnSpc>
+            </a:pPr>
+            <a:r>
+              <a:rPr lang="en-US">
+                <a:solidFill>
+                  <a:srgbClr val="002060"/>
+                </a:solidFill>
+                <a:latin typeface="Segoe UI" panose="020B0502040204020203" charset="0"/>
+                <a:cs typeface="Segoe UI" panose="020B0502040204020203" charset="0"/>
+              </a:rPr>
+              <a:t>Mã số sinh viên	:	6051071102</a:t>
+            </a:r>
+            <a:endParaRPr lang="en-US">
+              <a:solidFill>
+                <a:srgbClr val="002060"/>
+              </a:solidFill>
+              <a:latin typeface="Segoe UI" panose="020B0502040204020203" charset="0"/>
+              <a:cs typeface="Segoe UI" panose="020B0502040204020203" charset="0"/>
+            </a:endParaRPr>
+          </a:p>
+          <a:p>
+            <a:pPr algn="l">
+              <a:lnSpc>
+                <a:spcPct val="100000"/>
+              </a:lnSpc>
+            </a:pPr>
+            <a:r>
+              <a:rPr lang="en-US">
+                <a:solidFill>
+                  <a:srgbClr val="002060"/>
+                </a:solidFill>
+                <a:latin typeface="Segoe UI" panose="020B0502040204020203" charset="0"/>
+                <a:cs typeface="Segoe UI" panose="020B0502040204020203" charset="0"/>
+              </a:rPr>
+              <a:t>Giảng viên hướng dẫn: 	ThS. TRẦN PHONG NHÃ</a:t>
+            </a:r>
+            <a:endParaRPr lang="en-US">
+              <a:solidFill>
+                <a:srgbClr val="002060"/>
+              </a:solidFill>
+              <a:latin typeface="Segoe UI" panose="020B0502040204020203" charset="0"/>
+              <a:cs typeface="Segoe UI" panose="020B0502040204020203" charset="0"/>
+            </a:endParaRPr>
+          </a:p>
+        </p:txBody>
+      </p:sp>
+      <p:sp>
+        <p:nvSpPr>
+          <p:cNvPr id="4" name="Title 1"/>
+          <p:cNvSpPr>
+            <a:spLocks noGrp="1"/>
+          </p:cNvSpPr>
+          <p:nvPr/>
+        </p:nvSpPr>
+        <p:spPr>
+          <a:xfrm>
+            <a:off x="911225" y="94615"/>
+            <a:ext cx="10141585" cy="1013460"/>
+          </a:xfrm>
+          <a:prstGeom prst="rect">
+            <a:avLst/>
+          </a:prstGeom>
+        </p:spPr>
+        <p:txBody>
+          <a:bodyPr vert="horz" lIns="91440" tIns="45720" rIns="91440" bIns="45720" rtlCol="0" anchor="b">
             <a:normAutofit/>
           </a:bodyPr>
+          <a:lstStyle>
+            <a:lvl1pPr algn="ctr" defTabSz="914400" rtl="0" eaLnBrk="1" latinLnBrk="0" hangingPunct="1">
+              <a:lnSpc>
+                <a:spcPct val="90000"/>
+              </a:lnSpc>
+              <a:spcBef>
+                <a:spcPct val="0"/>
+              </a:spcBef>
+              <a:buNone/>
+              <a:defRPr sz="6000" kern="1200">
+                <a:solidFill>
+                  <a:schemeClr val="tx1"/>
+                </a:solidFill>
+                <a:latin typeface="+mj-lt"/>
+                <a:ea typeface="+mj-ea"/>
+                <a:cs typeface="+mj-cs"/>
+              </a:defRPr>
+            </a:lvl1pPr>
+          </a:lstStyle>
           <a:p>
             <a:pPr algn="ctr"/>
             <a:r>
-              <a:rPr lang="en-GB" altLang="en-US" sz="2665" b="1">
-                <a:cs typeface="+mj-lt"/>
+              <a:rPr lang="en-US" altLang="en-GB" sz="2665" b="1">
+                <a:solidFill>
+                  <a:schemeClr val="bg1"/>
+                </a:solidFill>
+                <a:latin typeface="Segoe UI" panose="020B0502040204020203" charset="0"/>
+                <a:cs typeface="Segoe UI" panose="020B0502040204020203" charset="0"/>
                 <a:sym typeface="+mn-ea"/>
               </a:rPr>
-              <a:t>TÌM HIỂU VÀ HỖ TRỢ QUY TRÌNH XÂY DỰNG H</a:t>
-            </a:r>
+              <a:t>TRƯỜNG ĐẠI HỌC GIAO THÔNG VẬN TẢI</a:t>
+            </a:r>
+            <a:endParaRPr lang="en-US" altLang="en-GB" sz="2665" b="1">
+              <a:solidFill>
+                <a:schemeClr val="bg1"/>
+              </a:solidFill>
+              <a:latin typeface="Segoe UI" panose="020B0502040204020203" charset="0"/>
+              <a:cs typeface="Segoe UI" panose="020B0502040204020203" charset="0"/>
+              <a:sym typeface="+mn-ea"/>
+            </a:endParaRPr>
+          </a:p>
+          <a:p>
+            <a:pPr algn="ctr"/>
             <a:r>
               <a:rPr lang="en-US" altLang="en-GB" sz="2665" b="1">
-                <a:cs typeface="+mj-lt"/>
+                <a:solidFill>
+                  <a:schemeClr val="bg1"/>
+                </a:solidFill>
+                <a:latin typeface="Segoe UI" panose="020B0502040204020203" charset="0"/>
+                <a:cs typeface="Segoe UI" panose="020B0502040204020203" charset="0"/>
                 <a:sym typeface="+mn-ea"/>
               </a:rPr>
-              <a:t>Ệ</a:t>
-            </a:r>
-            <a:r>
-              <a:rPr lang="en-GB" altLang="en-US" sz="2665" b="1">
-                <a:cs typeface="+mj-lt"/>
-                <a:sym typeface="+mn-ea"/>
-              </a:rPr>
-              <a:t> THỐNG</a:t>
-            </a:r>
-            <a:r>
-              <a:rPr lang="en-US" altLang="en-GB" sz="2665" b="1">
-                <a:cs typeface="+mj-lt"/>
-                <a:sym typeface="+mn-ea"/>
-              </a:rPr>
-              <a:t> </a:t>
-            </a:r>
-            <a:r>
-              <a:rPr lang="en-GB" altLang="en-US" sz="2665" b="1">
-                <a:cs typeface="+mj-lt"/>
-                <a:sym typeface="+mn-ea"/>
-              </a:rPr>
-              <a:t>PHỤC VỤ CHO</a:t>
-            </a:r>
-            <a:r>
-              <a:rPr lang="en-US" altLang="en-GB" sz="2665" b="1">
-                <a:cs typeface="+mj-lt"/>
-                <a:sym typeface="+mn-ea"/>
-              </a:rPr>
-              <a:t> </a:t>
-            </a:r>
-            <a:r>
-              <a:rPr lang="en-GB" altLang="en-US" sz="2665" b="1">
-                <a:cs typeface="+mj-lt"/>
-                <a:sym typeface="+mn-ea"/>
-              </a:rPr>
-              <a:t>NHÀ MÁY TẠI BOSCH GLOBAL SOFTWARE TECHNOLOGIES VIETNAM</a:t>
-            </a:r>
-            <a:endParaRPr lang="en-GB" altLang="en-US" sz="2665" b="1">
-              <a:cs typeface="+mj-lt"/>
+              <a:t>PHÂN HIỆU TẠI TP. HỒ CHÍ MINH</a:t>
+            </a:r>
+            <a:endParaRPr lang="en-US" altLang="en-GB" sz="2665" b="1">
+              <a:solidFill>
+                <a:schemeClr val="bg1"/>
+              </a:solidFill>
+              <a:latin typeface="Segoe UI" panose="020B0502040204020203" charset="0"/>
+              <a:cs typeface="Segoe UI" panose="020B0502040204020203" charset="0"/>
+              <a:sym typeface="+mn-ea"/>
             </a:endParaRPr>
           </a:p>
         </p:txBody>
       </p:sp>
       <p:sp>
         <p:nvSpPr>
-          <p:cNvPr id="3" name="Subtitle 2"/>
-          <p:cNvSpPr>
-            <a:spLocks noGrp="1"/>
-          </p:cNvSpPr>
-          <p:nvPr>
-            <p:ph type="subTitle" idx="1"/>
-          </p:nvPr>
-        </p:nvSpPr>
-        <p:spPr>
-          <a:xfrm>
-            <a:off x="3538855" y="3602355"/>
-            <a:ext cx="5113655" cy="1655445"/>
-          </a:xfrm>
-        </p:spPr>
-        <p:txBody>
-          <a:bodyPr anchor="ctr" anchorCtr="0"/>
-          <a:p>
-            <a:pPr algn="l">
-              <a:lnSpc>
-                <a:spcPct val="100000"/>
-              </a:lnSpc>
-            </a:pPr>
-            <a:r>
-              <a:rPr lang="en-US" b="1">
-                <a:latin typeface="+mj-lt"/>
-                <a:cs typeface="+mj-lt"/>
-              </a:rPr>
-              <a:t>Sinh viên thực hiện:	HOÀNG MINH TÀI </a:t>
-            </a:r>
-            <a:endParaRPr lang="en-US" b="1">
-              <a:latin typeface="+mj-lt"/>
-              <a:cs typeface="+mj-lt"/>
-            </a:endParaRPr>
-          </a:p>
-          <a:p>
-            <a:pPr algn="l">
-              <a:lnSpc>
-                <a:spcPct val="100000"/>
-              </a:lnSpc>
-            </a:pPr>
-            <a:r>
-              <a:rPr lang="en-US" b="1">
-                <a:latin typeface="+mj-lt"/>
-                <a:cs typeface="+mj-lt"/>
-              </a:rPr>
-              <a:t>MSSV		       :	6051071102</a:t>
-            </a:r>
-            <a:endParaRPr lang="en-US" b="1">
-              <a:latin typeface="+mj-lt"/>
-              <a:cs typeface="+mj-lt"/>
-            </a:endParaRPr>
+          <p:cNvPr id="5" name="Slide Number Placeholder 4"/>
+          <p:cNvSpPr>
+            <a:spLocks noGrp="1"/>
+          </p:cNvSpPr>
+          <p:nvPr>
+            <p:ph type="sldNum" sz="quarter" idx="12"/>
+          </p:nvPr>
+        </p:nvSpPr>
+        <p:spPr/>
+        <p:txBody>
+          <a:bodyPr/>
+          <a:p>
+            <a:fld id="{3C4FCFE7-4CFC-4698-A5C8-57D6C94FD847}" type="slidenum">
+              <a:rPr lang="en-US" smtClean="0"/>
+            </a:fld>
+            <a:endParaRPr lang="en-US"/>
+          </a:p>
+        </p:txBody>
+      </p:sp>
+      <p:sp>
+        <p:nvSpPr>
+          <p:cNvPr id="6" name="Footer Placeholder 5"/>
+          <p:cNvSpPr>
+            <a:spLocks noGrp="1"/>
+          </p:cNvSpPr>
+          <p:nvPr>
+            <p:ph type="ftr" sz="quarter" idx="11"/>
+          </p:nvPr>
+        </p:nvSpPr>
+        <p:spPr/>
+        <p:txBody>
+          <a:bodyPr/>
+          <a:p>
+            <a:r>
+              <a:rPr lang="en-US"/>
+              <a:t>Hoàng Minh Tài - 6051071102</a:t>
+            </a:r>
+            <a:endParaRPr lang="en-US"/>
           </a:p>
         </p:txBody>
       </p:sp>
@@ -9058,6 +9430,14 @@
 <file path=ppt/slides/slide10.xml><?xml version="1.0" encoding="utf-8"?>
 <p:sld xmlns:a="http://schemas.openxmlformats.org/drawingml/2006/main" xmlns:r="http://schemas.openxmlformats.org/officeDocument/2006/relationships" xmlns:p="http://schemas.openxmlformats.org/presentationml/2006/main">
   <p:cSld>
+    <p:bg>
+      <p:bgPr>
+        <a:blipFill>
+          <a:blip r:embed="rId1"/>
+        </a:blipFill>
+        <a:effectLst/>
+      </p:bgPr>
+    </p:bg>
     <p:spTree>
       <p:nvGrpSpPr>
         <p:cNvPr id="1" name=""/>
@@ -9077,115 +9457,36 @@
         </p:nvSpPr>
         <p:spPr>
           <a:xfrm>
-            <a:off x="838200" y="219075"/>
-            <a:ext cx="10515600" cy="1325563"/>
+            <a:off x="838200" y="365125"/>
+            <a:ext cx="10515600" cy="916940"/>
           </a:xfrm>
         </p:spPr>
         <p:txBody>
           <a:bodyPr anchor="ctr" anchorCtr="0"/>
           <a:p>
             <a:r>
-              <a:rPr lang="en-US" altLang="en-GB">
+              <a:rPr lang="en-US" altLang="en-GB" sz="2800" b="1">
                 <a:solidFill>
                   <a:schemeClr val="bg1"/>
                 </a:solidFill>
-                <a:sym typeface="+mn-ea"/>
+                <a:latin typeface="Segoe UI" panose="020B0502040204020203" charset="0"/>
+                <a:cs typeface="Segoe UI" panose="020B0502040204020203" charset="0"/>
               </a:rPr>
-              <a:t>Các công nghệ sử dụng</a:t>
-            </a:r>
-            <a:endParaRPr lang="en-US" altLang="en-GB">
+              <a:t>Giới thiệu về hệ thống đề xuất nội dung</a:t>
+            </a:r>
+            <a:endParaRPr lang="en-US" altLang="en-GB" sz="2800" b="1">
               <a:solidFill>
                 <a:schemeClr val="bg1"/>
               </a:solidFill>
-              <a:sym typeface="+mn-ea"/>
+              <a:latin typeface="Segoe UI" panose="020B0502040204020203" charset="0"/>
+              <a:cs typeface="Segoe UI" panose="020B0502040204020203" charset="0"/>
             </a:endParaRPr>
           </a:p>
         </p:txBody>
       </p:sp>
-      <p:graphicFrame>
-        <p:nvGraphicFramePr>
-          <p:cNvPr id="12" name="Content Placeholder 11"/>
-          <p:cNvGraphicFramePr/>
-          <p:nvPr>
-            <p:ph sz="half" idx="1"/>
-          </p:nvPr>
-        </p:nvGraphicFramePr>
-        <p:xfrm>
-          <a:off x="838200" y="1825625"/>
-          <a:ext cx="5181600" cy="2132965"/>
-        </p:xfrm>
-        <a:graphic>
-          <a:graphicData uri="http://schemas.openxmlformats.org/drawingml/2006/table">
-            <a:tbl>
-              <a:tblPr firstRow="1" bandRow="1">
-                <a:tableStyleId>{5C22544A-7EE6-4342-B048-85BDC9FD1C3A}</a:tableStyleId>
-              </a:tblPr>
-              <a:tblGrid>
-                <a:gridCol w="2590800"/>
-                <a:gridCol w="2590800"/>
-              </a:tblGrid>
-              <a:tr h="1073785">
-                <a:tc gridSpan="2">
-                  <a:txBody>
-                    <a:bodyPr/>
-                    <a:p>
-                      <a:pPr algn="ctr">
-                        <a:buNone/>
-                      </a:pPr>
-                      <a:endParaRPr lang="en-GB" altLang="en-US">
-                        <a:solidFill>
-                          <a:schemeClr val="tx1"/>
-                        </a:solidFill>
-                      </a:endParaRPr>
-                    </a:p>
-                  </a:txBody>
-                  <a:tcPr>
-                    <a:noFill/>
-                  </a:tcPr>
-                </a:tc>
-                <a:tc hMerge="1">
-                  <a:tcPr>
-                    <a:noFill/>
-                  </a:tcPr>
-                </a:tc>
-              </a:tr>
-              <a:tr h="1059180">
-                <a:tc>
-                  <a:txBody>
-                    <a:bodyPr/>
-                    <a:p>
-                      <a:pPr>
-                        <a:buNone/>
-                      </a:pPr>
-                      <a:endParaRPr lang="en-GB" altLang="en-US"/>
-                    </a:p>
-                  </a:txBody>
-                  <a:tcPr>
-                    <a:noFill/>
-                  </a:tcPr>
-                </a:tc>
-                <a:tc>
-                  <a:txBody>
-                    <a:bodyPr/>
-                    <a:p>
-                      <a:pPr>
-                        <a:buNone/>
-                      </a:pPr>
-                      <a:endParaRPr lang="en-GB" altLang="en-US"/>
-                    </a:p>
-                  </a:txBody>
-                  <a:tcPr>
-                    <a:noFill/>
-                  </a:tcPr>
-                </a:tc>
-              </a:tr>
-            </a:tbl>
-          </a:graphicData>
-        </a:graphic>
-      </p:graphicFrame>
-      <p:sp>
-        <p:nvSpPr>
-          <p:cNvPr id="7" name="Text Placeholder 3"/>
+      <p:sp>
+        <p:nvSpPr>
+          <p:cNvPr id="14" name="Text Placeholder 3"/>
           <p:cNvSpPr>
             <a:spLocks noGrp="1"/>
           </p:cNvSpPr>
@@ -9193,15 +9494,15 @@
         </p:nvSpPr>
         <p:spPr>
           <a:xfrm>
-            <a:off x="1376680" y="6189980"/>
-            <a:ext cx="8828405" cy="513080"/>
+            <a:off x="847725" y="1282065"/>
+            <a:ext cx="3456940" cy="510540"/>
           </a:xfrm>
           <a:prstGeom prst="rect">
             <a:avLst/>
           </a:prstGeom>
         </p:spPr>
         <p:txBody>
-          <a:bodyPr vert="horz" lIns="91440" tIns="45720" rIns="91440" bIns="45720" rtlCol="0" anchor="ctr" anchorCtr="0">
+          <a:bodyPr vert="horz" lIns="91440" tIns="45720" rIns="91440" bIns="45720" rtlCol="0" anchor="b">
             <a:noAutofit/>
           </a:bodyPr>
           <a:lstStyle>
@@ -9369,45 +9670,132 @@
             </a:lvl9pPr>
           </a:lstStyle>
           <a:p>
-            <a:pPr algn="ctr">
-              <a:lnSpc>
-                <a:spcPct val="160000"/>
-              </a:lnSpc>
-              <a:buFont typeface="Arial" panose="020B0604020202020204" pitchFamily="34" charset="0"/>
+            <a:pPr marL="457200" indent="-457200">
+              <a:lnSpc>
+                <a:spcPct val="150000"/>
+              </a:lnSpc>
+              <a:buAutoNum type="arabicPeriod"/>
             </a:pPr>
-            <a:r>
-              <a:rPr lang="en-US" altLang="en-GB" sz="2200" b="0">
-                <a:sym typeface="+mn-ea"/>
+            <a:endParaRPr lang="en-US" altLang="en-GB" b="0">
+              <a:solidFill>
+                <a:srgbClr val="002060"/>
+              </a:solidFill>
+              <a:latin typeface="Segoe UI" panose="020B0502040204020203" charset="0"/>
+              <a:cs typeface="Segoe UI" panose="020B0502040204020203" charset="0"/>
+            </a:endParaRPr>
+          </a:p>
+          <a:p>
+            <a:pPr marL="457200" indent="-457200">
+              <a:lnSpc>
+                <a:spcPct val="150000"/>
+              </a:lnSpc>
+              <a:buAutoNum type="arabicPeriod"/>
+            </a:pPr>
+            <a:endParaRPr lang="en-US" altLang="en-GB" b="0">
+              <a:solidFill>
+                <a:srgbClr val="002060"/>
+              </a:solidFill>
+              <a:latin typeface="Segoe UI" panose="020B0502040204020203" charset="0"/>
+              <a:cs typeface="Segoe UI" panose="020B0502040204020203" charset="0"/>
+            </a:endParaRPr>
+          </a:p>
+          <a:p>
+            <a:pPr marL="457200" indent="-457200">
+              <a:lnSpc>
+                <a:spcPct val="150000"/>
+              </a:lnSpc>
+              <a:buAutoNum type="arabicPeriod"/>
+            </a:pPr>
+            <a:endParaRPr lang="en-US" altLang="en-GB" b="0">
+              <a:solidFill>
+                <a:srgbClr val="002060"/>
+              </a:solidFill>
+              <a:latin typeface="Segoe UI" panose="020B0502040204020203" charset="0"/>
+              <a:cs typeface="Segoe UI" panose="020B0502040204020203" charset="0"/>
+            </a:endParaRPr>
+          </a:p>
+          <a:p>
+            <a:pPr>
+              <a:lnSpc>
+                <a:spcPct val="150000"/>
+              </a:lnSpc>
+            </a:pPr>
+            <a:endParaRPr lang="en-US" altLang="en-GB" b="0">
+              <a:solidFill>
+                <a:srgbClr val="002060"/>
+              </a:solidFill>
+              <a:latin typeface="Segoe UI" panose="020B0502040204020203" charset="0"/>
+              <a:cs typeface="Segoe UI" panose="020B0502040204020203" charset="0"/>
+            </a:endParaRPr>
+          </a:p>
+          <a:p>
+            <a:pPr>
+              <a:lnSpc>
+                <a:spcPct val="150000"/>
+              </a:lnSpc>
+            </a:pPr>
+            <a:r>
+              <a:rPr lang="en-US" altLang="en-GB" b="0">
+                <a:solidFill>
+                  <a:srgbClr val="002060"/>
+                </a:solidFill>
+                <a:latin typeface="Segoe UI" panose="020B0502040204020203" charset="0"/>
+                <a:cs typeface="Segoe UI" panose="020B0502040204020203" charset="0"/>
               </a:rPr>
-              <a:t>Mô hình client/server khi kết hợp với REST API</a:t>
-            </a:r>
-            <a:endParaRPr lang="en-US" altLang="en-GB" sz="2200" b="0">
-              <a:sym typeface="+mn-ea"/>
+              <a:t>Cách thức hoạt động</a:t>
+            </a:r>
+            <a:endParaRPr lang="en-US" altLang="en-GB" b="0">
+              <a:solidFill>
+                <a:srgbClr val="002060"/>
+              </a:solidFill>
+              <a:latin typeface="Segoe UI" panose="020B0502040204020203" charset="0"/>
+              <a:cs typeface="Segoe UI" panose="020B0502040204020203" charset="0"/>
             </a:endParaRPr>
           </a:p>
         </p:txBody>
       </p:sp>
       <p:pic>
         <p:nvPicPr>
-          <p:cNvPr id="27" name="Picture 4" descr="IMG_256"/>
+          <p:cNvPr id="5" name="Content Placeholder 4"/>
           <p:cNvPicPr>
             <a:picLocks noChangeAspect="1"/>
           </p:cNvPicPr>
           <p:nvPr>
-            <p:ph sz="half" idx="2"/>
+            <p:ph sz="half" idx="1"/>
           </p:nvPr>
         </p:nvPicPr>
         <p:blipFill>
-          <a:blip r:embed="rId1"/>
-          <a:srcRect l="883" r="569" b="3152"/>
+          <a:blip r:embed="rId2"/>
           <a:stretch>
             <a:fillRect/>
           </a:stretch>
         </p:blipFill>
         <p:spPr>
           <a:xfrm>
-            <a:off x="3634105" y="1341120"/>
-            <a:ext cx="4923790" cy="4848860"/>
+            <a:off x="6259830" y="1946275"/>
+            <a:ext cx="5181600" cy="3979545"/>
+          </a:xfrm>
+          <a:prstGeom prst="rect">
+            <a:avLst/>
+          </a:prstGeom>
+        </p:spPr>
+      </p:pic>
+      <p:pic>
+        <p:nvPicPr>
+          <p:cNvPr id="102" name="Picture 101"/>
+          <p:cNvPicPr/>
+          <p:nvPr/>
+        </p:nvPicPr>
+        <p:blipFill>
+          <a:blip r:embed="rId3"/>
+          <a:stretch>
+            <a:fillRect/>
+          </a:stretch>
+        </p:blipFill>
+        <p:spPr>
+          <a:xfrm>
+            <a:off x="1690370" y="1946275"/>
+            <a:ext cx="2851150" cy="965835"/>
           </a:xfrm>
           <a:prstGeom prst="rect">
             <a:avLst/>
@@ -9418,6 +9806,463 @@
           </a:ln>
         </p:spPr>
       </p:pic>
+      <p:pic>
+        <p:nvPicPr>
+          <p:cNvPr id="103" name="Content Placeholder 102"/>
+          <p:cNvPicPr>
+            <a:picLocks noChangeAspect="1"/>
+          </p:cNvPicPr>
+          <p:nvPr>
+            <p:ph sz="half" idx="2"/>
+          </p:nvPr>
+        </p:nvPicPr>
+        <p:blipFill>
+          <a:blip r:embed="rId4"/>
+          <a:stretch>
+            <a:fillRect/>
+          </a:stretch>
+        </p:blipFill>
+        <p:spPr>
+          <a:xfrm>
+            <a:off x="1690370" y="3068320"/>
+            <a:ext cx="3503930" cy="633730"/>
+          </a:xfrm>
+          <a:prstGeom prst="rect">
+            <a:avLst/>
+          </a:prstGeom>
+          <a:noFill/>
+          <a:ln w="9525">
+            <a:noFill/>
+          </a:ln>
+        </p:spPr>
+      </p:pic>
+      <p:sp>
+        <p:nvSpPr>
+          <p:cNvPr id="104" name="Text Box 103"/>
+          <p:cNvSpPr txBox="1"/>
+          <p:nvPr/>
+        </p:nvSpPr>
+        <p:spPr>
+          <a:xfrm>
+            <a:off x="1345565" y="4037965"/>
+            <a:ext cx="4193540" cy="521970"/>
+          </a:xfrm>
+          <a:prstGeom prst="rect">
+            <a:avLst/>
+          </a:prstGeom>
+          <a:noFill/>
+          <a:ln w="9525">
+            <a:noFill/>
+          </a:ln>
+        </p:spPr>
+        <p:txBody>
+          <a:bodyPr wrap="square">
+            <a:spAutoFit/>
+          </a:bodyPr>
+          <a:p>
+            <a:pPr indent="266700" algn="ctr"/>
+            <a:r>
+              <a:rPr lang="en-US" sz="2800" b="0">
+                <a:latin typeface="Cambria Math" panose="02040503050406030204" charset="0"/>
+                <a:cs typeface="Times New Roman" panose="02020603050405020304" charset="0"/>
+              </a:rPr>
+              <a:t>Tfidf</a:t>
+            </a:r>
+            <a:r>
+              <a:rPr lang="en-US" sz="2800" b="0" baseline="-25000">
+                <a:latin typeface="Cambria Math" panose="02040503050406030204" charset="0"/>
+                <a:cs typeface="Times New Roman" panose="02020603050405020304" charset="0"/>
+              </a:rPr>
+              <a:t>(t,d,D)</a:t>
+            </a:r>
+            <a:r>
+              <a:rPr lang="en-US" sz="2800" b="0">
+                <a:latin typeface="Cambria Math" panose="02040503050406030204" charset="0"/>
+                <a:cs typeface="Times New Roman" panose="02020603050405020304" charset="0"/>
+              </a:rPr>
+              <a:t> = Tf</a:t>
+            </a:r>
+            <a:r>
+              <a:rPr lang="en-US" sz="2800" b="0" baseline="-25000">
+                <a:latin typeface="Cambria Math" panose="02040503050406030204" charset="0"/>
+                <a:cs typeface="Times New Roman" panose="02020603050405020304" charset="0"/>
+              </a:rPr>
+              <a:t>(t,d)</a:t>
+            </a:r>
+            <a:r>
+              <a:rPr lang="en-US" sz="2800" b="0">
+                <a:latin typeface="Cambria Math" panose="02040503050406030204" charset="0"/>
+                <a:cs typeface="Times New Roman" panose="02020603050405020304" charset="0"/>
+              </a:rPr>
+              <a:t> * Idf</a:t>
+            </a:r>
+            <a:r>
+              <a:rPr lang="en-US" sz="2800" b="0" baseline="-25000">
+                <a:latin typeface="Cambria Math" panose="02040503050406030204" charset="0"/>
+                <a:cs typeface="Times New Roman" panose="02020603050405020304" charset="0"/>
+              </a:rPr>
+              <a:t>(t,D)</a:t>
+            </a:r>
+            <a:endParaRPr lang="en-GB" altLang="en-US" sz="2800"/>
+          </a:p>
+        </p:txBody>
+      </p:sp>
+      <p:sp>
+        <p:nvSpPr>
+          <p:cNvPr id="7" name="Text Box 6"/>
+          <p:cNvSpPr txBox="1"/>
+          <p:nvPr/>
+        </p:nvSpPr>
+        <p:spPr>
+          <a:xfrm>
+            <a:off x="545465" y="4785360"/>
+            <a:ext cx="5714365" cy="1753235"/>
+          </a:xfrm>
+          <a:prstGeom prst="rect">
+            <a:avLst/>
+          </a:prstGeom>
+          <a:noFill/>
+        </p:spPr>
+        <p:txBody>
+          <a:bodyPr wrap="square" rtlCol="0">
+            <a:spAutoFit/>
+          </a:bodyPr>
+          <a:p>
+            <a:r>
+              <a:rPr lang="en-GB" altLang="en-US">
+                <a:solidFill>
+                  <a:srgbClr val="002060"/>
+                </a:solidFill>
+                <a:latin typeface="Segoe UI" panose="020B0502040204020203" charset="0"/>
+                <a:cs typeface="Segoe UI" panose="020B0502040204020203" charset="0"/>
+              </a:rPr>
+              <a:t>Trong đó:</a:t>
+            </a:r>
+            <a:r>
+              <a:rPr lang="en-US" altLang="en-GB">
+                <a:solidFill>
+                  <a:srgbClr val="002060"/>
+                </a:solidFill>
+                <a:latin typeface="Segoe UI" panose="020B0502040204020203" charset="0"/>
+                <a:cs typeface="Segoe UI" panose="020B0502040204020203" charset="0"/>
+              </a:rPr>
+              <a:t> </a:t>
+            </a:r>
+            <a:endParaRPr lang="en-US" altLang="en-GB">
+              <a:solidFill>
+                <a:srgbClr val="002060"/>
+              </a:solidFill>
+              <a:latin typeface="Segoe UI" panose="020B0502040204020203" charset="0"/>
+              <a:cs typeface="Segoe UI" panose="020B0502040204020203" charset="0"/>
+            </a:endParaRPr>
+          </a:p>
+          <a:p>
+            <a:r>
+              <a:rPr lang="en-US" altLang="en-GB">
+                <a:solidFill>
+                  <a:srgbClr val="002060"/>
+                </a:solidFill>
+                <a:latin typeface="Segoe UI" panose="020B0502040204020203" charset="0"/>
+                <a:cs typeface="Segoe UI" panose="020B0502040204020203" charset="0"/>
+              </a:rPr>
+              <a:t>{1}</a:t>
+            </a:r>
+            <a:r>
+              <a:rPr lang="en-GB" altLang="en-US">
+                <a:solidFill>
+                  <a:srgbClr val="002060"/>
+                </a:solidFill>
+                <a:latin typeface="Segoe UI" panose="020B0502040204020203" charset="0"/>
+                <a:cs typeface="Segoe UI" panose="020B0502040204020203" charset="0"/>
+              </a:rPr>
+              <a:t> là số lần xuất hiện của thuật ngữ t trong tài liệu d.</a:t>
+            </a:r>
+            <a:endParaRPr lang="en-GB" altLang="en-US">
+              <a:solidFill>
+                <a:srgbClr val="002060"/>
+              </a:solidFill>
+              <a:latin typeface="Segoe UI" panose="020B0502040204020203" charset="0"/>
+              <a:cs typeface="Segoe UI" panose="020B0502040204020203" charset="0"/>
+            </a:endParaRPr>
+          </a:p>
+          <a:p>
+            <a:r>
+              <a:rPr lang="en-US" altLang="en-GB">
+                <a:solidFill>
+                  <a:srgbClr val="002060"/>
+                </a:solidFill>
+                <a:latin typeface="Segoe UI" panose="020B0502040204020203" charset="0"/>
+                <a:cs typeface="Segoe UI" panose="020B0502040204020203" charset="0"/>
+              </a:rPr>
+              <a:t>{2} </a:t>
+            </a:r>
+            <a:r>
+              <a:rPr lang="en-GB" altLang="en-US">
+                <a:solidFill>
+                  <a:srgbClr val="002060"/>
+                </a:solidFill>
+                <a:latin typeface="Segoe UI" panose="020B0502040204020203" charset="0"/>
+                <a:cs typeface="Segoe UI" panose="020B0502040204020203" charset="0"/>
+              </a:rPr>
+              <a:t>là tổng số từ trong tài liệu d.</a:t>
+            </a:r>
+            <a:endParaRPr lang="en-GB" altLang="en-US">
+              <a:solidFill>
+                <a:srgbClr val="002060"/>
+              </a:solidFill>
+              <a:latin typeface="Segoe UI" panose="020B0502040204020203" charset="0"/>
+              <a:cs typeface="Segoe UI" panose="020B0502040204020203" charset="0"/>
+            </a:endParaRPr>
+          </a:p>
+          <a:p>
+            <a:r>
+              <a:rPr lang="en-US" altLang="en-GB">
+                <a:solidFill>
+                  <a:srgbClr val="002060"/>
+                </a:solidFill>
+                <a:latin typeface="Segoe UI" panose="020B0502040204020203" charset="0"/>
+                <a:cs typeface="Segoe UI" panose="020B0502040204020203" charset="0"/>
+              </a:rPr>
+              <a:t>{3}</a:t>
+            </a:r>
+            <a:r>
+              <a:rPr lang="en-GB" altLang="en-US">
+                <a:solidFill>
+                  <a:srgbClr val="002060"/>
+                </a:solidFill>
+                <a:latin typeface="Segoe UI" panose="020B0502040204020203" charset="0"/>
+                <a:cs typeface="Segoe UI" panose="020B0502040204020203" charset="0"/>
+              </a:rPr>
+              <a:t> là tổng số tài liệu trong tập văn bản D.</a:t>
+            </a:r>
+            <a:endParaRPr lang="en-GB" altLang="en-US">
+              <a:solidFill>
+                <a:srgbClr val="002060"/>
+              </a:solidFill>
+              <a:latin typeface="Segoe UI" panose="020B0502040204020203" charset="0"/>
+              <a:cs typeface="Segoe UI" panose="020B0502040204020203" charset="0"/>
+            </a:endParaRPr>
+          </a:p>
+          <a:p>
+            <a:r>
+              <a:rPr lang="en-US" altLang="en-GB">
+                <a:solidFill>
+                  <a:srgbClr val="002060"/>
+                </a:solidFill>
+                <a:latin typeface="Segoe UI" panose="020B0502040204020203" charset="0"/>
+                <a:cs typeface="Segoe UI" panose="020B0502040204020203" charset="0"/>
+              </a:rPr>
+              <a:t>{4}</a:t>
+            </a:r>
+            <a:r>
+              <a:rPr lang="en-GB" altLang="en-US">
+                <a:solidFill>
+                  <a:srgbClr val="002060"/>
+                </a:solidFill>
+                <a:latin typeface="Segoe UI" panose="020B0502040204020203" charset="0"/>
+                <a:cs typeface="Segoe UI" panose="020B0502040204020203" charset="0"/>
+              </a:rPr>
+              <a:t> là số văn bản chứa từ nhất định, với điều kiện t xuất hiện trong văn bản </a:t>
+            </a:r>
+            <a:r>
+              <a:rPr lang="en-US" altLang="en-GB">
+                <a:solidFill>
+                  <a:srgbClr val="002060"/>
+                </a:solidFill>
+                <a:latin typeface="Segoe UI" panose="020B0502040204020203" charset="0"/>
+                <a:cs typeface="Segoe UI" panose="020B0502040204020203" charset="0"/>
+              </a:rPr>
+              <a:t>(TF</a:t>
+            </a:r>
+            <a:r>
+              <a:rPr lang="en-US" altLang="en-GB" baseline="-25000">
+                <a:solidFill>
+                  <a:srgbClr val="002060"/>
+                </a:solidFill>
+                <a:latin typeface="Segoe UI" panose="020B0502040204020203" charset="0"/>
+                <a:cs typeface="Segoe UI" panose="020B0502040204020203" charset="0"/>
+              </a:rPr>
+              <a:t>(t,d)</a:t>
+            </a:r>
+            <a:r>
+              <a:rPr lang="en-GB" altLang="en-US">
+                <a:solidFill>
+                  <a:srgbClr val="002060"/>
+                </a:solidFill>
+                <a:latin typeface="Segoe UI" panose="020B0502040204020203" charset="0"/>
+                <a:cs typeface="Segoe UI" panose="020B0502040204020203" charset="0"/>
+              </a:rPr>
+              <a:t> ≠ 0)</a:t>
+            </a:r>
+            <a:endParaRPr lang="en-GB" altLang="en-US">
+              <a:solidFill>
+                <a:srgbClr val="002060"/>
+              </a:solidFill>
+              <a:latin typeface="Segoe UI" panose="020B0502040204020203" charset="0"/>
+              <a:cs typeface="Segoe UI" panose="020B0502040204020203" charset="0"/>
+            </a:endParaRPr>
+          </a:p>
+        </p:txBody>
+      </p:sp>
+      <p:sp>
+        <p:nvSpPr>
+          <p:cNvPr id="8" name="Text Box 7"/>
+          <p:cNvSpPr txBox="1"/>
+          <p:nvPr/>
+        </p:nvSpPr>
+        <p:spPr>
+          <a:xfrm>
+            <a:off x="4541520" y="2054225"/>
+            <a:ext cx="441960" cy="368300"/>
+          </a:xfrm>
+          <a:prstGeom prst="rect">
+            <a:avLst/>
+          </a:prstGeom>
+          <a:noFill/>
+        </p:spPr>
+        <p:txBody>
+          <a:bodyPr wrap="none" rtlCol="0">
+            <a:spAutoFit/>
+          </a:bodyPr>
+          <a:p>
+            <a:r>
+              <a:rPr lang="en-US" altLang="en-GB"/>
+              <a:t>{1}</a:t>
+            </a:r>
+            <a:endParaRPr lang="en-US" altLang="en-GB"/>
+          </a:p>
+        </p:txBody>
+      </p:sp>
+      <p:sp>
+        <p:nvSpPr>
+          <p:cNvPr id="9" name="Text Box 8"/>
+          <p:cNvSpPr txBox="1"/>
+          <p:nvPr/>
+        </p:nvSpPr>
+        <p:spPr>
+          <a:xfrm>
+            <a:off x="4541520" y="2560955"/>
+            <a:ext cx="441960" cy="368300"/>
+          </a:xfrm>
+          <a:prstGeom prst="rect">
+            <a:avLst/>
+          </a:prstGeom>
+          <a:noFill/>
+        </p:spPr>
+        <p:txBody>
+          <a:bodyPr wrap="square" rtlCol="0">
+            <a:spAutoFit/>
+          </a:bodyPr>
+          <a:p>
+            <a:r>
+              <a:rPr lang="en-US" altLang="en-GB"/>
+              <a:t>{2}</a:t>
+            </a:r>
+            <a:endParaRPr lang="en-US" altLang="en-GB"/>
+          </a:p>
+        </p:txBody>
+      </p:sp>
+      <p:sp>
+        <p:nvSpPr>
+          <p:cNvPr id="11" name="Text Box 10"/>
+          <p:cNvSpPr txBox="1"/>
+          <p:nvPr/>
+        </p:nvSpPr>
+        <p:spPr>
+          <a:xfrm>
+            <a:off x="5302250" y="2973070"/>
+            <a:ext cx="441960" cy="368300"/>
+          </a:xfrm>
+          <a:prstGeom prst="rect">
+            <a:avLst/>
+          </a:prstGeom>
+          <a:noFill/>
+        </p:spPr>
+        <p:txBody>
+          <a:bodyPr wrap="none" rtlCol="0">
+            <a:spAutoFit/>
+          </a:bodyPr>
+          <a:p>
+            <a:r>
+              <a:rPr lang="en-US" altLang="en-GB"/>
+              <a:t>{3}</a:t>
+            </a:r>
+            <a:endParaRPr lang="en-US" altLang="en-GB"/>
+          </a:p>
+        </p:txBody>
+      </p:sp>
+      <p:sp>
+        <p:nvSpPr>
+          <p:cNvPr id="12" name="Text Box 11"/>
+          <p:cNvSpPr txBox="1"/>
+          <p:nvPr/>
+        </p:nvSpPr>
+        <p:spPr>
+          <a:xfrm>
+            <a:off x="5302250" y="3415030"/>
+            <a:ext cx="441960" cy="368300"/>
+          </a:xfrm>
+          <a:prstGeom prst="rect">
+            <a:avLst/>
+          </a:prstGeom>
+          <a:noFill/>
+        </p:spPr>
+        <p:txBody>
+          <a:bodyPr wrap="none" rtlCol="0">
+            <a:spAutoFit/>
+          </a:bodyPr>
+          <a:p>
+            <a:r>
+              <a:rPr lang="en-US" altLang="en-GB"/>
+              <a:t>{4}</a:t>
+            </a:r>
+            <a:endParaRPr lang="en-US" altLang="en-GB"/>
+          </a:p>
+        </p:txBody>
+      </p:sp>
+      <p:sp>
+        <p:nvSpPr>
+          <p:cNvPr id="13" name="Slide Number Placeholder 12"/>
+          <p:cNvSpPr>
+            <a:spLocks noGrp="1"/>
+          </p:cNvSpPr>
+          <p:nvPr>
+            <p:ph type="sldNum" sz="quarter" idx="12"/>
+          </p:nvPr>
+        </p:nvSpPr>
+        <p:spPr/>
+        <p:txBody>
+          <a:bodyPr/>
+          <a:p>
+            <a:fld id="{3C4FCFE7-4CFC-4698-A5C8-57D6C94FD847}" type="slidenum">
+              <a:rPr lang="en-US" smtClean="0"/>
+            </a:fld>
+            <a:endParaRPr lang="en-US"/>
+          </a:p>
+        </p:txBody>
+      </p:sp>
+      <p:sp>
+        <p:nvSpPr>
+          <p:cNvPr id="15" name="Footer Placeholder 14"/>
+          <p:cNvSpPr>
+            <a:spLocks noGrp="1"/>
+          </p:cNvSpPr>
+          <p:nvPr>
+            <p:ph type="ftr" sz="quarter" idx="11"/>
+          </p:nvPr>
+        </p:nvSpPr>
+        <p:spPr/>
+        <p:txBody>
+          <a:bodyPr/>
+          <a:p>
+            <a:r>
+              <a:rPr lang="en-US"/>
+              <a:t>Hoàng Minh Tài - 6051071102</a:t>
+            </a:r>
+            <a:endParaRPr lang="en-US"/>
+          </a:p>
+        </p:txBody>
+      </p:sp>
     </p:spTree>
   </p:cSld>
   <p:clrMapOvr>
@@ -9441,6 +10286,1629 @@
 <file path=ppt/slides/slide11.xml><?xml version="1.0" encoding="utf-8"?>
 <p:sld xmlns:a="http://schemas.openxmlformats.org/drawingml/2006/main" xmlns:r="http://schemas.openxmlformats.org/officeDocument/2006/relationships" xmlns:p="http://schemas.openxmlformats.org/presentationml/2006/main">
   <p:cSld>
+    <p:bg>
+      <p:bgPr>
+        <a:blipFill>
+          <a:blip r:embed="rId1"/>
+        </a:blipFill>
+        <a:effectLst/>
+      </p:bgPr>
+    </p:bg>
+    <p:spTree>
+      <p:nvGrpSpPr>
+        <p:cNvPr id="1" name=""/>
+        <p:cNvGrpSpPr/>
+        <p:nvPr/>
+      </p:nvGrpSpPr>
+      <p:grpSpPr/>
+      <p:sp>
+        <p:nvSpPr>
+          <p:cNvPr id="2" name="Title 1"/>
+          <p:cNvSpPr>
+            <a:spLocks noGrp="1"/>
+          </p:cNvSpPr>
+          <p:nvPr>
+            <p:ph type="title"/>
+          </p:nvPr>
+        </p:nvSpPr>
+        <p:spPr>
+          <a:xfrm>
+            <a:off x="838200" y="365125"/>
+            <a:ext cx="10515600" cy="916940"/>
+          </a:xfrm>
+        </p:spPr>
+        <p:txBody>
+          <a:bodyPr anchor="ctr" anchorCtr="0"/>
+          <a:p>
+            <a:r>
+              <a:rPr lang="en-US" altLang="en-GB" sz="2800" b="1">
+                <a:solidFill>
+                  <a:schemeClr val="bg1"/>
+                </a:solidFill>
+                <a:latin typeface="Segoe UI" panose="020B0502040204020203" charset="0"/>
+                <a:cs typeface="Segoe UI" panose="020B0502040204020203" charset="0"/>
+              </a:rPr>
+              <a:t>Giới thiệu về hệ thống đề xuất nội dung</a:t>
+            </a:r>
+            <a:endParaRPr lang="en-US" altLang="en-GB" sz="2800" b="1">
+              <a:solidFill>
+                <a:schemeClr val="bg1"/>
+              </a:solidFill>
+              <a:latin typeface="Segoe UI" panose="020B0502040204020203" charset="0"/>
+              <a:cs typeface="Segoe UI" panose="020B0502040204020203" charset="0"/>
+            </a:endParaRPr>
+          </a:p>
+        </p:txBody>
+      </p:sp>
+      <p:sp>
+        <p:nvSpPr>
+          <p:cNvPr id="14" name="Text Placeholder 3"/>
+          <p:cNvSpPr>
+            <a:spLocks noGrp="1"/>
+          </p:cNvSpPr>
+          <p:nvPr/>
+        </p:nvSpPr>
+        <p:spPr>
+          <a:xfrm>
+            <a:off x="847725" y="1282065"/>
+            <a:ext cx="3456940" cy="510540"/>
+          </a:xfrm>
+          <a:prstGeom prst="rect">
+            <a:avLst/>
+          </a:prstGeom>
+        </p:spPr>
+        <p:txBody>
+          <a:bodyPr vert="horz" lIns="91440" tIns="45720" rIns="91440" bIns="45720" rtlCol="0" anchor="b">
+            <a:noAutofit/>
+          </a:bodyPr>
+          <a:lstStyle>
+            <a:lvl1pPr marL="0" indent="0" algn="l" defTabSz="914400" rtl="0" eaLnBrk="1" latinLnBrk="0" hangingPunct="1">
+              <a:lnSpc>
+                <a:spcPct val="90000"/>
+              </a:lnSpc>
+              <a:spcBef>
+                <a:spcPts val="1000"/>
+              </a:spcBef>
+              <a:buFont typeface="Arial" panose="020B0604020202020204" pitchFamily="34" charset="0"/>
+              <a:buNone/>
+              <a:defRPr sz="2400" b="1" kern="1200">
+                <a:solidFill>
+                  <a:schemeClr val="tx1"/>
+                </a:solidFill>
+                <a:latin typeface="+mn-lt"/>
+                <a:ea typeface="+mn-ea"/>
+                <a:cs typeface="+mn-cs"/>
+              </a:defRPr>
+            </a:lvl1pPr>
+            <a:lvl2pPr marL="457200" indent="0" algn="l" defTabSz="914400" rtl="0" eaLnBrk="1" latinLnBrk="0" hangingPunct="1">
+              <a:lnSpc>
+                <a:spcPct val="90000"/>
+              </a:lnSpc>
+              <a:spcBef>
+                <a:spcPts val="500"/>
+              </a:spcBef>
+              <a:buFont typeface="Arial" panose="020B0604020202020204" pitchFamily="34" charset="0"/>
+              <a:buNone/>
+              <a:defRPr sz="2000" b="1" kern="1200">
+                <a:solidFill>
+                  <a:schemeClr val="tx1"/>
+                </a:solidFill>
+                <a:latin typeface="+mn-lt"/>
+                <a:ea typeface="+mn-ea"/>
+                <a:cs typeface="+mn-cs"/>
+              </a:defRPr>
+            </a:lvl2pPr>
+            <a:lvl3pPr marL="914400" indent="0" algn="l" defTabSz="914400" rtl="0" eaLnBrk="1" latinLnBrk="0" hangingPunct="1">
+              <a:lnSpc>
+                <a:spcPct val="90000"/>
+              </a:lnSpc>
+              <a:spcBef>
+                <a:spcPts val="500"/>
+              </a:spcBef>
+              <a:buFont typeface="Arial" panose="020B0604020202020204" pitchFamily="34" charset="0"/>
+              <a:buNone/>
+              <a:defRPr sz="1800" b="1" kern="1200">
+                <a:solidFill>
+                  <a:schemeClr val="tx1"/>
+                </a:solidFill>
+                <a:latin typeface="+mn-lt"/>
+                <a:ea typeface="+mn-ea"/>
+                <a:cs typeface="+mn-cs"/>
+              </a:defRPr>
+            </a:lvl3pPr>
+            <a:lvl4pPr marL="1371600" indent="0" algn="l" defTabSz="914400" rtl="0" eaLnBrk="1" latinLnBrk="0" hangingPunct="1">
+              <a:lnSpc>
+                <a:spcPct val="90000"/>
+              </a:lnSpc>
+              <a:spcBef>
+                <a:spcPts val="500"/>
+              </a:spcBef>
+              <a:buFont typeface="Arial" panose="020B0604020202020204" pitchFamily="34" charset="0"/>
+              <a:buNone/>
+              <a:defRPr sz="1600" b="1" kern="1200">
+                <a:solidFill>
+                  <a:schemeClr val="tx1"/>
+                </a:solidFill>
+                <a:latin typeface="+mn-lt"/>
+                <a:ea typeface="+mn-ea"/>
+                <a:cs typeface="+mn-cs"/>
+              </a:defRPr>
+            </a:lvl4pPr>
+            <a:lvl5pPr marL="1828800" indent="0" algn="l" defTabSz="914400" rtl="0" eaLnBrk="1" latinLnBrk="0" hangingPunct="1">
+              <a:lnSpc>
+                <a:spcPct val="90000"/>
+              </a:lnSpc>
+              <a:spcBef>
+                <a:spcPts val="500"/>
+              </a:spcBef>
+              <a:buFont typeface="Arial" panose="020B0604020202020204" pitchFamily="34" charset="0"/>
+              <a:buNone/>
+              <a:defRPr sz="1600" b="1" kern="1200">
+                <a:solidFill>
+                  <a:schemeClr val="tx1"/>
+                </a:solidFill>
+                <a:latin typeface="+mn-lt"/>
+                <a:ea typeface="+mn-ea"/>
+                <a:cs typeface="+mn-cs"/>
+              </a:defRPr>
+            </a:lvl5pPr>
+            <a:lvl6pPr marL="2286000" indent="0" algn="l" defTabSz="914400" rtl="0" eaLnBrk="1" latinLnBrk="0" hangingPunct="1">
+              <a:lnSpc>
+                <a:spcPct val="90000"/>
+              </a:lnSpc>
+              <a:spcBef>
+                <a:spcPts val="500"/>
+              </a:spcBef>
+              <a:buFont typeface="Arial" panose="020B0604020202020204" pitchFamily="34" charset="0"/>
+              <a:buNone/>
+              <a:defRPr sz="1600" b="1" kern="1200">
+                <a:solidFill>
+                  <a:schemeClr val="tx1"/>
+                </a:solidFill>
+                <a:latin typeface="+mn-lt"/>
+                <a:ea typeface="+mn-ea"/>
+                <a:cs typeface="+mn-cs"/>
+              </a:defRPr>
+            </a:lvl6pPr>
+            <a:lvl7pPr marL="2743200" indent="0" algn="l" defTabSz="914400" rtl="0" eaLnBrk="1" latinLnBrk="0" hangingPunct="1">
+              <a:lnSpc>
+                <a:spcPct val="90000"/>
+              </a:lnSpc>
+              <a:spcBef>
+                <a:spcPts val="500"/>
+              </a:spcBef>
+              <a:buFont typeface="Arial" panose="020B0604020202020204" pitchFamily="34" charset="0"/>
+              <a:buNone/>
+              <a:defRPr sz="1600" b="1" kern="1200">
+                <a:solidFill>
+                  <a:schemeClr val="tx1"/>
+                </a:solidFill>
+                <a:latin typeface="+mn-lt"/>
+                <a:ea typeface="+mn-ea"/>
+                <a:cs typeface="+mn-cs"/>
+              </a:defRPr>
+            </a:lvl7pPr>
+            <a:lvl8pPr marL="3200400" indent="0" algn="l" defTabSz="914400" rtl="0" eaLnBrk="1" latinLnBrk="0" hangingPunct="1">
+              <a:lnSpc>
+                <a:spcPct val="90000"/>
+              </a:lnSpc>
+              <a:spcBef>
+                <a:spcPts val="500"/>
+              </a:spcBef>
+              <a:buFont typeface="Arial" panose="020B0604020202020204" pitchFamily="34" charset="0"/>
+              <a:buNone/>
+              <a:defRPr sz="1600" b="1" kern="1200">
+                <a:solidFill>
+                  <a:schemeClr val="tx1"/>
+                </a:solidFill>
+                <a:latin typeface="+mn-lt"/>
+                <a:ea typeface="+mn-ea"/>
+                <a:cs typeface="+mn-cs"/>
+              </a:defRPr>
+            </a:lvl8pPr>
+            <a:lvl9pPr marL="3657600" indent="0" algn="l" defTabSz="914400" rtl="0" eaLnBrk="1" latinLnBrk="0" hangingPunct="1">
+              <a:lnSpc>
+                <a:spcPct val="90000"/>
+              </a:lnSpc>
+              <a:spcBef>
+                <a:spcPts val="500"/>
+              </a:spcBef>
+              <a:buFont typeface="Arial" panose="020B0604020202020204" pitchFamily="34" charset="0"/>
+              <a:buNone/>
+              <a:defRPr sz="1600" b="1" kern="1200">
+                <a:solidFill>
+                  <a:schemeClr val="tx1"/>
+                </a:solidFill>
+                <a:latin typeface="+mn-lt"/>
+                <a:ea typeface="+mn-ea"/>
+                <a:cs typeface="+mn-cs"/>
+              </a:defRPr>
+            </a:lvl9pPr>
+          </a:lstStyle>
+          <a:p>
+            <a:pPr marL="457200" indent="-457200">
+              <a:lnSpc>
+                <a:spcPct val="150000"/>
+              </a:lnSpc>
+              <a:buAutoNum type="arabicPeriod"/>
+            </a:pPr>
+            <a:endParaRPr lang="en-US" altLang="en-GB" b="0">
+              <a:solidFill>
+                <a:srgbClr val="002060"/>
+              </a:solidFill>
+              <a:latin typeface="Segoe UI" panose="020B0502040204020203" charset="0"/>
+              <a:cs typeface="Segoe UI" panose="020B0502040204020203" charset="0"/>
+            </a:endParaRPr>
+          </a:p>
+          <a:p>
+            <a:pPr marL="457200" indent="-457200">
+              <a:lnSpc>
+                <a:spcPct val="150000"/>
+              </a:lnSpc>
+              <a:buAutoNum type="arabicPeriod"/>
+            </a:pPr>
+            <a:endParaRPr lang="en-US" altLang="en-GB" b="0">
+              <a:solidFill>
+                <a:srgbClr val="002060"/>
+              </a:solidFill>
+              <a:latin typeface="Segoe UI" panose="020B0502040204020203" charset="0"/>
+              <a:cs typeface="Segoe UI" panose="020B0502040204020203" charset="0"/>
+            </a:endParaRPr>
+          </a:p>
+          <a:p>
+            <a:pPr marL="457200" indent="-457200">
+              <a:lnSpc>
+                <a:spcPct val="150000"/>
+              </a:lnSpc>
+              <a:buAutoNum type="arabicPeriod"/>
+            </a:pPr>
+            <a:endParaRPr lang="en-US" altLang="en-GB" b="0">
+              <a:solidFill>
+                <a:srgbClr val="002060"/>
+              </a:solidFill>
+              <a:latin typeface="Segoe UI" panose="020B0502040204020203" charset="0"/>
+              <a:cs typeface="Segoe UI" panose="020B0502040204020203" charset="0"/>
+            </a:endParaRPr>
+          </a:p>
+          <a:p>
+            <a:pPr>
+              <a:lnSpc>
+                <a:spcPct val="150000"/>
+              </a:lnSpc>
+            </a:pPr>
+            <a:endParaRPr lang="en-US" altLang="en-GB" b="0">
+              <a:solidFill>
+                <a:srgbClr val="002060"/>
+              </a:solidFill>
+              <a:latin typeface="Segoe UI" panose="020B0502040204020203" charset="0"/>
+              <a:cs typeface="Segoe UI" panose="020B0502040204020203" charset="0"/>
+            </a:endParaRPr>
+          </a:p>
+          <a:p>
+            <a:pPr>
+              <a:lnSpc>
+                <a:spcPct val="150000"/>
+              </a:lnSpc>
+            </a:pPr>
+            <a:r>
+              <a:rPr lang="en-US" altLang="en-GB" b="0">
+                <a:solidFill>
+                  <a:srgbClr val="002060"/>
+                </a:solidFill>
+                <a:latin typeface="Segoe UI" panose="020B0502040204020203" charset="0"/>
+                <a:cs typeface="Segoe UI" panose="020B0502040204020203" charset="0"/>
+              </a:rPr>
+              <a:t>Cách thức hoạt động</a:t>
+            </a:r>
+            <a:endParaRPr lang="en-US" altLang="en-GB" b="0">
+              <a:solidFill>
+                <a:srgbClr val="002060"/>
+              </a:solidFill>
+              <a:latin typeface="Segoe UI" panose="020B0502040204020203" charset="0"/>
+              <a:cs typeface="Segoe UI" panose="020B0502040204020203" charset="0"/>
+            </a:endParaRPr>
+          </a:p>
+        </p:txBody>
+      </p:sp>
+      <p:pic>
+        <p:nvPicPr>
+          <p:cNvPr id="4" name="Content Placeholder 3"/>
+          <p:cNvPicPr>
+            <a:picLocks noChangeAspect="1"/>
+          </p:cNvPicPr>
+          <p:nvPr>
+            <p:ph sz="half" idx="2"/>
+          </p:nvPr>
+        </p:nvPicPr>
+        <p:blipFill>
+          <a:blip r:embed="rId2"/>
+          <a:stretch>
+            <a:fillRect/>
+          </a:stretch>
+        </p:blipFill>
+        <p:spPr>
+          <a:xfrm>
+            <a:off x="1894205" y="2078990"/>
+            <a:ext cx="8403590" cy="3672840"/>
+          </a:xfrm>
+          <a:prstGeom prst="rect">
+            <a:avLst/>
+          </a:prstGeom>
+        </p:spPr>
+      </p:pic>
+      <p:sp>
+        <p:nvSpPr>
+          <p:cNvPr id="5" name="Slide Number Placeholder 4"/>
+          <p:cNvSpPr>
+            <a:spLocks noGrp="1"/>
+          </p:cNvSpPr>
+          <p:nvPr>
+            <p:ph type="sldNum" sz="quarter" idx="12"/>
+          </p:nvPr>
+        </p:nvSpPr>
+        <p:spPr/>
+        <p:txBody>
+          <a:bodyPr/>
+          <a:p>
+            <a:fld id="{3C4FCFE7-4CFC-4698-A5C8-57D6C94FD847}" type="slidenum">
+              <a:rPr lang="en-US" smtClean="0"/>
+            </a:fld>
+            <a:endParaRPr lang="en-US"/>
+          </a:p>
+        </p:txBody>
+      </p:sp>
+      <p:sp>
+        <p:nvSpPr>
+          <p:cNvPr id="6" name="Footer Placeholder 5"/>
+          <p:cNvSpPr>
+            <a:spLocks noGrp="1"/>
+          </p:cNvSpPr>
+          <p:nvPr>
+            <p:ph type="ftr" sz="quarter" idx="11"/>
+          </p:nvPr>
+        </p:nvSpPr>
+        <p:spPr/>
+        <p:txBody>
+          <a:bodyPr/>
+          <a:p>
+            <a:r>
+              <a:rPr lang="en-US"/>
+              <a:t>Hoàng Minh Tài - 6051071102</a:t>
+            </a:r>
+            <a:endParaRPr lang="en-US"/>
+          </a:p>
+        </p:txBody>
+      </p:sp>
+    </p:spTree>
+  </p:cSld>
+  <p:clrMapOvr>
+    <a:masterClrMapping/>
+  </p:clrMapOvr>
+  <mc:AlternateContent xmlns:mc="http://schemas.openxmlformats.org/markup-compatibility/2006" xmlns:p159="http://schemas.microsoft.com/office/powerpoint/2015/09/main">
+    <mc:Choice Requires="p159">
+      <p:transition xmlns:p14="http://schemas.microsoft.com/office/powerpoint/2010/main" spd="slow" p14:dur="2000">
+        <p159:morph option="byObject"/>
+      </p:transition>
+    </mc:Choice>
+    <mc:Fallback>
+      <p:transition spd="slow">
+        <p:fade/>
+      </p:transition>
+    </mc:Fallback>
+  </mc:AlternateContent>
+</p:sld>
+</file>
+
+<file path=ppt/slides/slide12.xml><?xml version="1.0" encoding="utf-8"?>
+<p:sld xmlns:a="http://schemas.openxmlformats.org/drawingml/2006/main" xmlns:r="http://schemas.openxmlformats.org/officeDocument/2006/relationships" xmlns:p="http://schemas.openxmlformats.org/presentationml/2006/main">
+  <p:cSld>
+    <p:bg>
+      <p:bgPr>
+        <a:blipFill>
+          <a:blip r:embed="rId1"/>
+        </a:blipFill>
+        <a:effectLst/>
+      </p:bgPr>
+    </p:bg>
+    <p:spTree>
+      <p:nvGrpSpPr>
+        <p:cNvPr id="1" name=""/>
+        <p:cNvGrpSpPr/>
+        <p:nvPr/>
+      </p:nvGrpSpPr>
+      <p:grpSpPr/>
+      <p:sp>
+        <p:nvSpPr>
+          <p:cNvPr id="2" name="Title 1"/>
+          <p:cNvSpPr>
+            <a:spLocks noGrp="1"/>
+          </p:cNvSpPr>
+          <p:nvPr>
+            <p:ph type="title"/>
+          </p:nvPr>
+        </p:nvSpPr>
+        <p:spPr>
+          <a:xfrm>
+            <a:off x="838200" y="365125"/>
+            <a:ext cx="10515600" cy="916940"/>
+          </a:xfrm>
+        </p:spPr>
+        <p:txBody>
+          <a:bodyPr anchor="ctr" anchorCtr="0"/>
+          <a:p>
+            <a:r>
+              <a:rPr lang="en-US" altLang="en-GB" sz="2800" b="1">
+                <a:solidFill>
+                  <a:schemeClr val="bg1"/>
+                </a:solidFill>
+                <a:latin typeface="Segoe UI" panose="020B0502040204020203" charset="0"/>
+                <a:cs typeface="Segoe UI" panose="020B0502040204020203" charset="0"/>
+              </a:rPr>
+              <a:t>Ứng dụng Incognito Music</a:t>
+            </a:r>
+            <a:endParaRPr lang="en-US" altLang="en-GB" sz="2800" b="1">
+              <a:solidFill>
+                <a:schemeClr val="bg1"/>
+              </a:solidFill>
+              <a:latin typeface="Segoe UI" panose="020B0502040204020203" charset="0"/>
+              <a:cs typeface="Segoe UI" panose="020B0502040204020203" charset="0"/>
+            </a:endParaRPr>
+          </a:p>
+        </p:txBody>
+      </p:sp>
+      <p:pic>
+        <p:nvPicPr>
+          <p:cNvPr id="4" name="Content Placeholder 3" descr="E:\Workspace\My Document\Tốt nghiệp\Photos\frame.pngframe"/>
+          <p:cNvPicPr>
+            <a:picLocks noChangeAspect="1"/>
+          </p:cNvPicPr>
+          <p:nvPr>
+            <p:ph sz="half" idx="2"/>
+          </p:nvPr>
+        </p:nvPicPr>
+        <p:blipFill>
+          <a:blip r:embed="rId2"/>
+          <a:srcRect/>
+          <a:stretch>
+            <a:fillRect/>
+          </a:stretch>
+        </p:blipFill>
+        <p:spPr>
+          <a:xfrm>
+            <a:off x="4259898" y="2078990"/>
+            <a:ext cx="3672205" cy="3672840"/>
+          </a:xfrm>
+          <a:prstGeom prst="rect">
+            <a:avLst/>
+          </a:prstGeom>
+        </p:spPr>
+      </p:pic>
+      <p:sp>
+        <p:nvSpPr>
+          <p:cNvPr id="3" name="Text Placeholder 3"/>
+          <p:cNvSpPr>
+            <a:spLocks noGrp="1"/>
+          </p:cNvSpPr>
+          <p:nvPr/>
+        </p:nvSpPr>
+        <p:spPr>
+          <a:xfrm>
+            <a:off x="847725" y="1282065"/>
+            <a:ext cx="7665720" cy="510540"/>
+          </a:xfrm>
+          <a:prstGeom prst="rect">
+            <a:avLst/>
+          </a:prstGeom>
+        </p:spPr>
+        <p:txBody>
+          <a:bodyPr vert="horz" lIns="91440" tIns="45720" rIns="91440" bIns="45720" rtlCol="0" anchor="b">
+            <a:noAutofit/>
+          </a:bodyPr>
+          <a:lstStyle>
+            <a:lvl1pPr marL="0" indent="0" algn="l" defTabSz="914400" rtl="0" eaLnBrk="1" latinLnBrk="0" hangingPunct="1">
+              <a:lnSpc>
+                <a:spcPct val="90000"/>
+              </a:lnSpc>
+              <a:spcBef>
+                <a:spcPts val="1000"/>
+              </a:spcBef>
+              <a:buFont typeface="Arial" panose="020B0604020202020204" pitchFamily="34" charset="0"/>
+              <a:buNone/>
+              <a:defRPr sz="2400" b="1" kern="1200">
+                <a:solidFill>
+                  <a:schemeClr val="tx1"/>
+                </a:solidFill>
+                <a:latin typeface="+mn-lt"/>
+                <a:ea typeface="+mn-ea"/>
+                <a:cs typeface="+mn-cs"/>
+              </a:defRPr>
+            </a:lvl1pPr>
+            <a:lvl2pPr marL="457200" indent="0" algn="l" defTabSz="914400" rtl="0" eaLnBrk="1" latinLnBrk="0" hangingPunct="1">
+              <a:lnSpc>
+                <a:spcPct val="90000"/>
+              </a:lnSpc>
+              <a:spcBef>
+                <a:spcPts val="500"/>
+              </a:spcBef>
+              <a:buFont typeface="Arial" panose="020B0604020202020204" pitchFamily="34" charset="0"/>
+              <a:buNone/>
+              <a:defRPr sz="2000" b="1" kern="1200">
+                <a:solidFill>
+                  <a:schemeClr val="tx1"/>
+                </a:solidFill>
+                <a:latin typeface="+mn-lt"/>
+                <a:ea typeface="+mn-ea"/>
+                <a:cs typeface="+mn-cs"/>
+              </a:defRPr>
+            </a:lvl2pPr>
+            <a:lvl3pPr marL="914400" indent="0" algn="l" defTabSz="914400" rtl="0" eaLnBrk="1" latinLnBrk="0" hangingPunct="1">
+              <a:lnSpc>
+                <a:spcPct val="90000"/>
+              </a:lnSpc>
+              <a:spcBef>
+                <a:spcPts val="500"/>
+              </a:spcBef>
+              <a:buFont typeface="Arial" panose="020B0604020202020204" pitchFamily="34" charset="0"/>
+              <a:buNone/>
+              <a:defRPr sz="1800" b="1" kern="1200">
+                <a:solidFill>
+                  <a:schemeClr val="tx1"/>
+                </a:solidFill>
+                <a:latin typeface="+mn-lt"/>
+                <a:ea typeface="+mn-ea"/>
+                <a:cs typeface="+mn-cs"/>
+              </a:defRPr>
+            </a:lvl3pPr>
+            <a:lvl4pPr marL="1371600" indent="0" algn="l" defTabSz="914400" rtl="0" eaLnBrk="1" latinLnBrk="0" hangingPunct="1">
+              <a:lnSpc>
+                <a:spcPct val="90000"/>
+              </a:lnSpc>
+              <a:spcBef>
+                <a:spcPts val="500"/>
+              </a:spcBef>
+              <a:buFont typeface="Arial" panose="020B0604020202020204" pitchFamily="34" charset="0"/>
+              <a:buNone/>
+              <a:defRPr sz="1600" b="1" kern="1200">
+                <a:solidFill>
+                  <a:schemeClr val="tx1"/>
+                </a:solidFill>
+                <a:latin typeface="+mn-lt"/>
+                <a:ea typeface="+mn-ea"/>
+                <a:cs typeface="+mn-cs"/>
+              </a:defRPr>
+            </a:lvl4pPr>
+            <a:lvl5pPr marL="1828800" indent="0" algn="l" defTabSz="914400" rtl="0" eaLnBrk="1" latinLnBrk="0" hangingPunct="1">
+              <a:lnSpc>
+                <a:spcPct val="90000"/>
+              </a:lnSpc>
+              <a:spcBef>
+                <a:spcPts val="500"/>
+              </a:spcBef>
+              <a:buFont typeface="Arial" panose="020B0604020202020204" pitchFamily="34" charset="0"/>
+              <a:buNone/>
+              <a:defRPr sz="1600" b="1" kern="1200">
+                <a:solidFill>
+                  <a:schemeClr val="tx1"/>
+                </a:solidFill>
+                <a:latin typeface="+mn-lt"/>
+                <a:ea typeface="+mn-ea"/>
+                <a:cs typeface="+mn-cs"/>
+              </a:defRPr>
+            </a:lvl5pPr>
+            <a:lvl6pPr marL="2286000" indent="0" algn="l" defTabSz="914400" rtl="0" eaLnBrk="1" latinLnBrk="0" hangingPunct="1">
+              <a:lnSpc>
+                <a:spcPct val="90000"/>
+              </a:lnSpc>
+              <a:spcBef>
+                <a:spcPts val="500"/>
+              </a:spcBef>
+              <a:buFont typeface="Arial" panose="020B0604020202020204" pitchFamily="34" charset="0"/>
+              <a:buNone/>
+              <a:defRPr sz="1600" b="1" kern="1200">
+                <a:solidFill>
+                  <a:schemeClr val="tx1"/>
+                </a:solidFill>
+                <a:latin typeface="+mn-lt"/>
+                <a:ea typeface="+mn-ea"/>
+                <a:cs typeface="+mn-cs"/>
+              </a:defRPr>
+            </a:lvl6pPr>
+            <a:lvl7pPr marL="2743200" indent="0" algn="l" defTabSz="914400" rtl="0" eaLnBrk="1" latinLnBrk="0" hangingPunct="1">
+              <a:lnSpc>
+                <a:spcPct val="90000"/>
+              </a:lnSpc>
+              <a:spcBef>
+                <a:spcPts val="500"/>
+              </a:spcBef>
+              <a:buFont typeface="Arial" panose="020B0604020202020204" pitchFamily="34" charset="0"/>
+              <a:buNone/>
+              <a:defRPr sz="1600" b="1" kern="1200">
+                <a:solidFill>
+                  <a:schemeClr val="tx1"/>
+                </a:solidFill>
+                <a:latin typeface="+mn-lt"/>
+                <a:ea typeface="+mn-ea"/>
+                <a:cs typeface="+mn-cs"/>
+              </a:defRPr>
+            </a:lvl7pPr>
+            <a:lvl8pPr marL="3200400" indent="0" algn="l" defTabSz="914400" rtl="0" eaLnBrk="1" latinLnBrk="0" hangingPunct="1">
+              <a:lnSpc>
+                <a:spcPct val="90000"/>
+              </a:lnSpc>
+              <a:spcBef>
+                <a:spcPts val="500"/>
+              </a:spcBef>
+              <a:buFont typeface="Arial" panose="020B0604020202020204" pitchFamily="34" charset="0"/>
+              <a:buNone/>
+              <a:defRPr sz="1600" b="1" kern="1200">
+                <a:solidFill>
+                  <a:schemeClr val="tx1"/>
+                </a:solidFill>
+                <a:latin typeface="+mn-lt"/>
+                <a:ea typeface="+mn-ea"/>
+                <a:cs typeface="+mn-cs"/>
+              </a:defRPr>
+            </a:lvl8pPr>
+            <a:lvl9pPr marL="3657600" indent="0" algn="l" defTabSz="914400" rtl="0" eaLnBrk="1" latinLnBrk="0" hangingPunct="1">
+              <a:lnSpc>
+                <a:spcPct val="90000"/>
+              </a:lnSpc>
+              <a:spcBef>
+                <a:spcPts val="500"/>
+              </a:spcBef>
+              <a:buFont typeface="Arial" panose="020B0604020202020204" pitchFamily="34" charset="0"/>
+              <a:buNone/>
+              <a:defRPr sz="1600" b="1" kern="1200">
+                <a:solidFill>
+                  <a:schemeClr val="tx1"/>
+                </a:solidFill>
+                <a:latin typeface="+mn-lt"/>
+                <a:ea typeface="+mn-ea"/>
+                <a:cs typeface="+mn-cs"/>
+              </a:defRPr>
+            </a:lvl9pPr>
+          </a:lstStyle>
+          <a:p>
+            <a:pPr marL="457200" indent="-457200">
+              <a:lnSpc>
+                <a:spcPct val="150000"/>
+              </a:lnSpc>
+              <a:buAutoNum type="arabicPeriod"/>
+            </a:pPr>
+            <a:endParaRPr lang="en-US" altLang="en-GB" b="0">
+              <a:solidFill>
+                <a:srgbClr val="002060"/>
+              </a:solidFill>
+              <a:latin typeface="Segoe UI" panose="020B0502040204020203" charset="0"/>
+              <a:cs typeface="Segoe UI" panose="020B0502040204020203" charset="0"/>
+            </a:endParaRPr>
+          </a:p>
+          <a:p>
+            <a:pPr marL="457200" indent="-457200">
+              <a:lnSpc>
+                <a:spcPct val="150000"/>
+              </a:lnSpc>
+              <a:buAutoNum type="arabicPeriod"/>
+            </a:pPr>
+            <a:endParaRPr lang="en-US" altLang="en-GB" b="0">
+              <a:solidFill>
+                <a:srgbClr val="002060"/>
+              </a:solidFill>
+              <a:latin typeface="Segoe UI" panose="020B0502040204020203" charset="0"/>
+              <a:cs typeface="Segoe UI" panose="020B0502040204020203" charset="0"/>
+            </a:endParaRPr>
+          </a:p>
+          <a:p>
+            <a:pPr marL="457200" indent="-457200">
+              <a:lnSpc>
+                <a:spcPct val="150000"/>
+              </a:lnSpc>
+              <a:buAutoNum type="arabicPeriod"/>
+            </a:pPr>
+            <a:endParaRPr lang="en-US" altLang="en-GB" b="0">
+              <a:solidFill>
+                <a:srgbClr val="002060"/>
+              </a:solidFill>
+              <a:latin typeface="Segoe UI" panose="020B0502040204020203" charset="0"/>
+              <a:cs typeface="Segoe UI" panose="020B0502040204020203" charset="0"/>
+            </a:endParaRPr>
+          </a:p>
+          <a:p>
+            <a:pPr>
+              <a:lnSpc>
+                <a:spcPct val="150000"/>
+              </a:lnSpc>
+            </a:pPr>
+            <a:endParaRPr lang="en-US" altLang="en-GB" b="0">
+              <a:solidFill>
+                <a:srgbClr val="002060"/>
+              </a:solidFill>
+              <a:latin typeface="Segoe UI" panose="020B0502040204020203" charset="0"/>
+              <a:cs typeface="Segoe UI" panose="020B0502040204020203" charset="0"/>
+            </a:endParaRPr>
+          </a:p>
+          <a:p>
+            <a:pPr>
+              <a:lnSpc>
+                <a:spcPct val="150000"/>
+              </a:lnSpc>
+            </a:pPr>
+            <a:r>
+              <a:rPr lang="en-US" altLang="en-GB" b="0">
+                <a:solidFill>
+                  <a:srgbClr val="002060"/>
+                </a:solidFill>
+                <a:latin typeface="Segoe UI" panose="020B0502040204020203" charset="0"/>
+                <a:cs typeface="Segoe UI" panose="020B0502040204020203" charset="0"/>
+              </a:rPr>
+              <a:t>Quét mã QR để cài đặt ứng dụng (Android)</a:t>
+            </a:r>
+            <a:endParaRPr lang="en-US" altLang="en-GB" b="0">
+              <a:solidFill>
+                <a:srgbClr val="002060"/>
+              </a:solidFill>
+              <a:latin typeface="Segoe UI" panose="020B0502040204020203" charset="0"/>
+              <a:cs typeface="Segoe UI" panose="020B0502040204020203" charset="0"/>
+            </a:endParaRPr>
+          </a:p>
+        </p:txBody>
+      </p:sp>
+      <p:sp>
+        <p:nvSpPr>
+          <p:cNvPr id="5" name="Slide Number Placeholder 4"/>
+          <p:cNvSpPr>
+            <a:spLocks noGrp="1"/>
+          </p:cNvSpPr>
+          <p:nvPr>
+            <p:ph type="sldNum" sz="quarter" idx="12"/>
+          </p:nvPr>
+        </p:nvSpPr>
+        <p:spPr/>
+        <p:txBody>
+          <a:bodyPr/>
+          <a:p>
+            <a:fld id="{3C4FCFE7-4CFC-4698-A5C8-57D6C94FD847}" type="slidenum">
+              <a:rPr lang="en-US" smtClean="0"/>
+            </a:fld>
+            <a:endParaRPr lang="en-US"/>
+          </a:p>
+        </p:txBody>
+      </p:sp>
+      <p:sp>
+        <p:nvSpPr>
+          <p:cNvPr id="6" name="Footer Placeholder 5"/>
+          <p:cNvSpPr>
+            <a:spLocks noGrp="1"/>
+          </p:cNvSpPr>
+          <p:nvPr>
+            <p:ph type="ftr" sz="quarter" idx="11"/>
+          </p:nvPr>
+        </p:nvSpPr>
+        <p:spPr/>
+        <p:txBody>
+          <a:bodyPr/>
+          <a:p>
+            <a:r>
+              <a:rPr lang="en-US"/>
+              <a:t>Hoàng Minh Tài - 6051071102</a:t>
+            </a:r>
+            <a:endParaRPr lang="en-US"/>
+          </a:p>
+        </p:txBody>
+      </p:sp>
+    </p:spTree>
+  </p:cSld>
+  <p:clrMapOvr>
+    <a:masterClrMapping/>
+  </p:clrMapOvr>
+  <mc:AlternateContent xmlns:mc="http://schemas.openxmlformats.org/markup-compatibility/2006" xmlns:p159="http://schemas.microsoft.com/office/powerpoint/2015/09/main">
+    <mc:Choice Requires="p159">
+      <p:transition xmlns:p14="http://schemas.microsoft.com/office/powerpoint/2010/main" spd="slow" p14:dur="2000">
+        <p159:morph option="byObject"/>
+      </p:transition>
+    </mc:Choice>
+    <mc:Fallback>
+      <p:transition spd="slow">
+        <p:fade/>
+      </p:transition>
+    </mc:Fallback>
+  </mc:AlternateContent>
+</p:sld>
+</file>
+
+<file path=ppt/slides/slide13.xml><?xml version="1.0" encoding="utf-8"?>
+<p:sld xmlns:a="http://schemas.openxmlformats.org/drawingml/2006/main" xmlns:r="http://schemas.openxmlformats.org/officeDocument/2006/relationships" xmlns:p="http://schemas.openxmlformats.org/presentationml/2006/main">
+  <p:cSld>
+    <p:bg>
+      <p:bgPr>
+        <a:blipFill>
+          <a:blip r:embed="rId1"/>
+        </a:blipFill>
+        <a:effectLst/>
+      </p:bgPr>
+    </p:bg>
+    <p:spTree>
+      <p:nvGrpSpPr>
+        <p:cNvPr id="1" name=""/>
+        <p:cNvGrpSpPr/>
+        <p:nvPr/>
+      </p:nvGrpSpPr>
+      <p:grpSpPr/>
+      <p:sp>
+        <p:nvSpPr>
+          <p:cNvPr id="2" name="Title 1"/>
+          <p:cNvSpPr>
+            <a:spLocks noGrp="1"/>
+          </p:cNvSpPr>
+          <p:nvPr>
+            <p:ph type="title"/>
+          </p:nvPr>
+        </p:nvSpPr>
+        <p:spPr>
+          <a:xfrm>
+            <a:off x="838200" y="365125"/>
+            <a:ext cx="10515600" cy="916940"/>
+          </a:xfrm>
+        </p:spPr>
+        <p:txBody>
+          <a:bodyPr anchor="ctr" anchorCtr="0"/>
+          <a:p>
+            <a:r>
+              <a:rPr lang="en-US" altLang="en-GB" sz="2800" b="1">
+                <a:solidFill>
+                  <a:schemeClr val="bg1"/>
+                </a:solidFill>
+                <a:latin typeface="Segoe UI" panose="020B0502040204020203" charset="0"/>
+                <a:cs typeface="Segoe UI" panose="020B0502040204020203" charset="0"/>
+              </a:rPr>
+              <a:t>Kết quả đạt được và kiến nghị</a:t>
+            </a:r>
+            <a:endParaRPr lang="en-US" altLang="en-GB" sz="2800" b="1">
+              <a:solidFill>
+                <a:schemeClr val="bg1"/>
+              </a:solidFill>
+              <a:latin typeface="Segoe UI" panose="020B0502040204020203" charset="0"/>
+              <a:cs typeface="Segoe UI" panose="020B0502040204020203" charset="0"/>
+            </a:endParaRPr>
+          </a:p>
+        </p:txBody>
+      </p:sp>
+      <p:sp>
+        <p:nvSpPr>
+          <p:cNvPr id="3" name="Text Placeholder 3"/>
+          <p:cNvSpPr>
+            <a:spLocks noGrp="1"/>
+          </p:cNvSpPr>
+          <p:nvPr/>
+        </p:nvSpPr>
+        <p:spPr>
+          <a:xfrm>
+            <a:off x="561340" y="1447800"/>
+            <a:ext cx="10792460" cy="4690745"/>
+          </a:xfrm>
+          <a:prstGeom prst="rect">
+            <a:avLst/>
+          </a:prstGeom>
+        </p:spPr>
+        <p:txBody>
+          <a:bodyPr vert="horz" lIns="91440" tIns="45720" rIns="91440" bIns="45720" rtlCol="0" anchor="b">
+            <a:noAutofit/>
+          </a:bodyPr>
+          <a:lstStyle>
+            <a:lvl1pPr marL="0" indent="0" algn="l" defTabSz="914400" rtl="0" eaLnBrk="1" latinLnBrk="0" hangingPunct="1">
+              <a:lnSpc>
+                <a:spcPct val="90000"/>
+              </a:lnSpc>
+              <a:spcBef>
+                <a:spcPts val="1000"/>
+              </a:spcBef>
+              <a:buFont typeface="Arial" panose="020B0604020202020204" pitchFamily="34" charset="0"/>
+              <a:buNone/>
+              <a:defRPr sz="2400" b="1" kern="1200">
+                <a:solidFill>
+                  <a:schemeClr val="tx1"/>
+                </a:solidFill>
+                <a:latin typeface="+mn-lt"/>
+                <a:ea typeface="+mn-ea"/>
+                <a:cs typeface="+mn-cs"/>
+              </a:defRPr>
+            </a:lvl1pPr>
+            <a:lvl2pPr marL="457200" indent="0" algn="l" defTabSz="914400" rtl="0" eaLnBrk="1" latinLnBrk="0" hangingPunct="1">
+              <a:lnSpc>
+                <a:spcPct val="90000"/>
+              </a:lnSpc>
+              <a:spcBef>
+                <a:spcPts val="500"/>
+              </a:spcBef>
+              <a:buFont typeface="Arial" panose="020B0604020202020204" pitchFamily="34" charset="0"/>
+              <a:buNone/>
+              <a:defRPr sz="2000" b="1" kern="1200">
+                <a:solidFill>
+                  <a:schemeClr val="tx1"/>
+                </a:solidFill>
+                <a:latin typeface="+mn-lt"/>
+                <a:ea typeface="+mn-ea"/>
+                <a:cs typeface="+mn-cs"/>
+              </a:defRPr>
+            </a:lvl2pPr>
+            <a:lvl3pPr marL="914400" indent="0" algn="l" defTabSz="914400" rtl="0" eaLnBrk="1" latinLnBrk="0" hangingPunct="1">
+              <a:lnSpc>
+                <a:spcPct val="90000"/>
+              </a:lnSpc>
+              <a:spcBef>
+                <a:spcPts val="500"/>
+              </a:spcBef>
+              <a:buFont typeface="Arial" panose="020B0604020202020204" pitchFamily="34" charset="0"/>
+              <a:buNone/>
+              <a:defRPr sz="1800" b="1" kern="1200">
+                <a:solidFill>
+                  <a:schemeClr val="tx1"/>
+                </a:solidFill>
+                <a:latin typeface="+mn-lt"/>
+                <a:ea typeface="+mn-ea"/>
+                <a:cs typeface="+mn-cs"/>
+              </a:defRPr>
+            </a:lvl3pPr>
+            <a:lvl4pPr marL="1371600" indent="0" algn="l" defTabSz="914400" rtl="0" eaLnBrk="1" latinLnBrk="0" hangingPunct="1">
+              <a:lnSpc>
+                <a:spcPct val="90000"/>
+              </a:lnSpc>
+              <a:spcBef>
+                <a:spcPts val="500"/>
+              </a:spcBef>
+              <a:buFont typeface="Arial" panose="020B0604020202020204" pitchFamily="34" charset="0"/>
+              <a:buNone/>
+              <a:defRPr sz="1600" b="1" kern="1200">
+                <a:solidFill>
+                  <a:schemeClr val="tx1"/>
+                </a:solidFill>
+                <a:latin typeface="+mn-lt"/>
+                <a:ea typeface="+mn-ea"/>
+                <a:cs typeface="+mn-cs"/>
+              </a:defRPr>
+            </a:lvl4pPr>
+            <a:lvl5pPr marL="1828800" indent="0" algn="l" defTabSz="914400" rtl="0" eaLnBrk="1" latinLnBrk="0" hangingPunct="1">
+              <a:lnSpc>
+                <a:spcPct val="90000"/>
+              </a:lnSpc>
+              <a:spcBef>
+                <a:spcPts val="500"/>
+              </a:spcBef>
+              <a:buFont typeface="Arial" panose="020B0604020202020204" pitchFamily="34" charset="0"/>
+              <a:buNone/>
+              <a:defRPr sz="1600" b="1" kern="1200">
+                <a:solidFill>
+                  <a:schemeClr val="tx1"/>
+                </a:solidFill>
+                <a:latin typeface="+mn-lt"/>
+                <a:ea typeface="+mn-ea"/>
+                <a:cs typeface="+mn-cs"/>
+              </a:defRPr>
+            </a:lvl5pPr>
+            <a:lvl6pPr marL="2286000" indent="0" algn="l" defTabSz="914400" rtl="0" eaLnBrk="1" latinLnBrk="0" hangingPunct="1">
+              <a:lnSpc>
+                <a:spcPct val="90000"/>
+              </a:lnSpc>
+              <a:spcBef>
+                <a:spcPts val="500"/>
+              </a:spcBef>
+              <a:buFont typeface="Arial" panose="020B0604020202020204" pitchFamily="34" charset="0"/>
+              <a:buNone/>
+              <a:defRPr sz="1600" b="1" kern="1200">
+                <a:solidFill>
+                  <a:schemeClr val="tx1"/>
+                </a:solidFill>
+                <a:latin typeface="+mn-lt"/>
+                <a:ea typeface="+mn-ea"/>
+                <a:cs typeface="+mn-cs"/>
+              </a:defRPr>
+            </a:lvl6pPr>
+            <a:lvl7pPr marL="2743200" indent="0" algn="l" defTabSz="914400" rtl="0" eaLnBrk="1" latinLnBrk="0" hangingPunct="1">
+              <a:lnSpc>
+                <a:spcPct val="90000"/>
+              </a:lnSpc>
+              <a:spcBef>
+                <a:spcPts val="500"/>
+              </a:spcBef>
+              <a:buFont typeface="Arial" panose="020B0604020202020204" pitchFamily="34" charset="0"/>
+              <a:buNone/>
+              <a:defRPr sz="1600" b="1" kern="1200">
+                <a:solidFill>
+                  <a:schemeClr val="tx1"/>
+                </a:solidFill>
+                <a:latin typeface="+mn-lt"/>
+                <a:ea typeface="+mn-ea"/>
+                <a:cs typeface="+mn-cs"/>
+              </a:defRPr>
+            </a:lvl7pPr>
+            <a:lvl8pPr marL="3200400" indent="0" algn="l" defTabSz="914400" rtl="0" eaLnBrk="1" latinLnBrk="0" hangingPunct="1">
+              <a:lnSpc>
+                <a:spcPct val="90000"/>
+              </a:lnSpc>
+              <a:spcBef>
+                <a:spcPts val="500"/>
+              </a:spcBef>
+              <a:buFont typeface="Arial" panose="020B0604020202020204" pitchFamily="34" charset="0"/>
+              <a:buNone/>
+              <a:defRPr sz="1600" b="1" kern="1200">
+                <a:solidFill>
+                  <a:schemeClr val="tx1"/>
+                </a:solidFill>
+                <a:latin typeface="+mn-lt"/>
+                <a:ea typeface="+mn-ea"/>
+                <a:cs typeface="+mn-cs"/>
+              </a:defRPr>
+            </a:lvl8pPr>
+            <a:lvl9pPr marL="3657600" indent="0" algn="l" defTabSz="914400" rtl="0" eaLnBrk="1" latinLnBrk="0" hangingPunct="1">
+              <a:lnSpc>
+                <a:spcPct val="90000"/>
+              </a:lnSpc>
+              <a:spcBef>
+                <a:spcPts val="500"/>
+              </a:spcBef>
+              <a:buFont typeface="Arial" panose="020B0604020202020204" pitchFamily="34" charset="0"/>
+              <a:buNone/>
+              <a:defRPr sz="1600" b="1" kern="1200">
+                <a:solidFill>
+                  <a:schemeClr val="tx1"/>
+                </a:solidFill>
+                <a:latin typeface="+mn-lt"/>
+                <a:ea typeface="+mn-ea"/>
+                <a:cs typeface="+mn-cs"/>
+              </a:defRPr>
+            </a:lvl9pPr>
+          </a:lstStyle>
+          <a:p>
+            <a:pPr marL="457200" indent="-457200" algn="just">
+              <a:lnSpc>
+                <a:spcPct val="150000"/>
+              </a:lnSpc>
+              <a:buAutoNum type="arabicPeriod"/>
+            </a:pPr>
+            <a:endParaRPr lang="en-US" altLang="en-GB" b="0">
+              <a:solidFill>
+                <a:srgbClr val="002060"/>
+              </a:solidFill>
+              <a:latin typeface="Segoe UI" panose="020B0502040204020203" charset="0"/>
+              <a:cs typeface="Segoe UI" panose="020B0502040204020203" charset="0"/>
+            </a:endParaRPr>
+          </a:p>
+          <a:p>
+            <a:pPr algn="just">
+              <a:lnSpc>
+                <a:spcPct val="150000"/>
+              </a:lnSpc>
+              <a:buFont typeface="Arial" panose="020B0604020202020204" pitchFamily="34" charset="0"/>
+            </a:pPr>
+            <a:r>
+              <a:rPr lang="en-US" altLang="en-GB" b="0">
+                <a:solidFill>
+                  <a:srgbClr val="002060"/>
+                </a:solidFill>
+                <a:latin typeface="Segoe UI" panose="020B0502040204020203" charset="0"/>
+                <a:cs typeface="Segoe UI" panose="020B0502040204020203" charset="0"/>
+              </a:rPr>
+              <a:t>Kết quả</a:t>
+            </a:r>
+            <a:endParaRPr lang="en-US" altLang="en-GB" b="0">
+              <a:solidFill>
+                <a:srgbClr val="002060"/>
+              </a:solidFill>
+              <a:latin typeface="Segoe UI" panose="020B0502040204020203" charset="0"/>
+              <a:cs typeface="Segoe UI" panose="020B0502040204020203" charset="0"/>
+            </a:endParaRPr>
+          </a:p>
+          <a:p>
+            <a:pPr algn="just">
+              <a:lnSpc>
+                <a:spcPct val="150000"/>
+              </a:lnSpc>
+            </a:pPr>
+            <a:r>
+              <a:rPr lang="en-US" altLang="en-GB" b="0">
+                <a:solidFill>
+                  <a:srgbClr val="002060"/>
+                </a:solidFill>
+                <a:latin typeface="Segoe UI" panose="020B0502040204020203" charset="0"/>
+                <a:cs typeface="Segoe UI" panose="020B0502040204020203" charset="0"/>
+              </a:rPr>
+              <a:t>Về chuyên môn, em đã làm quen với việc sử dụng Flutter để thiết kế và phát triển được một ứng dụng đáp ứng ổn các chức năng yêu cầu đề ra. Biết cách sử dụng Python xây dựng hệ thống đề xuất nội dung, tích hợp các thuật toán để xử lý dữ liệu và tạo API. Học và vận dụng thành công NoSQL.</a:t>
+            </a:r>
+            <a:endParaRPr lang="en-US" altLang="en-GB" b="0">
+              <a:solidFill>
+                <a:srgbClr val="002060"/>
+              </a:solidFill>
+              <a:latin typeface="Segoe UI" panose="020B0502040204020203" charset="0"/>
+              <a:cs typeface="Segoe UI" panose="020B0502040204020203" charset="0"/>
+            </a:endParaRPr>
+          </a:p>
+          <a:p>
+            <a:pPr algn="just">
+              <a:lnSpc>
+                <a:spcPct val="150000"/>
+              </a:lnSpc>
+            </a:pPr>
+            <a:r>
+              <a:rPr lang="en-US" altLang="en-GB" b="0">
+                <a:solidFill>
+                  <a:srgbClr val="002060"/>
+                </a:solidFill>
+                <a:latin typeface="Segoe UI" panose="020B0502040204020203" charset="0"/>
+                <a:cs typeface="Segoe UI" panose="020B0502040204020203" charset="0"/>
+              </a:rPr>
+              <a:t>Về thái độ, đồ án đã giúp em nâng cao thêm khả năng xử lý logic và giải quyết vấn đề trong lập trình. Cải thiện khả năng đọc tài liệu và học những công nghệ mới trong thời gian ngắn. Nâng cao tính tập trung trong công việc.</a:t>
+            </a:r>
+            <a:endParaRPr lang="en-US" altLang="en-GB" b="0">
+              <a:solidFill>
+                <a:srgbClr val="002060"/>
+              </a:solidFill>
+              <a:latin typeface="Segoe UI" panose="020B0502040204020203" charset="0"/>
+              <a:cs typeface="Segoe UI" panose="020B0502040204020203" charset="0"/>
+            </a:endParaRPr>
+          </a:p>
+        </p:txBody>
+      </p:sp>
+      <p:sp>
+        <p:nvSpPr>
+          <p:cNvPr id="7" name="Slide Number Placeholder 6"/>
+          <p:cNvSpPr>
+            <a:spLocks noGrp="1"/>
+          </p:cNvSpPr>
+          <p:nvPr>
+            <p:ph type="sldNum" sz="quarter" idx="12"/>
+          </p:nvPr>
+        </p:nvSpPr>
+        <p:spPr/>
+        <p:txBody>
+          <a:bodyPr/>
+          <a:p>
+            <a:fld id="{3C4FCFE7-4CFC-4698-A5C8-57D6C94FD847}" type="slidenum">
+              <a:rPr lang="en-US" smtClean="0"/>
+            </a:fld>
+            <a:endParaRPr lang="en-US"/>
+          </a:p>
+        </p:txBody>
+      </p:sp>
+      <p:sp>
+        <p:nvSpPr>
+          <p:cNvPr id="8" name="Footer Placeholder 7"/>
+          <p:cNvSpPr>
+            <a:spLocks noGrp="1"/>
+          </p:cNvSpPr>
+          <p:nvPr>
+            <p:ph type="ftr" sz="quarter" idx="11"/>
+          </p:nvPr>
+        </p:nvSpPr>
+        <p:spPr/>
+        <p:txBody>
+          <a:bodyPr/>
+          <a:p>
+            <a:r>
+              <a:rPr lang="en-US"/>
+              <a:t>Hoàng Minh Tài - 6051071102</a:t>
+            </a:r>
+            <a:endParaRPr lang="en-US"/>
+          </a:p>
+        </p:txBody>
+      </p:sp>
+    </p:spTree>
+  </p:cSld>
+  <p:clrMapOvr>
+    <a:masterClrMapping/>
+  </p:clrMapOvr>
+  <mc:AlternateContent xmlns:mc="http://schemas.openxmlformats.org/markup-compatibility/2006" xmlns:p159="http://schemas.microsoft.com/office/powerpoint/2015/09/main">
+    <mc:Choice Requires="p159">
+      <p:transition xmlns:p14="http://schemas.microsoft.com/office/powerpoint/2010/main" spd="slow" p14:dur="2000">
+        <p159:morph option="byObject"/>
+      </p:transition>
+    </mc:Choice>
+    <mc:Fallback>
+      <p:transition spd="slow">
+        <p:fade/>
+      </p:transition>
+    </mc:Fallback>
+  </mc:AlternateContent>
+</p:sld>
+</file>
+
+<file path=ppt/slides/slide14.xml><?xml version="1.0" encoding="utf-8"?>
+<p:sld xmlns:a="http://schemas.openxmlformats.org/drawingml/2006/main" xmlns:r="http://schemas.openxmlformats.org/officeDocument/2006/relationships" xmlns:p="http://schemas.openxmlformats.org/presentationml/2006/main">
+  <p:cSld>
+    <p:bg>
+      <p:bgPr>
+        <a:blipFill>
+          <a:blip r:embed="rId1"/>
+        </a:blipFill>
+        <a:effectLst/>
+      </p:bgPr>
+    </p:bg>
+    <p:spTree>
+      <p:nvGrpSpPr>
+        <p:cNvPr id="1" name=""/>
+        <p:cNvGrpSpPr/>
+        <p:nvPr/>
+      </p:nvGrpSpPr>
+      <p:grpSpPr/>
+      <p:sp>
+        <p:nvSpPr>
+          <p:cNvPr id="2" name="Title 1"/>
+          <p:cNvSpPr>
+            <a:spLocks noGrp="1"/>
+          </p:cNvSpPr>
+          <p:nvPr>
+            <p:ph type="title"/>
+          </p:nvPr>
+        </p:nvSpPr>
+        <p:spPr>
+          <a:xfrm>
+            <a:off x="838200" y="365125"/>
+            <a:ext cx="10515600" cy="916940"/>
+          </a:xfrm>
+        </p:spPr>
+        <p:txBody>
+          <a:bodyPr anchor="ctr" anchorCtr="0"/>
+          <a:p>
+            <a:r>
+              <a:rPr lang="en-US" altLang="en-GB" sz="2800" b="1">
+                <a:solidFill>
+                  <a:schemeClr val="bg1"/>
+                </a:solidFill>
+                <a:latin typeface="Segoe UI" panose="020B0502040204020203" charset="0"/>
+                <a:cs typeface="Segoe UI" panose="020B0502040204020203" charset="0"/>
+              </a:rPr>
+              <a:t>Kết quả đạt được và kiến nghị</a:t>
+            </a:r>
+            <a:endParaRPr lang="en-US" altLang="en-GB" sz="2800" b="1">
+              <a:solidFill>
+                <a:schemeClr val="bg1"/>
+              </a:solidFill>
+              <a:latin typeface="Segoe UI" panose="020B0502040204020203" charset="0"/>
+              <a:cs typeface="Segoe UI" panose="020B0502040204020203" charset="0"/>
+            </a:endParaRPr>
+          </a:p>
+        </p:txBody>
+      </p:sp>
+      <p:sp>
+        <p:nvSpPr>
+          <p:cNvPr id="3" name="Text Placeholder 3"/>
+          <p:cNvSpPr>
+            <a:spLocks noGrp="1"/>
+          </p:cNvSpPr>
+          <p:nvPr/>
+        </p:nvSpPr>
+        <p:spPr>
+          <a:xfrm>
+            <a:off x="561340" y="1447800"/>
+            <a:ext cx="10792460" cy="3317875"/>
+          </a:xfrm>
+          <a:prstGeom prst="rect">
+            <a:avLst/>
+          </a:prstGeom>
+        </p:spPr>
+        <p:txBody>
+          <a:bodyPr vert="horz" lIns="91440" tIns="45720" rIns="91440" bIns="45720" rtlCol="0" anchor="b">
+            <a:noAutofit/>
+          </a:bodyPr>
+          <a:lstStyle>
+            <a:lvl1pPr marL="0" indent="0" algn="l" defTabSz="914400" rtl="0" eaLnBrk="1" latinLnBrk="0" hangingPunct="1">
+              <a:lnSpc>
+                <a:spcPct val="90000"/>
+              </a:lnSpc>
+              <a:spcBef>
+                <a:spcPts val="1000"/>
+              </a:spcBef>
+              <a:buFont typeface="Arial" panose="020B0604020202020204" pitchFamily="34" charset="0"/>
+              <a:buNone/>
+              <a:defRPr sz="2400" b="1" kern="1200">
+                <a:solidFill>
+                  <a:schemeClr val="tx1"/>
+                </a:solidFill>
+                <a:latin typeface="+mn-lt"/>
+                <a:ea typeface="+mn-ea"/>
+                <a:cs typeface="+mn-cs"/>
+              </a:defRPr>
+            </a:lvl1pPr>
+            <a:lvl2pPr marL="457200" indent="0" algn="l" defTabSz="914400" rtl="0" eaLnBrk="1" latinLnBrk="0" hangingPunct="1">
+              <a:lnSpc>
+                <a:spcPct val="90000"/>
+              </a:lnSpc>
+              <a:spcBef>
+                <a:spcPts val="500"/>
+              </a:spcBef>
+              <a:buFont typeface="Arial" panose="020B0604020202020204" pitchFamily="34" charset="0"/>
+              <a:buNone/>
+              <a:defRPr sz="2000" b="1" kern="1200">
+                <a:solidFill>
+                  <a:schemeClr val="tx1"/>
+                </a:solidFill>
+                <a:latin typeface="+mn-lt"/>
+                <a:ea typeface="+mn-ea"/>
+                <a:cs typeface="+mn-cs"/>
+              </a:defRPr>
+            </a:lvl2pPr>
+            <a:lvl3pPr marL="914400" indent="0" algn="l" defTabSz="914400" rtl="0" eaLnBrk="1" latinLnBrk="0" hangingPunct="1">
+              <a:lnSpc>
+                <a:spcPct val="90000"/>
+              </a:lnSpc>
+              <a:spcBef>
+                <a:spcPts val="500"/>
+              </a:spcBef>
+              <a:buFont typeface="Arial" panose="020B0604020202020204" pitchFamily="34" charset="0"/>
+              <a:buNone/>
+              <a:defRPr sz="1800" b="1" kern="1200">
+                <a:solidFill>
+                  <a:schemeClr val="tx1"/>
+                </a:solidFill>
+                <a:latin typeface="+mn-lt"/>
+                <a:ea typeface="+mn-ea"/>
+                <a:cs typeface="+mn-cs"/>
+              </a:defRPr>
+            </a:lvl3pPr>
+            <a:lvl4pPr marL="1371600" indent="0" algn="l" defTabSz="914400" rtl="0" eaLnBrk="1" latinLnBrk="0" hangingPunct="1">
+              <a:lnSpc>
+                <a:spcPct val="90000"/>
+              </a:lnSpc>
+              <a:spcBef>
+                <a:spcPts val="500"/>
+              </a:spcBef>
+              <a:buFont typeface="Arial" panose="020B0604020202020204" pitchFamily="34" charset="0"/>
+              <a:buNone/>
+              <a:defRPr sz="1600" b="1" kern="1200">
+                <a:solidFill>
+                  <a:schemeClr val="tx1"/>
+                </a:solidFill>
+                <a:latin typeface="+mn-lt"/>
+                <a:ea typeface="+mn-ea"/>
+                <a:cs typeface="+mn-cs"/>
+              </a:defRPr>
+            </a:lvl4pPr>
+            <a:lvl5pPr marL="1828800" indent="0" algn="l" defTabSz="914400" rtl="0" eaLnBrk="1" latinLnBrk="0" hangingPunct="1">
+              <a:lnSpc>
+                <a:spcPct val="90000"/>
+              </a:lnSpc>
+              <a:spcBef>
+                <a:spcPts val="500"/>
+              </a:spcBef>
+              <a:buFont typeface="Arial" panose="020B0604020202020204" pitchFamily="34" charset="0"/>
+              <a:buNone/>
+              <a:defRPr sz="1600" b="1" kern="1200">
+                <a:solidFill>
+                  <a:schemeClr val="tx1"/>
+                </a:solidFill>
+                <a:latin typeface="+mn-lt"/>
+                <a:ea typeface="+mn-ea"/>
+                <a:cs typeface="+mn-cs"/>
+              </a:defRPr>
+            </a:lvl5pPr>
+            <a:lvl6pPr marL="2286000" indent="0" algn="l" defTabSz="914400" rtl="0" eaLnBrk="1" latinLnBrk="0" hangingPunct="1">
+              <a:lnSpc>
+                <a:spcPct val="90000"/>
+              </a:lnSpc>
+              <a:spcBef>
+                <a:spcPts val="500"/>
+              </a:spcBef>
+              <a:buFont typeface="Arial" panose="020B0604020202020204" pitchFamily="34" charset="0"/>
+              <a:buNone/>
+              <a:defRPr sz="1600" b="1" kern="1200">
+                <a:solidFill>
+                  <a:schemeClr val="tx1"/>
+                </a:solidFill>
+                <a:latin typeface="+mn-lt"/>
+                <a:ea typeface="+mn-ea"/>
+                <a:cs typeface="+mn-cs"/>
+              </a:defRPr>
+            </a:lvl6pPr>
+            <a:lvl7pPr marL="2743200" indent="0" algn="l" defTabSz="914400" rtl="0" eaLnBrk="1" latinLnBrk="0" hangingPunct="1">
+              <a:lnSpc>
+                <a:spcPct val="90000"/>
+              </a:lnSpc>
+              <a:spcBef>
+                <a:spcPts val="500"/>
+              </a:spcBef>
+              <a:buFont typeface="Arial" panose="020B0604020202020204" pitchFamily="34" charset="0"/>
+              <a:buNone/>
+              <a:defRPr sz="1600" b="1" kern="1200">
+                <a:solidFill>
+                  <a:schemeClr val="tx1"/>
+                </a:solidFill>
+                <a:latin typeface="+mn-lt"/>
+                <a:ea typeface="+mn-ea"/>
+                <a:cs typeface="+mn-cs"/>
+              </a:defRPr>
+            </a:lvl7pPr>
+            <a:lvl8pPr marL="3200400" indent="0" algn="l" defTabSz="914400" rtl="0" eaLnBrk="1" latinLnBrk="0" hangingPunct="1">
+              <a:lnSpc>
+                <a:spcPct val="90000"/>
+              </a:lnSpc>
+              <a:spcBef>
+                <a:spcPts val="500"/>
+              </a:spcBef>
+              <a:buFont typeface="Arial" panose="020B0604020202020204" pitchFamily="34" charset="0"/>
+              <a:buNone/>
+              <a:defRPr sz="1600" b="1" kern="1200">
+                <a:solidFill>
+                  <a:schemeClr val="tx1"/>
+                </a:solidFill>
+                <a:latin typeface="+mn-lt"/>
+                <a:ea typeface="+mn-ea"/>
+                <a:cs typeface="+mn-cs"/>
+              </a:defRPr>
+            </a:lvl8pPr>
+            <a:lvl9pPr marL="3657600" indent="0" algn="l" defTabSz="914400" rtl="0" eaLnBrk="1" latinLnBrk="0" hangingPunct="1">
+              <a:lnSpc>
+                <a:spcPct val="90000"/>
+              </a:lnSpc>
+              <a:spcBef>
+                <a:spcPts val="500"/>
+              </a:spcBef>
+              <a:buFont typeface="Arial" panose="020B0604020202020204" pitchFamily="34" charset="0"/>
+              <a:buNone/>
+              <a:defRPr sz="1600" b="1" kern="1200">
+                <a:solidFill>
+                  <a:schemeClr val="tx1"/>
+                </a:solidFill>
+                <a:latin typeface="+mn-lt"/>
+                <a:ea typeface="+mn-ea"/>
+                <a:cs typeface="+mn-cs"/>
+              </a:defRPr>
+            </a:lvl9pPr>
+          </a:lstStyle>
+          <a:p>
+            <a:pPr marL="457200" indent="-457200" algn="just">
+              <a:lnSpc>
+                <a:spcPct val="150000"/>
+              </a:lnSpc>
+              <a:buAutoNum type="arabicPeriod"/>
+            </a:pPr>
+            <a:endParaRPr lang="en-US" altLang="en-GB" b="0">
+              <a:solidFill>
+                <a:srgbClr val="002060"/>
+              </a:solidFill>
+              <a:latin typeface="Segoe UI" panose="020B0502040204020203" charset="0"/>
+              <a:cs typeface="Segoe UI" panose="020B0502040204020203" charset="0"/>
+            </a:endParaRPr>
+          </a:p>
+          <a:p>
+            <a:pPr algn="just">
+              <a:lnSpc>
+                <a:spcPct val="150000"/>
+              </a:lnSpc>
+              <a:buFont typeface="Arial" panose="020B0604020202020204" pitchFamily="34" charset="0"/>
+            </a:pPr>
+            <a:r>
+              <a:rPr lang="en-US" altLang="en-GB" b="0">
+                <a:solidFill>
+                  <a:srgbClr val="002060"/>
+                </a:solidFill>
+                <a:latin typeface="Segoe UI" panose="020B0502040204020203" charset="0"/>
+                <a:cs typeface="Segoe UI" panose="020B0502040204020203" charset="0"/>
+              </a:rPr>
+              <a:t>Kiến nghị</a:t>
+            </a:r>
+            <a:endParaRPr lang="en-US" altLang="en-GB" b="0">
+              <a:solidFill>
+                <a:srgbClr val="002060"/>
+              </a:solidFill>
+              <a:latin typeface="Segoe UI" panose="020B0502040204020203" charset="0"/>
+              <a:cs typeface="Segoe UI" panose="020B0502040204020203" charset="0"/>
+            </a:endParaRPr>
+          </a:p>
+          <a:p>
+            <a:pPr algn="just">
+              <a:lnSpc>
+                <a:spcPct val="150000"/>
+              </a:lnSpc>
+            </a:pPr>
+            <a:r>
+              <a:rPr lang="en-US" altLang="en-GB" b="0">
+                <a:solidFill>
+                  <a:srgbClr val="002060"/>
+                </a:solidFill>
+                <a:latin typeface="Segoe UI" panose="020B0502040204020203" charset="0"/>
+                <a:cs typeface="Segoe UI" panose="020B0502040204020203" charset="0"/>
+              </a:rPr>
+              <a:t>Vận dụng thêm kĩ thuật collabrative filtering vào hệ thống đề xuất nội dung để tăng thêm trải nghiệm cho người dùng.</a:t>
+            </a:r>
+            <a:endParaRPr lang="en-US" altLang="en-GB" b="0">
+              <a:solidFill>
+                <a:srgbClr val="002060"/>
+              </a:solidFill>
+              <a:latin typeface="Segoe UI" panose="020B0502040204020203" charset="0"/>
+              <a:cs typeface="Segoe UI" panose="020B0502040204020203" charset="0"/>
+            </a:endParaRPr>
+          </a:p>
+          <a:p>
+            <a:pPr algn="just">
+              <a:lnSpc>
+                <a:spcPct val="150000"/>
+              </a:lnSpc>
+            </a:pPr>
+            <a:r>
+              <a:rPr lang="en-US" altLang="en-GB" b="0">
+                <a:solidFill>
+                  <a:srgbClr val="002060"/>
+                </a:solidFill>
+                <a:latin typeface="Segoe UI" panose="020B0502040204020203" charset="0"/>
+                <a:cs typeface="Segoe UI" panose="020B0502040204020203" charset="0"/>
+              </a:rPr>
+              <a:t>Phát triển chức năng cho người dùng đăng tải bài hát của chính mình và hướng đến một hệ thống giải trí đa nền tảng.</a:t>
+            </a:r>
+            <a:endParaRPr lang="en-US" altLang="en-GB" b="0">
+              <a:solidFill>
+                <a:srgbClr val="002060"/>
+              </a:solidFill>
+              <a:latin typeface="Segoe UI" panose="020B0502040204020203" charset="0"/>
+              <a:cs typeface="Segoe UI" panose="020B0502040204020203" charset="0"/>
+            </a:endParaRPr>
+          </a:p>
+        </p:txBody>
+      </p:sp>
+      <p:sp>
+        <p:nvSpPr>
+          <p:cNvPr id="4" name="Slide Number Placeholder 3"/>
+          <p:cNvSpPr>
+            <a:spLocks noGrp="1"/>
+          </p:cNvSpPr>
+          <p:nvPr>
+            <p:ph type="sldNum" sz="quarter" idx="12"/>
+          </p:nvPr>
+        </p:nvSpPr>
+        <p:spPr/>
+        <p:txBody>
+          <a:bodyPr/>
+          <a:p>
+            <a:fld id="{3C4FCFE7-4CFC-4698-A5C8-57D6C94FD847}" type="slidenum">
+              <a:rPr lang="en-US" smtClean="0"/>
+            </a:fld>
+            <a:endParaRPr lang="en-US"/>
+          </a:p>
+        </p:txBody>
+      </p:sp>
+      <p:sp>
+        <p:nvSpPr>
+          <p:cNvPr id="5" name="Footer Placeholder 4"/>
+          <p:cNvSpPr>
+            <a:spLocks noGrp="1"/>
+          </p:cNvSpPr>
+          <p:nvPr>
+            <p:ph type="ftr" sz="quarter" idx="11"/>
+          </p:nvPr>
+        </p:nvSpPr>
+        <p:spPr/>
+        <p:txBody>
+          <a:bodyPr/>
+          <a:p>
+            <a:r>
+              <a:rPr lang="en-US"/>
+              <a:t>Hoàng Minh Tài - 6051071102</a:t>
+            </a:r>
+            <a:endParaRPr lang="en-US"/>
+          </a:p>
+        </p:txBody>
+      </p:sp>
+    </p:spTree>
+  </p:cSld>
+  <p:clrMapOvr>
+    <a:masterClrMapping/>
+  </p:clrMapOvr>
+  <mc:AlternateContent xmlns:mc="http://schemas.openxmlformats.org/markup-compatibility/2006" xmlns:p159="http://schemas.microsoft.com/office/powerpoint/2015/09/main">
+    <mc:Choice Requires="p159">
+      <p:transition xmlns:p14="http://schemas.microsoft.com/office/powerpoint/2010/main" spd="slow" p14:dur="2000">
+        <p159:morph option="byObject"/>
+      </p:transition>
+    </mc:Choice>
+    <mc:Fallback>
+      <p:transition spd="slow">
+        <p:fade/>
+      </p:transition>
+    </mc:Fallback>
+  </mc:AlternateContent>
+</p:sld>
+</file>
+
+<file path=ppt/slides/slide15.xml><?xml version="1.0" encoding="utf-8"?>
+<p:sld xmlns:a="http://schemas.openxmlformats.org/drawingml/2006/main" xmlns:r="http://schemas.openxmlformats.org/officeDocument/2006/relationships" xmlns:p="http://schemas.openxmlformats.org/presentationml/2006/main">
+  <p:cSld>
     <p:spTree>
       <p:nvGrpSpPr>
         <p:cNvPr id="1" name=""/>
@@ -9467,25 +11935,181 @@
         </p:nvSpPr>
         <p:spPr>
           <a:xfrm>
-            <a:off x="1025525" y="2235200"/>
-            <a:ext cx="10141585" cy="2387600"/>
+            <a:off x="911225" y="2235200"/>
+            <a:ext cx="10397490" cy="2387600"/>
           </a:xfrm>
         </p:spPr>
         <p:txBody>
-          <a:bodyPr anchor="ctr" anchorCtr="0">
+          <a:bodyPr>
             <a:normAutofit/>
           </a:bodyPr>
           <a:p>
+            <a:pPr algn="ctr">
+              <a:lnSpc>
+                <a:spcPct val="120000"/>
+              </a:lnSpc>
+              <a:spcBef>
+                <a:spcPts val="0"/>
+              </a:spcBef>
+              <a:spcAft>
+                <a:spcPts val="50"/>
+              </a:spcAft>
+            </a:pPr>
+            <a:r>
+              <a:rPr lang="en-US" altLang="en-GB" sz="4445" b="1">
+                <a:solidFill>
+                  <a:srgbClr val="002060"/>
+                </a:solidFill>
+                <a:latin typeface="Segoe UI" panose="020B0502040204020203" charset="0"/>
+                <a:cs typeface="Segoe UI" panose="020B0502040204020203" charset="0"/>
+              </a:rPr>
+              <a:t>CẢM ƠN MỌI NGƯỜI ĐÃ LẮNG NGHE</a:t>
+            </a:r>
+            <a:br>
+              <a:rPr lang="en-US" altLang="en-GB" sz="4445" b="1">
+                <a:solidFill>
+                  <a:srgbClr val="002060"/>
+                </a:solidFill>
+                <a:latin typeface="Segoe UI" panose="020B0502040204020203" charset="0"/>
+                <a:cs typeface="Segoe UI" panose="020B0502040204020203" charset="0"/>
+              </a:rPr>
+            </a:br>
+            <a:endParaRPr lang="en-US" altLang="en-GB" sz="2665">
+              <a:solidFill>
+                <a:srgbClr val="002060"/>
+              </a:solidFill>
+              <a:latin typeface="Segoe UI" panose="020B0502040204020203" charset="0"/>
+              <a:cs typeface="Segoe UI" panose="020B0502040204020203" charset="0"/>
+            </a:endParaRPr>
+          </a:p>
+        </p:txBody>
+      </p:sp>
+      <p:sp>
+        <p:nvSpPr>
+          <p:cNvPr id="4" name="Title 1"/>
+          <p:cNvSpPr>
+            <a:spLocks noGrp="1"/>
+          </p:cNvSpPr>
+          <p:nvPr/>
+        </p:nvSpPr>
+        <p:spPr>
+          <a:xfrm>
+            <a:off x="911225" y="94615"/>
+            <a:ext cx="10141585" cy="1013460"/>
+          </a:xfrm>
+          <a:prstGeom prst="rect">
+            <a:avLst/>
+          </a:prstGeom>
+        </p:spPr>
+        <p:txBody>
+          <a:bodyPr vert="horz" lIns="91440" tIns="45720" rIns="91440" bIns="45720" rtlCol="0" anchor="b">
+            <a:normAutofit/>
+          </a:bodyPr>
+          <a:lstStyle>
+            <a:lvl1pPr algn="ctr" defTabSz="914400" rtl="0" eaLnBrk="1" latinLnBrk="0" hangingPunct="1">
+              <a:lnSpc>
+                <a:spcPct val="90000"/>
+              </a:lnSpc>
+              <a:spcBef>
+                <a:spcPct val="0"/>
+              </a:spcBef>
+              <a:buNone/>
+              <a:defRPr sz="6000" kern="1200">
+                <a:solidFill>
+                  <a:schemeClr val="tx1"/>
+                </a:solidFill>
+                <a:latin typeface="+mj-lt"/>
+                <a:ea typeface="+mj-ea"/>
+                <a:cs typeface="+mj-cs"/>
+              </a:defRPr>
+            </a:lvl1pPr>
+          </a:lstStyle>
+          <a:p>
             <a:pPr algn="ctr"/>
             <a:r>
-              <a:rPr lang="en-US" b="1">
-                <a:cs typeface="+mj-lt"/>
+              <a:rPr lang="en-US" altLang="en-GB" sz="2665" b="1">
+                <a:solidFill>
+                  <a:schemeClr val="bg1"/>
+                </a:solidFill>
+                <a:latin typeface="Segoe UI" panose="020B0502040204020203" charset="0"/>
+                <a:cs typeface="Segoe UI" panose="020B0502040204020203" charset="0"/>
+                <a:sym typeface="+mn-ea"/>
               </a:rPr>
-              <a:t>CÁC TÁC VỤ ĐÃ THỰC HIỆN</a:t>
-            </a:r>
-            <a:endParaRPr lang="en-US" b="1">
-              <a:cs typeface="+mj-lt"/>
+              <a:t>TRƯỜNG ĐẠI HỌC GIAO THÔNG VẬN TẢI</a:t>
+            </a:r>
+            <a:endParaRPr lang="en-US" altLang="en-GB" sz="2665" b="1">
+              <a:solidFill>
+                <a:schemeClr val="bg1"/>
+              </a:solidFill>
+              <a:latin typeface="Segoe UI" panose="020B0502040204020203" charset="0"/>
+              <a:cs typeface="Segoe UI" panose="020B0502040204020203" charset="0"/>
+              <a:sym typeface="+mn-ea"/>
             </a:endParaRPr>
+          </a:p>
+          <a:p>
+            <a:pPr algn="ctr"/>
+            <a:r>
+              <a:rPr lang="en-US" altLang="en-GB" sz="2665" b="1">
+                <a:solidFill>
+                  <a:schemeClr val="bg1"/>
+                </a:solidFill>
+                <a:latin typeface="Segoe UI" panose="020B0502040204020203" charset="0"/>
+                <a:cs typeface="Segoe UI" panose="020B0502040204020203" charset="0"/>
+                <a:sym typeface="+mn-ea"/>
+              </a:rPr>
+              <a:t>PHÂN HIỆU TẠI TP. HỒ CHÍ MINH</a:t>
+            </a:r>
+            <a:endParaRPr lang="en-US" altLang="en-GB" sz="2665" b="1">
+              <a:solidFill>
+                <a:schemeClr val="bg1"/>
+              </a:solidFill>
+              <a:latin typeface="Segoe UI" panose="020B0502040204020203" charset="0"/>
+              <a:cs typeface="Segoe UI" panose="020B0502040204020203" charset="0"/>
+              <a:sym typeface="+mn-ea"/>
+            </a:endParaRPr>
+          </a:p>
+        </p:txBody>
+      </p:sp>
+      <p:sp>
+        <p:nvSpPr>
+          <p:cNvPr id="6" name="Slide Number Placeholder 5"/>
+          <p:cNvSpPr>
+            <a:spLocks noGrp="1"/>
+          </p:cNvSpPr>
+          <p:nvPr>
+            <p:ph type="sldNum" sz="quarter" idx="12"/>
+          </p:nvPr>
+        </p:nvSpPr>
+        <p:spPr/>
+        <p:txBody>
+          <a:bodyPr/>
+          <a:p>
+            <a:fld id="{3C4FCFE7-4CFC-4698-A5C8-57D6C94FD847}" type="slidenum">
+              <a:rPr lang="en-US" smtClean="0"/>
+            </a:fld>
+            <a:endParaRPr lang="en-US"/>
+          </a:p>
+        </p:txBody>
+      </p:sp>
+      <p:sp>
+        <p:nvSpPr>
+          <p:cNvPr id="7" name="Footer Placeholder 6"/>
+          <p:cNvSpPr>
+            <a:spLocks noGrp="1"/>
+          </p:cNvSpPr>
+          <p:nvPr>
+            <p:ph type="ftr" sz="quarter" idx="11"/>
+          </p:nvPr>
+        </p:nvSpPr>
+        <p:spPr/>
+        <p:txBody>
+          <a:bodyPr/>
+          <a:p>
+            <a:r>
+              <a:rPr lang="en-US"/>
+              <a:t>Hoàng Minh Tài - 6051071102</a:t>
+            </a:r>
+            <a:endParaRPr lang="en-US"/>
           </a:p>
         </p:txBody>
       </p:sp>
@@ -9512,6 +12136,17 @@
 <file path=ppt/slides/slide2.xml><?xml version="1.0" encoding="utf-8"?>
 <p:sld xmlns:a="http://schemas.openxmlformats.org/drawingml/2006/main" xmlns:r="http://schemas.openxmlformats.org/officeDocument/2006/relationships" xmlns:p="http://schemas.openxmlformats.org/presentationml/2006/main">
   <p:cSld>
+    <p:bg>
+      <p:bgPr>
+        <a:blipFill>
+          <a:blip r:embed="rId1"/>
+          <a:stretch>
+            <a:fillRect/>
+          </a:stretch>
+        </a:blipFill>
+        <a:effectLst/>
+      </p:bgPr>
+    </p:bg>
     <p:spTree>
       <p:nvGrpSpPr>
         <p:cNvPr id="1" name=""/>
@@ -9531,25 +12166,29 @@
         </p:nvSpPr>
         <p:spPr>
           <a:xfrm>
-            <a:off x="839788" y="262890"/>
-            <a:ext cx="10515600" cy="1325563"/>
+            <a:off x="840105" y="262890"/>
+            <a:ext cx="10515600" cy="895350"/>
           </a:xfrm>
         </p:spPr>
         <p:txBody>
           <a:bodyPr anchor="ctr" anchorCtr="0"/>
           <a:p>
             <a:r>
-              <a:rPr lang="en-US" altLang="en-GB">
+              <a:rPr lang="en-US" altLang="en-GB" sz="2800" b="1">
                 <a:solidFill>
                   <a:schemeClr val="bg1"/>
                 </a:solidFill>
+                <a:latin typeface="Segoe UI" panose="020B0502040204020203" charset="0"/>
+                <a:cs typeface="Segoe UI" panose="020B0502040204020203" charset="0"/>
               </a:rPr>
               <a:t>CẤU TRÚC BÀI THUYẾT TRÌNH</a:t>
             </a:r>
-            <a:endParaRPr lang="en-US" altLang="en-GB">
+            <a:endParaRPr lang="en-US" altLang="en-GB" sz="2800" b="1">
               <a:solidFill>
                 <a:schemeClr val="bg1"/>
               </a:solidFill>
+              <a:latin typeface="Segoe UI" panose="020B0502040204020203" charset="0"/>
+              <a:cs typeface="Segoe UI" panose="020B0502040204020203" charset="0"/>
             </a:endParaRPr>
           </a:p>
         </p:txBody>
@@ -9648,7 +12287,7 @@
         <p:spPr>
           <a:xfrm>
             <a:off x="1299210" y="1779905"/>
-            <a:ext cx="5157470" cy="3298190"/>
+            <a:ext cx="6273800" cy="3916045"/>
           </a:xfrm>
         </p:spPr>
         <p:txBody>
@@ -9663,10 +12302,22 @@
               <a:buAutoNum type="arabicPeriod"/>
             </a:pPr>
             <a:r>
-              <a:rPr lang="en-US" altLang="en-GB"/>
-              <a:t>Giới thiệu về công ty</a:t>
-            </a:r>
-            <a:endParaRPr lang="en-US" altLang="en-GB"/>
+              <a:rPr lang="en-US" altLang="en-GB" b="0">
+                <a:solidFill>
+                  <a:srgbClr val="002060"/>
+                </a:solidFill>
+                <a:latin typeface="Segoe UI" panose="020B0502040204020203" charset="0"/>
+                <a:cs typeface="Segoe UI" panose="020B0502040204020203" charset="0"/>
+              </a:rPr>
+              <a:t>Lý do chọn đề tài</a:t>
+            </a:r>
+            <a:endParaRPr lang="en-US" altLang="en-GB" b="0">
+              <a:solidFill>
+                <a:srgbClr val="002060"/>
+              </a:solidFill>
+              <a:latin typeface="Segoe UI" panose="020B0502040204020203" charset="0"/>
+              <a:cs typeface="Segoe UI" panose="020B0502040204020203" charset="0"/>
+            </a:endParaRPr>
           </a:p>
           <a:p>
             <a:pPr marL="457200" indent="-457200">
@@ -9676,10 +12327,22 @@
               <a:buAutoNum type="arabicPeriod"/>
             </a:pPr>
             <a:r>
-              <a:rPr lang="en-US" altLang="en-GB"/>
-              <a:t>Quá trình thực tập</a:t>
-            </a:r>
-            <a:endParaRPr lang="en-US" altLang="en-GB"/>
+              <a:rPr lang="en-US" altLang="en-GB" b="0">
+                <a:solidFill>
+                  <a:srgbClr val="002060"/>
+                </a:solidFill>
+                <a:latin typeface="Segoe UI" panose="020B0502040204020203" charset="0"/>
+                <a:cs typeface="Segoe UI" panose="020B0502040204020203" charset="0"/>
+              </a:rPr>
+              <a:t>Giới thiệu về ứng dụng</a:t>
+            </a:r>
+            <a:endParaRPr lang="en-US" altLang="en-GB" b="0">
+              <a:solidFill>
+                <a:srgbClr val="002060"/>
+              </a:solidFill>
+              <a:latin typeface="Segoe UI" panose="020B0502040204020203" charset="0"/>
+              <a:cs typeface="Segoe UI" panose="020B0502040204020203" charset="0"/>
+            </a:endParaRPr>
           </a:p>
           <a:p>
             <a:pPr marL="457200" indent="-457200">
@@ -9689,10 +12352,22 @@
               <a:buAutoNum type="arabicPeriod"/>
             </a:pPr>
             <a:r>
-              <a:rPr lang="en-US" altLang="en-GB"/>
-              <a:t>Các công nghệ sử dụng</a:t>
-            </a:r>
-            <a:endParaRPr lang="en-US" altLang="en-GB"/>
+              <a:rPr lang="en-US" altLang="en-GB" b="0">
+                <a:solidFill>
+                  <a:srgbClr val="002060"/>
+                </a:solidFill>
+                <a:latin typeface="Segoe UI" panose="020B0502040204020203" charset="0"/>
+                <a:cs typeface="Segoe UI" panose="020B0502040204020203" charset="0"/>
+              </a:rPr>
+              <a:t>Giới thiệu về hệ thống đề xuất nội dung</a:t>
+            </a:r>
+            <a:endParaRPr lang="en-US" altLang="en-GB" b="0">
+              <a:solidFill>
+                <a:srgbClr val="002060"/>
+              </a:solidFill>
+              <a:latin typeface="Segoe UI" panose="020B0502040204020203" charset="0"/>
+              <a:cs typeface="Segoe UI" panose="020B0502040204020203" charset="0"/>
+            </a:endParaRPr>
           </a:p>
           <a:p>
             <a:pPr marL="457200" indent="-457200">
@@ -9702,16 +12377,53 @@
               <a:buAutoNum type="arabicPeriod"/>
             </a:pPr>
             <a:r>
-              <a:rPr lang="en-US" altLang="en-GB"/>
-              <a:t>Các tác vụ đã thực hiện</a:t>
-            </a:r>
-            <a:endParaRPr lang="en-US" altLang="en-GB"/>
+              <a:rPr lang="en-US" altLang="en-GB" b="0">
+                <a:solidFill>
+                  <a:srgbClr val="002060"/>
+                </a:solidFill>
+                <a:latin typeface="Segoe UI" panose="020B0502040204020203" charset="0"/>
+                <a:cs typeface="Segoe UI" panose="020B0502040204020203" charset="0"/>
+              </a:rPr>
+              <a:t>Ứng dụng Incognito Music</a:t>
+            </a:r>
+            <a:endParaRPr lang="en-US" altLang="en-GB" b="0">
+              <a:solidFill>
+                <a:srgbClr val="002060"/>
+              </a:solidFill>
+              <a:latin typeface="Segoe UI" panose="020B0502040204020203" charset="0"/>
+              <a:cs typeface="Segoe UI" panose="020B0502040204020203" charset="0"/>
+            </a:endParaRPr>
+          </a:p>
+          <a:p>
+            <a:pPr marL="457200" indent="-457200">
+              <a:lnSpc>
+                <a:spcPct val="200000"/>
+              </a:lnSpc>
+              <a:buAutoNum type="arabicPeriod"/>
+            </a:pPr>
+            <a:r>
+              <a:rPr lang="en-US" altLang="en-GB" b="0">
+                <a:solidFill>
+                  <a:srgbClr val="002060"/>
+                </a:solidFill>
+                <a:latin typeface="Segoe UI" panose="020B0502040204020203" charset="0"/>
+                <a:cs typeface="Segoe UI" panose="020B0502040204020203" charset="0"/>
+              </a:rPr>
+              <a:t>Kết quả đạt được và kiến nghị</a:t>
+            </a:r>
+            <a:endParaRPr lang="en-US" altLang="en-GB" b="0">
+              <a:solidFill>
+                <a:srgbClr val="002060"/>
+              </a:solidFill>
+              <a:latin typeface="Segoe UI" panose="020B0502040204020203" charset="0"/>
+              <a:cs typeface="Segoe UI" panose="020B0502040204020203" charset="0"/>
+            </a:endParaRPr>
           </a:p>
         </p:txBody>
       </p:sp>
       <p:pic>
         <p:nvPicPr>
-          <p:cNvPr id="100" name="Content Placeholder 99"/>
+          <p:cNvPr id="17" name="Content Placeholder 16" descr="SlidePic"/>
           <p:cNvPicPr>
             <a:picLocks noChangeAspect="1"/>
           </p:cNvPicPr>
@@ -9720,25 +12432,76 @@
           </p:nvPr>
         </p:nvPicPr>
         <p:blipFill>
-          <a:blip r:embed="rId1"/>
+          <a:blip r:embed="rId2"/>
           <a:stretch>
             <a:fillRect/>
           </a:stretch>
         </p:blipFill>
         <p:spPr>
           <a:xfrm>
-            <a:off x="6456680" y="2336800"/>
-            <a:ext cx="4524375" cy="1009650"/>
+            <a:off x="6442710" y="934720"/>
+            <a:ext cx="5909310" cy="5607050"/>
           </a:xfrm>
           <a:prstGeom prst="rect">
             <a:avLst/>
           </a:prstGeom>
-          <a:noFill/>
-          <a:ln w="9525">
-            <a:noFill/>
-          </a:ln>
+          <a:effectLst>
+            <a:glow>
+              <a:schemeClr val="bg1">
+                <a:alpha val="40000"/>
+              </a:schemeClr>
+            </a:glow>
+            <a:outerShdw blurRad="63500" sx="102000" sy="102000" algn="ctr" rotWithShape="0">
+              <a:prstClr val="black">
+                <a:alpha val="40000"/>
+              </a:prstClr>
+            </a:outerShdw>
+          </a:effectLst>
         </p:spPr>
       </p:pic>
+      <p:sp>
+        <p:nvSpPr>
+          <p:cNvPr id="18" name="Slide Number Placeholder 17"/>
+          <p:cNvSpPr>
+            <a:spLocks noGrp="1"/>
+          </p:cNvSpPr>
+          <p:nvPr>
+            <p:ph type="sldNum" sz="quarter" idx="12"/>
+          </p:nvPr>
+        </p:nvSpPr>
+        <p:spPr/>
+        <p:txBody>
+          <a:bodyPr/>
+          <a:p>
+            <a:fld id="{3C4FCFE7-4CFC-4698-A5C8-57D6C94FD847}" type="slidenum">
+              <a:rPr lang="en-US" smtClean="0"/>
+            </a:fld>
+            <a:endParaRPr lang="en-US"/>
+          </a:p>
+        </p:txBody>
+      </p:sp>
+      <p:sp>
+        <p:nvSpPr>
+          <p:cNvPr id="19" name="Footer Placeholder 18"/>
+          <p:cNvSpPr>
+            <a:spLocks noGrp="1"/>
+          </p:cNvSpPr>
+          <p:nvPr>
+            <p:ph type="ftr" sz="quarter" idx="11"/>
+          </p:nvPr>
+        </p:nvSpPr>
+        <p:spPr/>
+        <p:txBody>
+          <a:bodyPr/>
+          <a:p>
+            <a:r>
+              <a:rPr lang="en-US"/>
+              <a:t>Hoàng Minh Tài - 6051071102</a:t>
+            </a:r>
+            <a:endParaRPr lang="en-US"/>
+          </a:p>
+        </p:txBody>
+      </p:sp>
     </p:spTree>
   </p:cSld>
   <p:clrMapOvr>
@@ -9762,6 +12525,17 @@
 <file path=ppt/slides/slide3.xml><?xml version="1.0" encoding="utf-8"?>
 <p:sld xmlns:a="http://schemas.openxmlformats.org/drawingml/2006/main" xmlns:r="http://schemas.openxmlformats.org/officeDocument/2006/relationships" xmlns:p="http://schemas.openxmlformats.org/presentationml/2006/main">
   <p:cSld>
+    <p:bg>
+      <p:bgPr>
+        <a:blipFill>
+          <a:blip r:embed="rId1"/>
+          <a:stretch>
+            <a:fillRect/>
+          </a:stretch>
+        </a:blipFill>
+        <a:effectLst/>
+      </p:bgPr>
+    </p:bg>
     <p:spTree>
       <p:nvGrpSpPr>
         <p:cNvPr id="1" name=""/>
@@ -9781,27 +12555,29 @@
         </p:nvSpPr>
         <p:spPr>
           <a:xfrm>
-            <a:off x="839788" y="233680"/>
-            <a:ext cx="10515600" cy="1325563"/>
+            <a:off x="840105" y="262890"/>
+            <a:ext cx="10515600" cy="908685"/>
           </a:xfrm>
         </p:spPr>
         <p:txBody>
           <a:bodyPr anchor="ctr" anchorCtr="0"/>
           <a:p>
             <a:r>
-              <a:rPr lang="en-US" altLang="en-GB">
+              <a:rPr lang="en-US" altLang="en-GB" sz="2800" b="1">
                 <a:solidFill>
                   <a:schemeClr val="bg1"/>
                 </a:solidFill>
-                <a:sym typeface="+mn-ea"/>
+                <a:latin typeface="Segoe UI" panose="020B0502040204020203" charset="0"/>
+                <a:cs typeface="Segoe UI" panose="020B0502040204020203" charset="0"/>
               </a:rPr>
-              <a:t>Giới thiệu về công ty</a:t>
-            </a:r>
-            <a:endParaRPr lang="en-US" altLang="en-GB">
+              <a:t>Lý do chọn đề tài</a:t>
+            </a:r>
+            <a:endParaRPr lang="en-US" altLang="en-GB" sz="2800" b="1">
               <a:solidFill>
                 <a:schemeClr val="bg1"/>
               </a:solidFill>
-              <a:sym typeface="+mn-ea"/>
+              <a:latin typeface="Segoe UI" panose="020B0502040204020203" charset="0"/>
+              <a:cs typeface="Segoe UI" panose="020B0502040204020203" charset="0"/>
             </a:endParaRPr>
           </a:p>
         </p:txBody>
@@ -9899,43 +12675,227 @@
         </p:nvSpPr>
         <p:spPr>
           <a:xfrm>
-            <a:off x="598170" y="1483995"/>
-            <a:ext cx="7588885" cy="4638675"/>
+            <a:off x="482600" y="1588770"/>
+            <a:ext cx="5871845" cy="4429760"/>
           </a:xfrm>
         </p:spPr>
         <p:txBody>
-          <a:bodyPr anchor="t" anchorCtr="0">
+          <a:bodyPr>
             <a:noAutofit/>
           </a:bodyPr>
           <a:p>
+            <a:pPr marL="457200" indent="-457200">
+              <a:lnSpc>
+                <a:spcPct val="150000"/>
+              </a:lnSpc>
+              <a:buAutoNum type="arabicPeriod"/>
+            </a:pPr>
+            <a:endParaRPr lang="en-US" altLang="en-GB" b="0">
+              <a:solidFill>
+                <a:srgbClr val="002060"/>
+              </a:solidFill>
+              <a:latin typeface="Segoe UI" panose="020B0502040204020203" charset="0"/>
+              <a:cs typeface="Segoe UI" panose="020B0502040204020203" charset="0"/>
+            </a:endParaRPr>
+          </a:p>
+          <a:p>
+            <a:pPr marL="457200" indent="-457200">
+              <a:lnSpc>
+                <a:spcPct val="150000"/>
+              </a:lnSpc>
+              <a:buAutoNum type="arabicPeriod"/>
+            </a:pPr>
+            <a:endParaRPr lang="en-US" altLang="en-GB" b="0">
+              <a:solidFill>
+                <a:srgbClr val="002060"/>
+              </a:solidFill>
+              <a:latin typeface="Segoe UI" panose="020B0502040204020203" charset="0"/>
+              <a:cs typeface="Segoe UI" panose="020B0502040204020203" charset="0"/>
+            </a:endParaRPr>
+          </a:p>
+          <a:p>
+            <a:pPr marL="457200" indent="-457200">
+              <a:lnSpc>
+                <a:spcPct val="150000"/>
+              </a:lnSpc>
+              <a:buAutoNum type="arabicPeriod"/>
+            </a:pPr>
+            <a:endParaRPr lang="en-US" altLang="en-GB" b="0">
+              <a:solidFill>
+                <a:srgbClr val="002060"/>
+              </a:solidFill>
+              <a:latin typeface="Segoe UI" panose="020B0502040204020203" charset="0"/>
+              <a:cs typeface="Segoe UI" panose="020B0502040204020203" charset="0"/>
+            </a:endParaRPr>
+          </a:p>
+          <a:p>
             <a:pPr>
               <a:lnSpc>
-                <a:spcPct val="160000"/>
+                <a:spcPct val="150000"/>
               </a:lnSpc>
             </a:pPr>
-            <a:r>
-              <a:rPr lang="en-US" altLang="en-GB" sz="2200" b="0"/>
-              <a:t>Tên công ty: Bosch Global Software Technologies VietNam (BGSV)</a:t>
-            </a:r>
-            <a:endParaRPr lang="en-US" altLang="en-GB" sz="2200" b="0"/>
-          </a:p>
-          <a:p>
-            <a:pPr algn="just">
-              <a:lnSpc>
-                <a:spcPct val="180000"/>
+            <a:endParaRPr lang="en-US" altLang="en-GB" b="0">
+              <a:solidFill>
+                <a:srgbClr val="002060"/>
+              </a:solidFill>
+              <a:latin typeface="Segoe UI" panose="020B0502040204020203" charset="0"/>
+              <a:cs typeface="Segoe UI" panose="020B0502040204020203" charset="0"/>
+            </a:endParaRPr>
+          </a:p>
+          <a:p>
+            <a:pPr>
+              <a:lnSpc>
+                <a:spcPct val="150000"/>
               </a:lnSpc>
             </a:pPr>
             <a:r>
-              <a:rPr lang="en-US" altLang="en-GB" sz="2200" b="0"/>
-              <a:t>Bắt đầu hoạt động từ ngày 19 tháng 10 năm 2010 tại E-Town2, TP.HCM. BGSV tham gia vào việc phát triển các hệ thống nhúng và phần mềm, thiết kế và mô phỏng cơ khí, đồng thời sẽ cung cấp CNTT (Tư vấn SAP, Phát triển JAVA….) và Dịch vụ Kinh doanh (Tài chính và kế toán, Kinh tế, Mua hàng, Logistics, Dịch Nhật-Anh - Giải pháp tiếng Nhật, Bảo mật thông tin) cho nhóm công ty Bosch trên toàn cầu.</a:t>
-            </a:r>
-            <a:endParaRPr lang="en-US" altLang="en-GB" sz="2200" b="0"/>
+              <a:rPr lang="en-US" altLang="en-GB" b="0">
+                <a:solidFill>
+                  <a:srgbClr val="002060"/>
+                </a:solidFill>
+                <a:latin typeface="Segoe UI" panose="020B0502040204020203" charset="0"/>
+                <a:cs typeface="Segoe UI" panose="020B0502040204020203" charset="0"/>
+              </a:rPr>
+              <a:t>Những ứng dụng nghe nhạc miễn phí đang gây khó chịu cho người dùng:</a:t>
+            </a:r>
+            <a:endParaRPr lang="en-US" altLang="en-GB" b="0">
+              <a:solidFill>
+                <a:srgbClr val="002060"/>
+              </a:solidFill>
+              <a:latin typeface="Segoe UI" panose="020B0502040204020203" charset="0"/>
+              <a:cs typeface="Segoe UI" panose="020B0502040204020203" charset="0"/>
+            </a:endParaRPr>
+          </a:p>
+          <a:p>
+            <a:pPr marL="457200" indent="-457200">
+              <a:lnSpc>
+                <a:spcPct val="100000"/>
+              </a:lnSpc>
+              <a:buAutoNum type="arabicPeriod"/>
+            </a:pPr>
+            <a:r>
+              <a:rPr lang="en-US" altLang="en-GB" b="0">
+                <a:solidFill>
+                  <a:srgbClr val="002060"/>
+                </a:solidFill>
+                <a:latin typeface="Segoe UI" panose="020B0502040204020203" charset="0"/>
+                <a:cs typeface="Segoe UI" panose="020B0502040204020203" charset="0"/>
+              </a:rPr>
+              <a:t>Quảng cáo</a:t>
+            </a:r>
+            <a:endParaRPr lang="en-US" altLang="en-GB" b="0">
+              <a:solidFill>
+                <a:srgbClr val="002060"/>
+              </a:solidFill>
+              <a:latin typeface="Segoe UI" panose="020B0502040204020203" charset="0"/>
+              <a:cs typeface="Segoe UI" panose="020B0502040204020203" charset="0"/>
+            </a:endParaRPr>
+          </a:p>
+          <a:p>
+            <a:pPr marL="457200" indent="-457200">
+              <a:lnSpc>
+                <a:spcPct val="150000"/>
+              </a:lnSpc>
+              <a:buAutoNum type="arabicPeriod"/>
+            </a:pPr>
+            <a:r>
+              <a:rPr lang="en-US" altLang="en-GB" b="0">
+                <a:solidFill>
+                  <a:srgbClr val="002060"/>
+                </a:solidFill>
+                <a:latin typeface="Segoe UI" panose="020B0502040204020203" charset="0"/>
+                <a:cs typeface="Segoe UI" panose="020B0502040204020203" charset="0"/>
+              </a:rPr>
+              <a:t>Giới hạn số lần chuyển bài</a:t>
+            </a:r>
+            <a:endParaRPr lang="en-US" altLang="en-GB" b="0">
+              <a:solidFill>
+                <a:srgbClr val="002060"/>
+              </a:solidFill>
+              <a:latin typeface="Segoe UI" panose="020B0502040204020203" charset="0"/>
+              <a:cs typeface="Segoe UI" panose="020B0502040204020203" charset="0"/>
+            </a:endParaRPr>
+          </a:p>
+          <a:p>
+            <a:pPr marL="457200" indent="-457200">
+              <a:lnSpc>
+                <a:spcPct val="150000"/>
+              </a:lnSpc>
+              <a:buAutoNum type="arabicPeriod"/>
+            </a:pPr>
+            <a:r>
+              <a:rPr lang="en-US" altLang="en-GB" b="0">
+                <a:solidFill>
+                  <a:srgbClr val="002060"/>
+                </a:solidFill>
+                <a:latin typeface="Segoe UI" panose="020B0502040204020203" charset="0"/>
+                <a:cs typeface="Segoe UI" panose="020B0502040204020203" charset="0"/>
+              </a:rPr>
+              <a:t>Không cho phép tải bài hát</a:t>
+            </a:r>
+            <a:endParaRPr lang="en-US" altLang="en-GB" b="0">
+              <a:solidFill>
+                <a:srgbClr val="002060"/>
+              </a:solidFill>
+              <a:latin typeface="Segoe UI" panose="020B0502040204020203" charset="0"/>
+              <a:cs typeface="Segoe UI" panose="020B0502040204020203" charset="0"/>
+            </a:endParaRPr>
+          </a:p>
+          <a:p>
+            <a:pPr marL="457200" indent="-457200">
+              <a:lnSpc>
+                <a:spcPct val="150000"/>
+              </a:lnSpc>
+              <a:buAutoNum type="arabicPeriod"/>
+            </a:pPr>
+            <a:r>
+              <a:rPr lang="en-US" altLang="en-GB" b="0">
+                <a:solidFill>
+                  <a:srgbClr val="002060"/>
+                </a:solidFill>
+                <a:latin typeface="Segoe UI" panose="020B0502040204020203" charset="0"/>
+                <a:cs typeface="Segoe UI" panose="020B0502040204020203" charset="0"/>
+              </a:rPr>
+              <a:t>Tự động thay đổi danh sách phát</a:t>
+            </a:r>
+            <a:endParaRPr lang="en-US" altLang="en-GB" b="0">
+              <a:solidFill>
+                <a:srgbClr val="002060"/>
+              </a:solidFill>
+              <a:latin typeface="Segoe UI" panose="020B0502040204020203" charset="0"/>
+              <a:cs typeface="Segoe UI" panose="020B0502040204020203" charset="0"/>
+            </a:endParaRPr>
+          </a:p>
+          <a:p>
+            <a:pPr marL="457200" indent="-457200">
+              <a:lnSpc>
+                <a:spcPct val="150000"/>
+              </a:lnSpc>
+              <a:buAutoNum type="arabicPeriod"/>
+            </a:pPr>
+            <a:r>
+              <a:rPr lang="en-US" altLang="en-GB" b="0">
+                <a:solidFill>
+                  <a:srgbClr val="002060"/>
+                </a:solidFill>
+                <a:latin typeface="Segoe UI" panose="020B0502040204020203" charset="0"/>
+                <a:cs typeface="Segoe UI" panose="020B0502040204020203" charset="0"/>
+              </a:rPr>
+              <a:t>Chất lượng âm thanh không cao</a:t>
+            </a:r>
+            <a:endParaRPr lang="en-US" altLang="en-GB" b="0">
+              <a:solidFill>
+                <a:srgbClr val="002060"/>
+              </a:solidFill>
+              <a:latin typeface="Segoe UI" panose="020B0502040204020203" charset="0"/>
+              <a:cs typeface="Segoe UI" panose="020B0502040204020203" charset="0"/>
+            </a:endParaRPr>
           </a:p>
         </p:txBody>
       </p:sp>
       <p:pic>
         <p:nvPicPr>
-          <p:cNvPr id="100" name="Content Placeholder 99"/>
+          <p:cNvPr id="17" name="Content Placeholder 16" descr="E:\Workspace\My Document\Tốt nghiệp\Photos\image-removebg-preview.pngimage-removebg-preview"/>
           <p:cNvPicPr>
             <a:picLocks noChangeAspect="1"/>
           </p:cNvPicPr>
@@ -9944,25 +12904,77 @@
           </p:nvPr>
         </p:nvPicPr>
         <p:blipFill>
-          <a:blip r:embed="rId1"/>
+          <a:blip r:embed="rId2"/>
+          <a:srcRect/>
           <a:stretch>
             <a:fillRect/>
           </a:stretch>
         </p:blipFill>
         <p:spPr>
           <a:xfrm>
-            <a:off x="8634095" y="3196590"/>
-            <a:ext cx="3360420" cy="749935"/>
+            <a:off x="6236970" y="1604645"/>
+            <a:ext cx="5720715" cy="4413250"/>
           </a:xfrm>
           <a:prstGeom prst="rect">
             <a:avLst/>
           </a:prstGeom>
-          <a:noFill/>
-          <a:ln w="9525">
-            <a:noFill/>
-          </a:ln>
+          <a:effectLst>
+            <a:glow>
+              <a:schemeClr val="bg1">
+                <a:alpha val="40000"/>
+              </a:schemeClr>
+            </a:glow>
+            <a:outerShdw blurRad="63500" sx="102000" sy="102000" algn="ctr" rotWithShape="0">
+              <a:prstClr val="black">
+                <a:alpha val="40000"/>
+              </a:prstClr>
+            </a:outerShdw>
+          </a:effectLst>
         </p:spPr>
       </p:pic>
+      <p:sp>
+        <p:nvSpPr>
+          <p:cNvPr id="6" name="Slide Number Placeholder 5"/>
+          <p:cNvSpPr>
+            <a:spLocks noGrp="1"/>
+          </p:cNvSpPr>
+          <p:nvPr>
+            <p:ph type="sldNum" sz="quarter" idx="12"/>
+          </p:nvPr>
+        </p:nvSpPr>
+        <p:spPr/>
+        <p:txBody>
+          <a:bodyPr/>
+          <a:p>
+            <a:fld id="{3C4FCFE7-4CFC-4698-A5C8-57D6C94FD847}" type="slidenum">
+              <a:rPr lang="en-US" smtClean="0"/>
+            </a:fld>
+            <a:endParaRPr lang="en-US"/>
+          </a:p>
+        </p:txBody>
+      </p:sp>
+      <p:sp>
+        <p:nvSpPr>
+          <p:cNvPr id="7" name="Footer Placeholder 6"/>
+          <p:cNvSpPr>
+            <a:spLocks noGrp="1"/>
+          </p:cNvSpPr>
+          <p:nvPr>
+            <p:ph type="ftr" sz="quarter" idx="11"/>
+          </p:nvPr>
+        </p:nvSpPr>
+        <p:spPr/>
+        <p:txBody>
+          <a:bodyPr/>
+          <a:p>
+            <a:r>
+              <a:rPr lang="en-US"/>
+              <a:t>Hoàng Minh Tài - 6051071102</a:t>
+            </a:r>
+            <a:endParaRPr lang="en-US"/>
+          </a:p>
+        </p:txBody>
+      </p:sp>
     </p:spTree>
   </p:cSld>
   <p:clrMapOvr>
@@ -9986,6 +12998,17 @@
 <file path=ppt/slides/slide4.xml><?xml version="1.0" encoding="utf-8"?>
 <p:sld xmlns:a="http://schemas.openxmlformats.org/drawingml/2006/main" xmlns:r="http://schemas.openxmlformats.org/officeDocument/2006/relationships" xmlns:p="http://schemas.openxmlformats.org/presentationml/2006/main">
   <p:cSld>
+    <p:bg>
+      <p:bgPr>
+        <a:blipFill>
+          <a:blip r:embed="rId1"/>
+          <a:stretch>
+            <a:fillRect/>
+          </a:stretch>
+        </a:blipFill>
+        <a:effectLst/>
+      </p:bgPr>
+    </p:bg>
     <p:spTree>
       <p:nvGrpSpPr>
         <p:cNvPr id="1" name=""/>
@@ -10005,2396 +13028,78 @@
         </p:nvSpPr>
         <p:spPr>
           <a:xfrm>
-            <a:off x="839788" y="233680"/>
-            <a:ext cx="10515600" cy="1325563"/>
+            <a:off x="838200" y="365125"/>
+            <a:ext cx="10515600" cy="833755"/>
           </a:xfrm>
         </p:spPr>
         <p:txBody>
           <a:bodyPr anchor="ctr" anchorCtr="0"/>
           <a:p>
             <a:r>
-              <a:rPr lang="en-US" altLang="en-GB">
+              <a:rPr lang="en-US" altLang="en-GB" sz="2800" b="1">
                 <a:solidFill>
                   <a:schemeClr val="bg1"/>
                 </a:solidFill>
-                <a:sym typeface="+mn-ea"/>
+                <a:latin typeface="Segoe UI" panose="020B0502040204020203" charset="0"/>
+                <a:cs typeface="Segoe UI" panose="020B0502040204020203" charset="0"/>
               </a:rPr>
-              <a:t>Quá trình thực tập</a:t>
-            </a:r>
-            <a:endParaRPr lang="en-US" altLang="en-GB">
+              <a:t>Giới thiệu về ứng dụng</a:t>
+            </a:r>
+            <a:endParaRPr lang="en-US" altLang="en-GB" sz="2800" b="1">
               <a:solidFill>
                 <a:schemeClr val="bg1"/>
               </a:solidFill>
-              <a:sym typeface="+mn-ea"/>
+              <a:latin typeface="Segoe UI" panose="020B0502040204020203" charset="0"/>
+              <a:cs typeface="Segoe UI" panose="020B0502040204020203" charset="0"/>
             </a:endParaRPr>
           </a:p>
         </p:txBody>
       </p:sp>
-      <p:graphicFrame>
-        <p:nvGraphicFramePr>
-          <p:cNvPr id="12" name="Content Placeholder 11"/>
-          <p:cNvGraphicFramePr/>
-          <p:nvPr>
-            <p:ph sz="half" idx="2"/>
-          </p:nvPr>
-        </p:nvGraphicFramePr>
-        <p:xfrm>
-          <a:off x="839788" y="2505075"/>
-          <a:ext cx="5157470" cy="2132965"/>
-        </p:xfrm>
-        <a:graphic>
-          <a:graphicData uri="http://schemas.openxmlformats.org/drawingml/2006/table">
-            <a:tbl>
-              <a:tblPr firstRow="1" bandRow="1">
-                <a:tableStyleId>{5C22544A-7EE6-4342-B048-85BDC9FD1C3A}</a:tableStyleId>
-              </a:tblPr>
-              <a:tblGrid>
-                <a:gridCol w="2578735"/>
-                <a:gridCol w="2578735"/>
-              </a:tblGrid>
-              <a:tr h="1073785">
-                <a:tc gridSpan="2">
-                  <a:txBody>
-                    <a:bodyPr/>
-                    <a:p>
-                      <a:pPr algn="ctr">
-                        <a:buNone/>
-                      </a:pPr>
-                      <a:endParaRPr lang="en-GB" altLang="en-US">
-                        <a:solidFill>
-                          <a:schemeClr val="tx1"/>
-                        </a:solidFill>
-                      </a:endParaRPr>
-                    </a:p>
-                  </a:txBody>
-                  <a:tcPr>
-                    <a:noFill/>
-                  </a:tcPr>
-                </a:tc>
-                <a:tc hMerge="1">
-                  <a:tcPr>
-                    <a:noFill/>
-                  </a:tcPr>
-                </a:tc>
-              </a:tr>
-              <a:tr h="1059180">
-                <a:tc>
-                  <a:txBody>
-                    <a:bodyPr/>
-                    <a:p>
-                      <a:pPr>
-                        <a:buNone/>
-                      </a:pPr>
-                      <a:endParaRPr lang="en-GB" altLang="en-US"/>
-                    </a:p>
-                  </a:txBody>
-                  <a:tcPr>
-                    <a:noFill/>
-                  </a:tcPr>
-                </a:tc>
-                <a:tc>
-                  <a:txBody>
-                    <a:bodyPr/>
-                    <a:p>
-                      <a:pPr>
-                        <a:buNone/>
-                      </a:pPr>
-                      <a:endParaRPr lang="en-GB" altLang="en-US"/>
-                    </a:p>
-                  </a:txBody>
-                  <a:tcPr>
-                    <a:noFill/>
-                  </a:tcPr>
-                </a:tc>
-              </a:tr>
-            </a:tbl>
-          </a:graphicData>
-        </a:graphic>
-      </p:graphicFrame>
       <p:pic>
         <p:nvPicPr>
-          <p:cNvPr id="100" name="Content Placeholder 99"/>
+          <p:cNvPr id="17" name="Content Placeholder 16" descr="E:\Workspace\My Document\Tốt nghiệp\Photos\SlidePic.pngSlidePic"/>
           <p:cNvPicPr>
             <a:picLocks noChangeAspect="1"/>
           </p:cNvPicPr>
           <p:nvPr>
-            <p:ph sz="quarter" idx="4"/>
-          </p:nvPr>
-        </p:nvPicPr>
-        <p:blipFill>
-          <a:blip r:embed="rId1"/>
-          <a:stretch>
-            <a:fillRect/>
-          </a:stretch>
-        </p:blipFill>
-        <p:spPr>
-          <a:xfrm rot="16200000">
-            <a:off x="-834390" y="3416300"/>
-            <a:ext cx="3360420" cy="749935"/>
-          </a:xfrm>
-          <a:prstGeom prst="rect">
-            <a:avLst/>
-          </a:prstGeom>
-          <a:noFill/>
-          <a:ln w="9525">
-            <a:noFill/>
-          </a:ln>
-        </p:spPr>
-      </p:pic>
-      <p:graphicFrame>
-        <p:nvGraphicFramePr>
-          <p:cNvPr id="3" name="Table 2"/>
-          <p:cNvGraphicFramePr/>
-          <p:nvPr/>
-        </p:nvGraphicFramePr>
-        <p:xfrm>
-          <a:off x="1703070" y="1617980"/>
-          <a:ext cx="8804910" cy="4610100"/>
-        </p:xfrm>
-        <a:graphic>
-          <a:graphicData uri="http://schemas.openxmlformats.org/drawingml/2006/table">
-            <a:tbl>
-              <a:tblPr firstRow="1" bandRow="1">
-                <a:tableStyleId>{5940675A-B579-460E-94D1-54222C63F5DA}</a:tableStyleId>
-              </a:tblPr>
-              <a:tblGrid>
-                <a:gridCol w="2367915"/>
-                <a:gridCol w="917575"/>
-                <a:gridCol w="1019810"/>
-                <a:gridCol w="1029970"/>
-                <a:gridCol w="2516505"/>
-                <a:gridCol w="953135"/>
-              </a:tblGrid>
-              <a:tr h="768350">
-                <a:tc>
-                  <a:txBody>
-                    <a:bodyPr/>
-                    <a:p>
-                      <a:pPr indent="0">
-                        <a:buNone/>
-                      </a:pPr>
-                      <a:endParaRPr lang="en-US" altLang="en-US" sz="1600" b="0">
-                        <a:ea typeface="Times New Roman" panose="02020603050405020304" charset="0"/>
-                        <a:cs typeface="+mn-lt"/>
-                      </a:endParaRPr>
-                    </a:p>
-                  </a:txBody>
-                  <a:tcPr marL="68580" marR="68580" marT="0" marB="0" vert="horz" anchor="t" anchorCtr="0">
-                    <a:lnL w="12700" cap="flat" cmpd="sng">
-                      <a:solidFill>
-                        <a:srgbClr val="080000"/>
-                      </a:solidFill>
-                      <a:prstDash val="solid"/>
-                      <a:headEnd type="none" w="med" len="med"/>
-                      <a:tailEnd type="none" w="med" len="med"/>
-                    </a:lnL>
-                    <a:lnR w="12700" cap="flat" cmpd="sng">
-                      <a:solidFill>
-                        <a:srgbClr val="080000"/>
-                      </a:solidFill>
-                      <a:prstDash val="solid"/>
-                      <a:headEnd type="none" w="med" len="med"/>
-                      <a:tailEnd type="none" w="med" len="med"/>
-                    </a:lnR>
-                    <a:lnT w="12700" cap="flat" cmpd="sng">
-                      <a:solidFill>
-                        <a:srgbClr val="080000"/>
-                      </a:solidFill>
-                      <a:prstDash val="solid"/>
-                      <a:headEnd type="none" w="med" len="med"/>
-                      <a:tailEnd type="none" w="med" len="med"/>
-                    </a:lnT>
-                    <a:lnB w="12700" cap="flat" cmpd="sng">
-                      <a:solidFill>
-                        <a:srgbClr val="080000"/>
-                      </a:solidFill>
-                      <a:prstDash val="solid"/>
-                      <a:headEnd type="none" w="med" len="med"/>
-                      <a:tailEnd type="none" w="med" len="med"/>
-                    </a:lnB>
-                    <a:lnTlToBr>
-                      <a:noFill/>
-                    </a:lnTlToBr>
-                    <a:lnBlToTr>
-                      <a:noFill/>
-                    </a:lnBlToTr>
-                    <a:noFill/>
-                  </a:tcPr>
-                </a:tc>
-                <a:tc>
-                  <a:txBody>
-                    <a:bodyPr/>
-                    <a:p>
-                      <a:pPr indent="0" algn="ctr">
-                        <a:buNone/>
-                      </a:pPr>
-                      <a:r>
-                        <a:rPr lang="en-US" sz="1600" b="0">
-                          <a:cs typeface="+mn-lt"/>
-                        </a:rPr>
-                        <a:t>Tháng 9</a:t>
-                      </a:r>
-                      <a:endParaRPr lang="en-US" altLang="en-US" sz="1600" b="0">
-                        <a:ea typeface="Times New Roman" panose="02020603050405020304" charset="0"/>
-                        <a:cs typeface="+mn-lt"/>
-                      </a:endParaRPr>
-                    </a:p>
-                  </a:txBody>
-                  <a:tcPr marL="68580" marR="68580" marT="0" marB="0" vert="horz" anchor="ctr" anchorCtr="0">
-                    <a:lnL w="12700" cap="flat" cmpd="sng">
-                      <a:solidFill>
-                        <a:srgbClr val="080000"/>
-                      </a:solidFill>
-                      <a:prstDash val="solid"/>
-                      <a:headEnd type="none" w="med" len="med"/>
-                      <a:tailEnd type="none" w="med" len="med"/>
-                    </a:lnL>
-                    <a:lnR w="12700" cap="flat" cmpd="sng">
-                      <a:solidFill>
-                        <a:srgbClr val="080000"/>
-                      </a:solidFill>
-                      <a:prstDash val="solid"/>
-                      <a:headEnd type="none" w="med" len="med"/>
-                      <a:tailEnd type="none" w="med" len="med"/>
-                    </a:lnR>
-                    <a:lnT w="12700" cap="flat" cmpd="sng">
-                      <a:solidFill>
-                        <a:srgbClr val="080000"/>
-                      </a:solidFill>
-                      <a:prstDash val="solid"/>
-                      <a:headEnd type="none" w="med" len="med"/>
-                      <a:tailEnd type="none" w="med" len="med"/>
-                    </a:lnT>
-                    <a:lnB w="12700" cap="flat" cmpd="sng">
-                      <a:solidFill>
-                        <a:srgbClr val="080000"/>
-                      </a:solidFill>
-                      <a:prstDash val="solid"/>
-                      <a:headEnd type="none" w="med" len="med"/>
-                      <a:tailEnd type="none" w="med" len="med"/>
-                    </a:lnB>
-                    <a:lnTlToBr>
-                      <a:noFill/>
-                    </a:lnTlToBr>
-                    <a:lnBlToTr>
-                      <a:noFill/>
-                    </a:lnBlToTr>
-                    <a:noFill/>
-                  </a:tcPr>
-                </a:tc>
-                <a:tc>
-                  <a:txBody>
-                    <a:bodyPr/>
-                    <a:p>
-                      <a:pPr indent="0" algn="ctr">
-                        <a:buNone/>
-                      </a:pPr>
-                      <a:r>
-                        <a:rPr lang="en-US" sz="1600" b="0">
-                          <a:cs typeface="+mn-lt"/>
-                        </a:rPr>
-                        <a:t>Tháng 10</a:t>
-                      </a:r>
-                      <a:endParaRPr lang="en-US" altLang="en-US" sz="1600" b="0">
-                        <a:ea typeface="Times New Roman" panose="02020603050405020304" charset="0"/>
-                        <a:cs typeface="+mn-lt"/>
-                      </a:endParaRPr>
-                    </a:p>
-                  </a:txBody>
-                  <a:tcPr marL="68580" marR="68580" marT="0" marB="0" vert="horz" anchor="ctr" anchorCtr="0">
-                    <a:lnL w="12700" cap="flat" cmpd="sng">
-                      <a:solidFill>
-                        <a:srgbClr val="080000"/>
-                      </a:solidFill>
-                      <a:prstDash val="solid"/>
-                      <a:headEnd type="none" w="med" len="med"/>
-                      <a:tailEnd type="none" w="med" len="med"/>
-                    </a:lnL>
-                    <a:lnR w="12700" cap="flat" cmpd="sng">
-                      <a:solidFill>
-                        <a:srgbClr val="080000"/>
-                      </a:solidFill>
-                      <a:prstDash val="solid"/>
-                      <a:headEnd type="none" w="med" len="med"/>
-                      <a:tailEnd type="none" w="med" len="med"/>
-                    </a:lnR>
-                    <a:lnT w="12700" cap="flat" cmpd="sng">
-                      <a:solidFill>
-                        <a:srgbClr val="080000"/>
-                      </a:solidFill>
-                      <a:prstDash val="solid"/>
-                      <a:headEnd type="none" w="med" len="med"/>
-                      <a:tailEnd type="none" w="med" len="med"/>
-                    </a:lnT>
-                    <a:lnB w="12700" cap="flat" cmpd="sng">
-                      <a:solidFill>
-                        <a:srgbClr val="080000"/>
-                      </a:solidFill>
-                      <a:prstDash val="solid"/>
-                      <a:headEnd type="none" w="med" len="med"/>
-                      <a:tailEnd type="none" w="med" len="med"/>
-                    </a:lnB>
-                    <a:lnTlToBr>
-                      <a:noFill/>
-                    </a:lnTlToBr>
-                    <a:lnBlToTr>
-                      <a:noFill/>
-                    </a:lnBlToTr>
-                    <a:noFill/>
-                  </a:tcPr>
-                </a:tc>
-                <a:tc>
-                  <a:txBody>
-                    <a:bodyPr/>
-                    <a:p>
-                      <a:pPr indent="0" algn="ctr">
-                        <a:buNone/>
-                      </a:pPr>
-                      <a:r>
-                        <a:rPr lang="en-US" sz="1600" b="0">
-                          <a:cs typeface="+mn-lt"/>
-                        </a:rPr>
-                        <a:t>Tháng 11</a:t>
-                      </a:r>
-                      <a:endParaRPr lang="en-US" altLang="en-US" sz="1600" b="0">
-                        <a:ea typeface="Times New Roman" panose="02020603050405020304" charset="0"/>
-                        <a:cs typeface="+mn-lt"/>
-                      </a:endParaRPr>
-                    </a:p>
-                  </a:txBody>
-                  <a:tcPr marL="68580" marR="68580" marT="0" marB="0" vert="horz" anchor="ctr" anchorCtr="0">
-                    <a:lnL w="12700" cap="flat" cmpd="sng">
-                      <a:solidFill>
-                        <a:srgbClr val="080000"/>
-                      </a:solidFill>
-                      <a:prstDash val="solid"/>
-                      <a:headEnd type="none" w="med" len="med"/>
-                      <a:tailEnd type="none" w="med" len="med"/>
-                    </a:lnL>
-                    <a:lnR w="12700" cap="flat" cmpd="sng">
-                      <a:solidFill>
-                        <a:srgbClr val="080000"/>
-                      </a:solidFill>
-                      <a:prstDash val="solid"/>
-                      <a:headEnd type="none" w="med" len="med"/>
-                      <a:tailEnd type="none" w="med" len="med"/>
-                    </a:lnR>
-                    <a:lnT w="12700" cap="flat" cmpd="sng">
-                      <a:solidFill>
-                        <a:srgbClr val="080000"/>
-                      </a:solidFill>
-                      <a:prstDash val="solid"/>
-                      <a:headEnd type="none" w="med" len="med"/>
-                      <a:tailEnd type="none" w="med" len="med"/>
-                    </a:lnT>
-                    <a:lnB w="12700" cap="flat" cmpd="sng">
-                      <a:solidFill>
-                        <a:srgbClr val="080000"/>
-                      </a:solidFill>
-                      <a:prstDash val="solid"/>
-                      <a:headEnd type="none" w="med" len="med"/>
-                      <a:tailEnd type="none" w="med" len="med"/>
-                    </a:lnB>
-                    <a:lnTlToBr>
-                      <a:noFill/>
-                    </a:lnTlToBr>
-                    <a:lnBlToTr>
-                      <a:noFill/>
-                    </a:lnBlToTr>
-                    <a:noFill/>
-                  </a:tcPr>
-                </a:tc>
-                <a:tc>
-                  <a:txBody>
-                    <a:bodyPr/>
-                    <a:p>
-                      <a:pPr indent="0" algn="ctr">
-                        <a:buNone/>
-                      </a:pPr>
-                      <a:r>
-                        <a:rPr lang="en-US" sz="1600" b="0">
-                          <a:cs typeface="+mn-lt"/>
-                        </a:rPr>
-                        <a:t>Tháng 12 đến tháng 2</a:t>
-                      </a:r>
-                      <a:endParaRPr lang="en-US" altLang="en-US" sz="1600" b="0">
-                        <a:ea typeface="Times New Roman" panose="02020603050405020304" charset="0"/>
-                        <a:cs typeface="+mn-lt"/>
-                      </a:endParaRPr>
-                    </a:p>
-                  </a:txBody>
-                  <a:tcPr marL="68580" marR="68580" marT="0" marB="0" vert="horz" anchor="ctr" anchorCtr="0">
-                    <a:lnL w="12700" cap="flat" cmpd="sng">
-                      <a:solidFill>
-                        <a:srgbClr val="080000"/>
-                      </a:solidFill>
-                      <a:prstDash val="solid"/>
-                      <a:headEnd type="none" w="med" len="med"/>
-                      <a:tailEnd type="none" w="med" len="med"/>
-                    </a:lnL>
-                    <a:lnR w="12700" cap="flat" cmpd="sng">
-                      <a:solidFill>
-                        <a:srgbClr val="080000"/>
-                      </a:solidFill>
-                      <a:prstDash val="solid"/>
-                      <a:headEnd type="none" w="med" len="med"/>
-                      <a:tailEnd type="none" w="med" len="med"/>
-                    </a:lnR>
-                    <a:lnT w="12700" cap="flat" cmpd="sng">
-                      <a:solidFill>
-                        <a:srgbClr val="080000"/>
-                      </a:solidFill>
-                      <a:prstDash val="solid"/>
-                      <a:headEnd type="none" w="med" len="med"/>
-                      <a:tailEnd type="none" w="med" len="med"/>
-                    </a:lnT>
-                    <a:lnB w="12700" cap="flat" cmpd="sng">
-                      <a:solidFill>
-                        <a:srgbClr val="080000"/>
-                      </a:solidFill>
-                      <a:prstDash val="solid"/>
-                      <a:headEnd type="none" w="med" len="med"/>
-                      <a:tailEnd type="none" w="med" len="med"/>
-                    </a:lnB>
-                    <a:lnTlToBr>
-                      <a:noFill/>
-                    </a:lnTlToBr>
-                    <a:lnBlToTr>
-                      <a:noFill/>
-                    </a:lnBlToTr>
-                    <a:noFill/>
-                  </a:tcPr>
-                </a:tc>
-                <a:tc>
-                  <a:txBody>
-                    <a:bodyPr/>
-                    <a:p>
-                      <a:pPr indent="0" algn="ctr">
-                        <a:buNone/>
-                      </a:pPr>
-                      <a:r>
-                        <a:rPr lang="en-US" sz="1600" b="0">
-                          <a:cs typeface="+mn-lt"/>
-                        </a:rPr>
-                        <a:t>Tháng 3</a:t>
-                      </a:r>
-                      <a:endParaRPr lang="en-US" altLang="en-US" sz="1600" b="0">
-                        <a:ea typeface="Times New Roman" panose="02020603050405020304" charset="0"/>
-                        <a:cs typeface="+mn-lt"/>
-                      </a:endParaRPr>
-                    </a:p>
-                  </a:txBody>
-                  <a:tcPr marL="68580" marR="68580" marT="0" marB="0" vert="horz" anchor="ctr" anchorCtr="0">
-                    <a:lnL w="12700" cap="flat" cmpd="sng">
-                      <a:solidFill>
-                        <a:srgbClr val="080000"/>
-                      </a:solidFill>
-                      <a:prstDash val="solid"/>
-                      <a:headEnd type="none" w="med" len="med"/>
-                      <a:tailEnd type="none" w="med" len="med"/>
-                    </a:lnL>
-                    <a:lnR w="12700" cap="flat" cmpd="sng">
-                      <a:solidFill>
-                        <a:srgbClr val="080000"/>
-                      </a:solidFill>
-                      <a:prstDash val="solid"/>
-                      <a:headEnd type="none" w="med" len="med"/>
-                      <a:tailEnd type="none" w="med" len="med"/>
-                    </a:lnR>
-                    <a:lnT w="12700" cap="flat" cmpd="sng">
-                      <a:solidFill>
-                        <a:srgbClr val="080000"/>
-                      </a:solidFill>
-                      <a:prstDash val="solid"/>
-                      <a:headEnd type="none" w="med" len="med"/>
-                      <a:tailEnd type="none" w="med" len="med"/>
-                    </a:lnT>
-                    <a:lnB w="12700" cap="flat" cmpd="sng">
-                      <a:solidFill>
-                        <a:srgbClr val="080000"/>
-                      </a:solidFill>
-                      <a:prstDash val="solid"/>
-                      <a:headEnd type="none" w="med" len="med"/>
-                      <a:tailEnd type="none" w="med" len="med"/>
-                    </a:lnB>
-                    <a:lnTlToBr>
-                      <a:noFill/>
-                    </a:lnTlToBr>
-                    <a:lnBlToTr>
-                      <a:noFill/>
-                    </a:lnBlToTr>
-                    <a:noFill/>
-                  </a:tcPr>
-                </a:tc>
-              </a:tr>
-              <a:tr h="768350">
-                <a:tc>
-                  <a:txBody>
-                    <a:bodyPr/>
-                    <a:p>
-                      <a:pPr indent="0">
-                        <a:buNone/>
-                      </a:pPr>
-                      <a:r>
-                        <a:rPr lang="en-US" sz="1600" b="0">
-                          <a:cs typeface="+mn-lt"/>
-                        </a:rPr>
-                        <a:t>Quá trình gia nhập công ty</a:t>
-                      </a:r>
-                      <a:endParaRPr lang="en-US" altLang="en-US" sz="1600" b="0">
-                        <a:ea typeface="Times New Roman" panose="02020603050405020304" charset="0"/>
-                        <a:cs typeface="+mn-lt"/>
-                      </a:endParaRPr>
-                    </a:p>
-                  </a:txBody>
-                  <a:tcPr marL="68580" marR="68580" marT="0" marB="0" vert="horz" anchor="ctr" anchorCtr="0">
-                    <a:lnL w="12700" cap="flat" cmpd="sng">
-                      <a:solidFill>
-                        <a:srgbClr val="080000"/>
-                      </a:solidFill>
-                      <a:prstDash val="solid"/>
-                      <a:headEnd type="none" w="med" len="med"/>
-                      <a:tailEnd type="none" w="med" len="med"/>
-                    </a:lnL>
-                    <a:lnR w="12700" cap="flat" cmpd="sng">
-                      <a:solidFill>
-                        <a:srgbClr val="080000"/>
-                      </a:solidFill>
-                      <a:prstDash val="solid"/>
-                      <a:headEnd type="none" w="med" len="med"/>
-                      <a:tailEnd type="none" w="med" len="med"/>
-                    </a:lnR>
-                    <a:lnT w="12700" cap="flat" cmpd="sng">
-                      <a:solidFill>
-                        <a:srgbClr val="080000"/>
-                      </a:solidFill>
-                      <a:prstDash val="solid"/>
-                      <a:headEnd type="none" w="med" len="med"/>
-                      <a:tailEnd type="none" w="med" len="med"/>
-                    </a:lnT>
-                    <a:lnB w="12700" cap="flat" cmpd="sng">
-                      <a:solidFill>
-                        <a:srgbClr val="080000"/>
-                      </a:solidFill>
-                      <a:prstDash val="solid"/>
-                      <a:headEnd type="none" w="med" len="med"/>
-                      <a:tailEnd type="none" w="med" len="med"/>
-                    </a:lnB>
-                    <a:lnTlToBr>
-                      <a:noFill/>
-                    </a:lnTlToBr>
-                    <a:lnBlToTr>
-                      <a:noFill/>
-                    </a:lnBlToTr>
-                    <a:noFill/>
-                  </a:tcPr>
-                </a:tc>
-                <a:tc>
-                  <a:txBody>
-                    <a:bodyPr/>
-                    <a:p>
-                      <a:pPr indent="0">
-                        <a:buNone/>
-                      </a:pPr>
-                      <a:r>
-                        <a:rPr lang="en-US" sz="1600" b="0">
-                          <a:cs typeface="+mn-lt"/>
-                        </a:rPr>
-                        <a:t> </a:t>
-                      </a:r>
-                      <a:endParaRPr lang="en-US" altLang="en-US" sz="1600" b="0">
-                        <a:ea typeface="Times New Roman" panose="02020603050405020304" charset="0"/>
-                        <a:cs typeface="+mn-lt"/>
-                      </a:endParaRPr>
-                    </a:p>
-                  </a:txBody>
-                  <a:tcPr marL="68580" marR="68580" marT="0" marB="0" vert="horz" anchor="ctr" anchorCtr="0">
-                    <a:lnL w="12700" cap="flat" cmpd="sng">
-                      <a:solidFill>
-                        <a:srgbClr val="080000"/>
-                      </a:solidFill>
-                      <a:prstDash val="solid"/>
-                      <a:headEnd type="none" w="med" len="med"/>
-                      <a:tailEnd type="none" w="med" len="med"/>
-                    </a:lnL>
-                    <a:lnR w="12700" cap="flat" cmpd="sng">
-                      <a:solidFill>
-                        <a:srgbClr val="080000"/>
-                      </a:solidFill>
-                      <a:prstDash val="solid"/>
-                      <a:headEnd type="none" w="med" len="med"/>
-                      <a:tailEnd type="none" w="med" len="med"/>
-                    </a:lnR>
-                    <a:lnT w="12700" cap="flat" cmpd="sng">
-                      <a:solidFill>
-                        <a:srgbClr val="080000"/>
-                      </a:solidFill>
-                      <a:prstDash val="solid"/>
-                      <a:headEnd type="none" w="med" len="med"/>
-                      <a:tailEnd type="none" w="med" len="med"/>
-                    </a:lnT>
-                    <a:lnB w="12700" cap="flat" cmpd="sng">
-                      <a:solidFill>
-                        <a:srgbClr val="080000"/>
-                      </a:solidFill>
-                      <a:prstDash val="solid"/>
-                      <a:headEnd type="none" w="med" len="med"/>
-                      <a:tailEnd type="none" w="med" len="med"/>
-                    </a:lnB>
-                    <a:lnTlToBr>
-                      <a:noFill/>
-                    </a:lnTlToBr>
-                    <a:lnBlToTr>
-                      <a:noFill/>
-                    </a:lnBlToTr>
-                    <a:noFill/>
-                  </a:tcPr>
-                </a:tc>
-                <a:tc>
-                  <a:txBody>
-                    <a:bodyPr/>
-                    <a:p>
-                      <a:pPr indent="0" algn="ctr">
-                        <a:buNone/>
-                      </a:pPr>
-                      <a:r>
-                        <a:rPr lang="en-US" sz="1600" b="0">
-                          <a:cs typeface="+mn-lt"/>
-                        </a:rPr>
-                        <a:t> </a:t>
-                      </a:r>
-                      <a:endParaRPr lang="en-US" altLang="en-US" sz="1600" b="0">
-                        <a:ea typeface="Times New Roman" panose="02020603050405020304" charset="0"/>
-                        <a:cs typeface="+mn-lt"/>
-                      </a:endParaRPr>
-                    </a:p>
-                  </a:txBody>
-                  <a:tcPr marL="68580" marR="68580" marT="0" marB="0" vert="horz" anchor="ctr" anchorCtr="0">
-                    <a:lnL w="12700" cap="flat" cmpd="sng">
-                      <a:solidFill>
-                        <a:srgbClr val="080000"/>
-                      </a:solidFill>
-                      <a:prstDash val="solid"/>
-                      <a:headEnd type="none" w="med" len="med"/>
-                      <a:tailEnd type="none" w="med" len="med"/>
-                    </a:lnL>
-                    <a:lnR w="12700" cap="flat" cmpd="sng">
-                      <a:solidFill>
-                        <a:srgbClr val="080000"/>
-                      </a:solidFill>
-                      <a:prstDash val="solid"/>
-                      <a:headEnd type="none" w="med" len="med"/>
-                      <a:tailEnd type="none" w="med" len="med"/>
-                    </a:lnR>
-                    <a:lnT w="12700" cap="flat" cmpd="sng">
-                      <a:solidFill>
-                        <a:srgbClr val="080000"/>
-                      </a:solidFill>
-                      <a:prstDash val="solid"/>
-                      <a:headEnd type="none" w="med" len="med"/>
-                      <a:tailEnd type="none" w="med" len="med"/>
-                    </a:lnT>
-                    <a:lnB w="12700" cap="flat" cmpd="sng">
-                      <a:solidFill>
-                        <a:srgbClr val="080000"/>
-                      </a:solidFill>
-                      <a:prstDash val="solid"/>
-                      <a:headEnd type="none" w="med" len="med"/>
-                      <a:tailEnd type="none" w="med" len="med"/>
-                    </a:lnB>
-                    <a:lnTlToBr>
-                      <a:noFill/>
-                    </a:lnTlToBr>
-                    <a:lnBlToTr>
-                      <a:noFill/>
-                    </a:lnBlToTr>
-                    <a:noFill/>
-                  </a:tcPr>
-                </a:tc>
-                <a:tc>
-                  <a:txBody>
-                    <a:bodyPr/>
-                    <a:p>
-                      <a:pPr indent="0" algn="ctr">
-                        <a:buNone/>
-                      </a:pPr>
-                      <a:r>
-                        <a:rPr lang="en-US" sz="1600" b="0">
-                          <a:cs typeface="+mn-lt"/>
-                        </a:rPr>
-                        <a:t> </a:t>
-                      </a:r>
-                      <a:endParaRPr lang="en-US" altLang="en-US" sz="1600" b="0">
-                        <a:ea typeface="Times New Roman" panose="02020603050405020304" charset="0"/>
-                        <a:cs typeface="+mn-lt"/>
-                      </a:endParaRPr>
-                    </a:p>
-                  </a:txBody>
-                  <a:tcPr marL="68580" marR="68580" marT="0" marB="0" vert="horz" anchor="ctr" anchorCtr="0">
-                    <a:lnL w="12700" cap="flat" cmpd="sng">
-                      <a:solidFill>
-                        <a:srgbClr val="080000"/>
-                      </a:solidFill>
-                      <a:prstDash val="solid"/>
-                      <a:headEnd type="none" w="med" len="med"/>
-                      <a:tailEnd type="none" w="med" len="med"/>
-                    </a:lnL>
-                    <a:lnR w="12700" cap="flat" cmpd="sng">
-                      <a:solidFill>
-                        <a:srgbClr val="080000"/>
-                      </a:solidFill>
-                      <a:prstDash val="solid"/>
-                      <a:headEnd type="none" w="med" len="med"/>
-                      <a:tailEnd type="none" w="med" len="med"/>
-                    </a:lnR>
-                    <a:lnT w="12700" cap="flat" cmpd="sng">
-                      <a:solidFill>
-                        <a:srgbClr val="080000"/>
-                      </a:solidFill>
-                      <a:prstDash val="solid"/>
-                      <a:headEnd type="none" w="med" len="med"/>
-                      <a:tailEnd type="none" w="med" len="med"/>
-                    </a:lnT>
-                    <a:lnB w="12700" cap="flat" cmpd="sng">
-                      <a:solidFill>
-                        <a:srgbClr val="080000"/>
-                      </a:solidFill>
-                      <a:prstDash val="solid"/>
-                      <a:headEnd type="none" w="med" len="med"/>
-                      <a:tailEnd type="none" w="med" len="med"/>
-                    </a:lnB>
-                    <a:lnTlToBr>
-                      <a:noFill/>
-                    </a:lnTlToBr>
-                    <a:lnBlToTr>
-                      <a:noFill/>
-                    </a:lnBlToTr>
-                    <a:noFill/>
-                  </a:tcPr>
-                </a:tc>
-                <a:tc>
-                  <a:txBody>
-                    <a:bodyPr/>
-                    <a:p>
-                      <a:pPr indent="0" algn="ctr">
-                        <a:buNone/>
-                      </a:pPr>
-                      <a:r>
-                        <a:rPr lang="en-US" sz="1600" b="0">
-                          <a:cs typeface="+mn-lt"/>
-                        </a:rPr>
-                        <a:t> </a:t>
-                      </a:r>
-                      <a:endParaRPr lang="en-US" altLang="en-US" sz="1600" b="0">
-                        <a:ea typeface="Times New Roman" panose="02020603050405020304" charset="0"/>
-                        <a:cs typeface="+mn-lt"/>
-                      </a:endParaRPr>
-                    </a:p>
-                  </a:txBody>
-                  <a:tcPr marL="68580" marR="68580" marT="0" marB="0" vert="horz" anchor="ctr" anchorCtr="0">
-                    <a:lnL w="12700" cap="flat" cmpd="sng">
-                      <a:solidFill>
-                        <a:srgbClr val="080000"/>
-                      </a:solidFill>
-                      <a:prstDash val="solid"/>
-                      <a:headEnd type="none" w="med" len="med"/>
-                      <a:tailEnd type="none" w="med" len="med"/>
-                    </a:lnL>
-                    <a:lnR w="12700" cap="flat" cmpd="sng">
-                      <a:solidFill>
-                        <a:srgbClr val="080000"/>
-                      </a:solidFill>
-                      <a:prstDash val="solid"/>
-                      <a:headEnd type="none" w="med" len="med"/>
-                      <a:tailEnd type="none" w="med" len="med"/>
-                    </a:lnR>
-                    <a:lnT w="12700" cap="flat" cmpd="sng">
-                      <a:solidFill>
-                        <a:srgbClr val="080000"/>
-                      </a:solidFill>
-                      <a:prstDash val="solid"/>
-                      <a:headEnd type="none" w="med" len="med"/>
-                      <a:tailEnd type="none" w="med" len="med"/>
-                    </a:lnT>
-                    <a:lnB w="12700" cap="flat" cmpd="sng">
-                      <a:solidFill>
-                        <a:srgbClr val="080000"/>
-                      </a:solidFill>
-                      <a:prstDash val="solid"/>
-                      <a:headEnd type="none" w="med" len="med"/>
-                      <a:tailEnd type="none" w="med" len="med"/>
-                    </a:lnB>
-                    <a:lnTlToBr>
-                      <a:noFill/>
-                    </a:lnTlToBr>
-                    <a:lnBlToTr>
-                      <a:noFill/>
-                    </a:lnBlToTr>
-                    <a:noFill/>
-                  </a:tcPr>
-                </a:tc>
-                <a:tc>
-                  <a:txBody>
-                    <a:bodyPr/>
-                    <a:p>
-                      <a:pPr indent="0" algn="ctr">
-                        <a:buNone/>
-                      </a:pPr>
-                      <a:r>
-                        <a:rPr lang="en-US" sz="1600" b="0">
-                          <a:cs typeface="+mn-lt"/>
-                        </a:rPr>
-                        <a:t> </a:t>
-                      </a:r>
-                      <a:endParaRPr lang="en-US" altLang="en-US" sz="1600" b="0">
-                        <a:ea typeface="Times New Roman" panose="02020603050405020304" charset="0"/>
-                        <a:cs typeface="+mn-lt"/>
-                      </a:endParaRPr>
-                    </a:p>
-                  </a:txBody>
-                  <a:tcPr marL="68580" marR="68580" marT="0" marB="0" vert="horz" anchor="ctr" anchorCtr="0">
-                    <a:lnL w="12700" cap="flat" cmpd="sng">
-                      <a:solidFill>
-                        <a:srgbClr val="080000"/>
-                      </a:solidFill>
-                      <a:prstDash val="solid"/>
-                      <a:headEnd type="none" w="med" len="med"/>
-                      <a:tailEnd type="none" w="med" len="med"/>
-                    </a:lnL>
-                    <a:lnR w="12700" cap="flat" cmpd="sng">
-                      <a:solidFill>
-                        <a:srgbClr val="080000"/>
-                      </a:solidFill>
-                      <a:prstDash val="solid"/>
-                      <a:headEnd type="none" w="med" len="med"/>
-                      <a:tailEnd type="none" w="med" len="med"/>
-                    </a:lnR>
-                    <a:lnT w="12700" cap="flat" cmpd="sng">
-                      <a:solidFill>
-                        <a:srgbClr val="080000"/>
-                      </a:solidFill>
-                      <a:prstDash val="solid"/>
-                      <a:headEnd type="none" w="med" len="med"/>
-                      <a:tailEnd type="none" w="med" len="med"/>
-                    </a:lnT>
-                    <a:lnB w="12700" cap="flat" cmpd="sng">
-                      <a:solidFill>
-                        <a:srgbClr val="080000"/>
-                      </a:solidFill>
-                      <a:prstDash val="solid"/>
-                      <a:headEnd type="none" w="med" len="med"/>
-                      <a:tailEnd type="none" w="med" len="med"/>
-                    </a:lnB>
-                    <a:lnTlToBr>
-                      <a:noFill/>
-                    </a:lnTlToBr>
-                    <a:lnBlToTr>
-                      <a:noFill/>
-                    </a:lnBlToTr>
-                    <a:noFill/>
-                  </a:tcPr>
-                </a:tc>
-              </a:tr>
-              <a:tr h="768350">
-                <a:tc>
-                  <a:txBody>
-                    <a:bodyPr/>
-                    <a:p>
-                      <a:pPr indent="0">
-                        <a:buNone/>
-                      </a:pPr>
-                      <a:r>
-                        <a:rPr lang="en-US" sz="1600" b="0">
-                          <a:cs typeface="+mn-lt"/>
-                        </a:rPr>
-                        <a:t>Tìm hiểu kiến thức</a:t>
-                      </a:r>
-                      <a:endParaRPr lang="en-US" altLang="en-US" sz="1600" b="0">
-                        <a:ea typeface="Times New Roman" panose="02020603050405020304" charset="0"/>
-                        <a:cs typeface="+mn-lt"/>
-                      </a:endParaRPr>
-                    </a:p>
-                  </a:txBody>
-                  <a:tcPr marL="68580" marR="68580" marT="0" marB="0" vert="horz" anchor="ctr" anchorCtr="0">
-                    <a:lnL w="12700" cap="flat" cmpd="sng">
-                      <a:solidFill>
-                        <a:srgbClr val="080000"/>
-                      </a:solidFill>
-                      <a:prstDash val="solid"/>
-                      <a:headEnd type="none" w="med" len="med"/>
-                      <a:tailEnd type="none" w="med" len="med"/>
-                    </a:lnL>
-                    <a:lnR w="12700" cap="flat" cmpd="sng">
-                      <a:solidFill>
-                        <a:srgbClr val="080000"/>
-                      </a:solidFill>
-                      <a:prstDash val="solid"/>
-                      <a:headEnd type="none" w="med" len="med"/>
-                      <a:tailEnd type="none" w="med" len="med"/>
-                    </a:lnR>
-                    <a:lnT w="12700" cap="flat" cmpd="sng">
-                      <a:solidFill>
-                        <a:srgbClr val="080000"/>
-                      </a:solidFill>
-                      <a:prstDash val="solid"/>
-                      <a:headEnd type="none" w="med" len="med"/>
-                      <a:tailEnd type="none" w="med" len="med"/>
-                    </a:lnT>
-                    <a:lnB w="12700" cap="flat" cmpd="sng">
-                      <a:solidFill>
-                        <a:srgbClr val="080000"/>
-                      </a:solidFill>
-                      <a:prstDash val="solid"/>
-                      <a:headEnd type="none" w="med" len="med"/>
-                      <a:tailEnd type="none" w="med" len="med"/>
-                    </a:lnB>
-                    <a:lnTlToBr>
-                      <a:noFill/>
-                    </a:lnTlToBr>
-                    <a:lnBlToTr>
-                      <a:noFill/>
-                    </a:lnBlToTr>
-                    <a:noFill/>
-                  </a:tcPr>
-                </a:tc>
-                <a:tc>
-                  <a:txBody>
-                    <a:bodyPr/>
-                    <a:p>
-                      <a:pPr indent="0" algn="ctr">
-                        <a:buNone/>
-                      </a:pPr>
-                      <a:r>
-                        <a:rPr lang="en-US" sz="1600" b="0">
-                          <a:cs typeface="+mn-lt"/>
-                        </a:rPr>
-                        <a:t> </a:t>
-                      </a:r>
-                      <a:endParaRPr lang="en-US" altLang="en-US" sz="1600" b="0">
-                        <a:ea typeface="Times New Roman" panose="02020603050405020304" charset="0"/>
-                        <a:cs typeface="+mn-lt"/>
-                      </a:endParaRPr>
-                    </a:p>
-                  </a:txBody>
-                  <a:tcPr marL="68580" marR="68580" marT="0" marB="0" vert="horz" anchor="ctr" anchorCtr="0">
-                    <a:lnL w="12700" cap="flat" cmpd="sng">
-                      <a:solidFill>
-                        <a:srgbClr val="080000"/>
-                      </a:solidFill>
-                      <a:prstDash val="solid"/>
-                      <a:headEnd type="none" w="med" len="med"/>
-                      <a:tailEnd type="none" w="med" len="med"/>
-                    </a:lnL>
-                    <a:lnR w="12700" cap="flat" cmpd="sng">
-                      <a:solidFill>
-                        <a:srgbClr val="080000"/>
-                      </a:solidFill>
-                      <a:prstDash val="solid"/>
-                      <a:headEnd type="none" w="med" len="med"/>
-                      <a:tailEnd type="none" w="med" len="med"/>
-                    </a:lnR>
-                    <a:lnT w="12700" cap="flat" cmpd="sng">
-                      <a:solidFill>
-                        <a:srgbClr val="080000"/>
-                      </a:solidFill>
-                      <a:prstDash val="solid"/>
-                      <a:headEnd type="none" w="med" len="med"/>
-                      <a:tailEnd type="none" w="med" len="med"/>
-                    </a:lnT>
-                    <a:lnB w="12700" cap="flat" cmpd="sng">
-                      <a:solidFill>
-                        <a:srgbClr val="080000"/>
-                      </a:solidFill>
-                      <a:prstDash val="solid"/>
-                      <a:headEnd type="none" w="med" len="med"/>
-                      <a:tailEnd type="none" w="med" len="med"/>
-                    </a:lnB>
-                    <a:lnTlToBr>
-                      <a:noFill/>
-                    </a:lnTlToBr>
-                    <a:lnBlToTr>
-                      <a:noFill/>
-                    </a:lnBlToTr>
-                    <a:noFill/>
-                  </a:tcPr>
-                </a:tc>
-                <a:tc>
-                  <a:txBody>
-                    <a:bodyPr/>
-                    <a:p>
-                      <a:pPr indent="0" algn="ctr">
-                        <a:buNone/>
-                      </a:pPr>
-                      <a:r>
-                        <a:rPr lang="en-US" sz="1600" b="0">
-                          <a:cs typeface="+mn-lt"/>
-                        </a:rPr>
-                        <a:t> </a:t>
-                      </a:r>
-                      <a:endParaRPr lang="en-US" altLang="en-US" sz="1600" b="0">
-                        <a:ea typeface="Times New Roman" panose="02020603050405020304" charset="0"/>
-                        <a:cs typeface="+mn-lt"/>
-                      </a:endParaRPr>
-                    </a:p>
-                  </a:txBody>
-                  <a:tcPr marL="68580" marR="68580" marT="0" marB="0" vert="horz" anchor="ctr" anchorCtr="0">
-                    <a:lnL w="12700" cap="flat" cmpd="sng">
-                      <a:solidFill>
-                        <a:srgbClr val="080000"/>
-                      </a:solidFill>
-                      <a:prstDash val="solid"/>
-                      <a:headEnd type="none" w="med" len="med"/>
-                      <a:tailEnd type="none" w="med" len="med"/>
-                    </a:lnL>
-                    <a:lnR w="12700" cap="flat" cmpd="sng">
-                      <a:solidFill>
-                        <a:srgbClr val="080000"/>
-                      </a:solidFill>
-                      <a:prstDash val="solid"/>
-                      <a:headEnd type="none" w="med" len="med"/>
-                      <a:tailEnd type="none" w="med" len="med"/>
-                    </a:lnR>
-                    <a:lnT w="12700" cap="flat" cmpd="sng">
-                      <a:solidFill>
-                        <a:srgbClr val="080000"/>
-                      </a:solidFill>
-                      <a:prstDash val="solid"/>
-                      <a:headEnd type="none" w="med" len="med"/>
-                      <a:tailEnd type="none" w="med" len="med"/>
-                    </a:lnT>
-                    <a:lnB w="12700" cap="flat" cmpd="sng">
-                      <a:solidFill>
-                        <a:srgbClr val="080000"/>
-                      </a:solidFill>
-                      <a:prstDash val="solid"/>
-                      <a:headEnd type="none" w="med" len="med"/>
-                      <a:tailEnd type="none" w="med" len="med"/>
-                    </a:lnB>
-                    <a:lnTlToBr>
-                      <a:noFill/>
-                    </a:lnTlToBr>
-                    <a:lnBlToTr>
-                      <a:noFill/>
-                    </a:lnBlToTr>
-                    <a:noFill/>
-                  </a:tcPr>
-                </a:tc>
-                <a:tc>
-                  <a:txBody>
-                    <a:bodyPr/>
-                    <a:p>
-                      <a:pPr indent="0" algn="ctr">
-                        <a:buNone/>
-                      </a:pPr>
-                      <a:r>
-                        <a:rPr lang="en-US" sz="1600" b="0">
-                          <a:cs typeface="+mn-lt"/>
-                        </a:rPr>
-                        <a:t> </a:t>
-                      </a:r>
-                      <a:endParaRPr lang="en-US" altLang="en-US" sz="1600" b="0">
-                        <a:ea typeface="Times New Roman" panose="02020603050405020304" charset="0"/>
-                        <a:cs typeface="+mn-lt"/>
-                      </a:endParaRPr>
-                    </a:p>
-                  </a:txBody>
-                  <a:tcPr marL="68580" marR="68580" marT="0" marB="0" vert="horz" anchor="ctr" anchorCtr="0">
-                    <a:lnL w="12700" cap="flat" cmpd="sng">
-                      <a:solidFill>
-                        <a:srgbClr val="080000"/>
-                      </a:solidFill>
-                      <a:prstDash val="solid"/>
-                      <a:headEnd type="none" w="med" len="med"/>
-                      <a:tailEnd type="none" w="med" len="med"/>
-                    </a:lnL>
-                    <a:lnR w="12700" cap="flat" cmpd="sng">
-                      <a:solidFill>
-                        <a:srgbClr val="080000"/>
-                      </a:solidFill>
-                      <a:prstDash val="solid"/>
-                      <a:headEnd type="none" w="med" len="med"/>
-                      <a:tailEnd type="none" w="med" len="med"/>
-                    </a:lnR>
-                    <a:lnT w="12700" cap="flat" cmpd="sng">
-                      <a:solidFill>
-                        <a:srgbClr val="080000"/>
-                      </a:solidFill>
-                      <a:prstDash val="solid"/>
-                      <a:headEnd type="none" w="med" len="med"/>
-                      <a:tailEnd type="none" w="med" len="med"/>
-                    </a:lnT>
-                    <a:lnB w="12700" cap="flat" cmpd="sng">
-                      <a:solidFill>
-                        <a:srgbClr val="080000"/>
-                      </a:solidFill>
-                      <a:prstDash val="solid"/>
-                      <a:headEnd type="none" w="med" len="med"/>
-                      <a:tailEnd type="none" w="med" len="med"/>
-                    </a:lnB>
-                    <a:lnTlToBr>
-                      <a:noFill/>
-                    </a:lnTlToBr>
-                    <a:lnBlToTr>
-                      <a:noFill/>
-                    </a:lnBlToTr>
-                    <a:noFill/>
-                  </a:tcPr>
-                </a:tc>
-                <a:tc>
-                  <a:txBody>
-                    <a:bodyPr/>
-                    <a:p>
-                      <a:pPr indent="0" algn="ctr">
-                        <a:buNone/>
-                      </a:pPr>
-                      <a:r>
-                        <a:rPr lang="en-US" sz="1600" b="0">
-                          <a:cs typeface="+mn-lt"/>
-                        </a:rPr>
-                        <a:t> </a:t>
-                      </a:r>
-                      <a:endParaRPr lang="en-US" altLang="en-US" sz="1600" b="0">
-                        <a:ea typeface="Times New Roman" panose="02020603050405020304" charset="0"/>
-                        <a:cs typeface="+mn-lt"/>
-                      </a:endParaRPr>
-                    </a:p>
-                  </a:txBody>
-                  <a:tcPr marL="68580" marR="68580" marT="0" marB="0" vert="horz" anchor="ctr" anchorCtr="0">
-                    <a:lnL w="12700" cap="flat" cmpd="sng">
-                      <a:solidFill>
-                        <a:srgbClr val="080000"/>
-                      </a:solidFill>
-                      <a:prstDash val="solid"/>
-                      <a:headEnd type="none" w="med" len="med"/>
-                      <a:tailEnd type="none" w="med" len="med"/>
-                    </a:lnL>
-                    <a:lnR w="12700" cap="flat" cmpd="sng">
-                      <a:solidFill>
-                        <a:srgbClr val="080000"/>
-                      </a:solidFill>
-                      <a:prstDash val="solid"/>
-                      <a:headEnd type="none" w="med" len="med"/>
-                      <a:tailEnd type="none" w="med" len="med"/>
-                    </a:lnR>
-                    <a:lnT w="12700" cap="flat" cmpd="sng">
-                      <a:solidFill>
-                        <a:srgbClr val="080000"/>
-                      </a:solidFill>
-                      <a:prstDash val="solid"/>
-                      <a:headEnd type="none" w="med" len="med"/>
-                      <a:tailEnd type="none" w="med" len="med"/>
-                    </a:lnT>
-                    <a:lnB w="12700" cap="flat" cmpd="sng">
-                      <a:solidFill>
-                        <a:srgbClr val="080000"/>
-                      </a:solidFill>
-                      <a:prstDash val="solid"/>
-                      <a:headEnd type="none" w="med" len="med"/>
-                      <a:tailEnd type="none" w="med" len="med"/>
-                    </a:lnB>
-                    <a:lnTlToBr>
-                      <a:noFill/>
-                    </a:lnTlToBr>
-                    <a:lnBlToTr>
-                      <a:noFill/>
-                    </a:lnBlToTr>
-                    <a:noFill/>
-                  </a:tcPr>
-                </a:tc>
-                <a:tc>
-                  <a:txBody>
-                    <a:bodyPr/>
-                    <a:p>
-                      <a:pPr indent="0" algn="ctr">
-                        <a:buNone/>
-                      </a:pPr>
-                      <a:r>
-                        <a:rPr lang="en-US" sz="1600" b="0">
-                          <a:cs typeface="+mn-lt"/>
-                        </a:rPr>
-                        <a:t> </a:t>
-                      </a:r>
-                      <a:endParaRPr lang="en-US" altLang="en-US" sz="1600" b="0">
-                        <a:ea typeface="Times New Roman" panose="02020603050405020304" charset="0"/>
-                        <a:cs typeface="+mn-lt"/>
-                      </a:endParaRPr>
-                    </a:p>
-                  </a:txBody>
-                  <a:tcPr marL="68580" marR="68580" marT="0" marB="0" vert="horz" anchor="ctr" anchorCtr="0">
-                    <a:lnL w="12700" cap="flat" cmpd="sng">
-                      <a:solidFill>
-                        <a:srgbClr val="080000"/>
-                      </a:solidFill>
-                      <a:prstDash val="solid"/>
-                      <a:headEnd type="none" w="med" len="med"/>
-                      <a:tailEnd type="none" w="med" len="med"/>
-                    </a:lnL>
-                    <a:lnR w="12700" cap="flat" cmpd="sng">
-                      <a:solidFill>
-                        <a:srgbClr val="080000"/>
-                      </a:solidFill>
-                      <a:prstDash val="solid"/>
-                      <a:headEnd type="none" w="med" len="med"/>
-                      <a:tailEnd type="none" w="med" len="med"/>
-                    </a:lnR>
-                    <a:lnT w="12700" cap="flat" cmpd="sng">
-                      <a:solidFill>
-                        <a:srgbClr val="080000"/>
-                      </a:solidFill>
-                      <a:prstDash val="solid"/>
-                      <a:headEnd type="none" w="med" len="med"/>
-                      <a:tailEnd type="none" w="med" len="med"/>
-                    </a:lnT>
-                    <a:lnB w="12700" cap="flat" cmpd="sng">
-                      <a:solidFill>
-                        <a:srgbClr val="080000"/>
-                      </a:solidFill>
-                      <a:prstDash val="solid"/>
-                      <a:headEnd type="none" w="med" len="med"/>
-                      <a:tailEnd type="none" w="med" len="med"/>
-                    </a:lnB>
-                    <a:lnTlToBr>
-                      <a:noFill/>
-                    </a:lnTlToBr>
-                    <a:lnBlToTr>
-                      <a:noFill/>
-                    </a:lnBlToTr>
-                    <a:noFill/>
-                  </a:tcPr>
-                </a:tc>
-              </a:tr>
-              <a:tr h="768350">
-                <a:tc>
-                  <a:txBody>
-                    <a:bodyPr/>
-                    <a:p>
-                      <a:pPr indent="0">
-                        <a:buNone/>
-                      </a:pPr>
-                      <a:r>
-                        <a:rPr lang="en-US" sz="1600" b="0">
-                          <a:cs typeface="+mn-lt"/>
-                        </a:rPr>
-                        <a:t>Hỗ trợ dự án</a:t>
-                      </a:r>
-                      <a:endParaRPr lang="en-US" altLang="en-US" sz="1600" b="0">
-                        <a:ea typeface="Times New Roman" panose="02020603050405020304" charset="0"/>
-                        <a:cs typeface="+mn-lt"/>
-                      </a:endParaRPr>
-                    </a:p>
-                  </a:txBody>
-                  <a:tcPr marL="68580" marR="68580" marT="0" marB="0" vert="horz" anchor="ctr" anchorCtr="0">
-                    <a:lnL w="12700" cap="flat" cmpd="sng">
-                      <a:solidFill>
-                        <a:srgbClr val="080000"/>
-                      </a:solidFill>
-                      <a:prstDash val="solid"/>
-                      <a:headEnd type="none" w="med" len="med"/>
-                      <a:tailEnd type="none" w="med" len="med"/>
-                    </a:lnL>
-                    <a:lnR w="12700" cap="flat" cmpd="sng">
-                      <a:solidFill>
-                        <a:srgbClr val="080000"/>
-                      </a:solidFill>
-                      <a:prstDash val="solid"/>
-                      <a:headEnd type="none" w="med" len="med"/>
-                      <a:tailEnd type="none" w="med" len="med"/>
-                    </a:lnR>
-                    <a:lnT w="12700" cap="flat" cmpd="sng">
-                      <a:solidFill>
-                        <a:srgbClr val="080000"/>
-                      </a:solidFill>
-                      <a:prstDash val="solid"/>
-                      <a:headEnd type="none" w="med" len="med"/>
-                      <a:tailEnd type="none" w="med" len="med"/>
-                    </a:lnT>
-                    <a:lnB w="12700" cap="flat" cmpd="sng">
-                      <a:solidFill>
-                        <a:srgbClr val="080000"/>
-                      </a:solidFill>
-                      <a:prstDash val="solid"/>
-                      <a:headEnd type="none" w="med" len="med"/>
-                      <a:tailEnd type="none" w="med" len="med"/>
-                    </a:lnB>
-                    <a:lnTlToBr>
-                      <a:noFill/>
-                    </a:lnTlToBr>
-                    <a:lnBlToTr>
-                      <a:noFill/>
-                    </a:lnBlToTr>
-                    <a:noFill/>
-                  </a:tcPr>
-                </a:tc>
-                <a:tc>
-                  <a:txBody>
-                    <a:bodyPr/>
-                    <a:p>
-                      <a:pPr indent="0" algn="ctr">
-                        <a:buNone/>
-                      </a:pPr>
-                      <a:r>
-                        <a:rPr lang="en-US" sz="1600" b="0">
-                          <a:cs typeface="+mn-lt"/>
-                        </a:rPr>
-                        <a:t> </a:t>
-                      </a:r>
-                      <a:endParaRPr lang="en-US" altLang="en-US" sz="1600" b="0">
-                        <a:ea typeface="Times New Roman" panose="02020603050405020304" charset="0"/>
-                        <a:cs typeface="+mn-lt"/>
-                      </a:endParaRPr>
-                    </a:p>
-                  </a:txBody>
-                  <a:tcPr marL="68580" marR="68580" marT="0" marB="0" vert="horz" anchor="ctr" anchorCtr="0">
-                    <a:lnL w="12700" cap="flat" cmpd="sng">
-                      <a:solidFill>
-                        <a:srgbClr val="080000"/>
-                      </a:solidFill>
-                      <a:prstDash val="solid"/>
-                      <a:headEnd type="none" w="med" len="med"/>
-                      <a:tailEnd type="none" w="med" len="med"/>
-                    </a:lnL>
-                    <a:lnR w="12700" cap="flat" cmpd="sng">
-                      <a:solidFill>
-                        <a:srgbClr val="080000"/>
-                      </a:solidFill>
-                      <a:prstDash val="solid"/>
-                      <a:headEnd type="none" w="med" len="med"/>
-                      <a:tailEnd type="none" w="med" len="med"/>
-                    </a:lnR>
-                    <a:lnT w="12700" cap="flat" cmpd="sng">
-                      <a:solidFill>
-                        <a:srgbClr val="080000"/>
-                      </a:solidFill>
-                      <a:prstDash val="solid"/>
-                      <a:headEnd type="none" w="med" len="med"/>
-                      <a:tailEnd type="none" w="med" len="med"/>
-                    </a:lnT>
-                    <a:lnB w="12700" cap="flat" cmpd="sng">
-                      <a:solidFill>
-                        <a:srgbClr val="080000"/>
-                      </a:solidFill>
-                      <a:prstDash val="solid"/>
-                      <a:headEnd type="none" w="med" len="med"/>
-                      <a:tailEnd type="none" w="med" len="med"/>
-                    </a:lnB>
-                    <a:lnTlToBr>
-                      <a:noFill/>
-                    </a:lnTlToBr>
-                    <a:lnBlToTr>
-                      <a:noFill/>
-                    </a:lnBlToTr>
-                    <a:noFill/>
-                  </a:tcPr>
-                </a:tc>
-                <a:tc>
-                  <a:txBody>
-                    <a:bodyPr/>
-                    <a:p>
-                      <a:pPr indent="0" algn="ctr">
-                        <a:buNone/>
-                      </a:pPr>
-                      <a:r>
-                        <a:rPr lang="en-US" sz="1600" b="0">
-                          <a:cs typeface="+mn-lt"/>
-                        </a:rPr>
-                        <a:t> </a:t>
-                      </a:r>
-                      <a:endParaRPr lang="en-US" altLang="en-US" sz="1600" b="0">
-                        <a:ea typeface="Times New Roman" panose="02020603050405020304" charset="0"/>
-                        <a:cs typeface="+mn-lt"/>
-                      </a:endParaRPr>
-                    </a:p>
-                  </a:txBody>
-                  <a:tcPr marL="68580" marR="68580" marT="0" marB="0" vert="horz" anchor="ctr" anchorCtr="0">
-                    <a:lnL w="12700" cap="flat" cmpd="sng">
-                      <a:solidFill>
-                        <a:srgbClr val="080000"/>
-                      </a:solidFill>
-                      <a:prstDash val="solid"/>
-                      <a:headEnd type="none" w="med" len="med"/>
-                      <a:tailEnd type="none" w="med" len="med"/>
-                    </a:lnL>
-                    <a:lnR w="12700" cap="flat" cmpd="sng">
-                      <a:solidFill>
-                        <a:srgbClr val="080000"/>
-                      </a:solidFill>
-                      <a:prstDash val="solid"/>
-                      <a:headEnd type="none" w="med" len="med"/>
-                      <a:tailEnd type="none" w="med" len="med"/>
-                    </a:lnR>
-                    <a:lnT w="12700" cap="flat" cmpd="sng">
-                      <a:solidFill>
-                        <a:srgbClr val="080000"/>
-                      </a:solidFill>
-                      <a:prstDash val="solid"/>
-                      <a:headEnd type="none" w="med" len="med"/>
-                      <a:tailEnd type="none" w="med" len="med"/>
-                    </a:lnT>
-                    <a:lnB w="12700" cap="flat" cmpd="sng">
-                      <a:solidFill>
-                        <a:srgbClr val="080000"/>
-                      </a:solidFill>
-                      <a:prstDash val="solid"/>
-                      <a:headEnd type="none" w="med" len="med"/>
-                      <a:tailEnd type="none" w="med" len="med"/>
-                    </a:lnB>
-                    <a:lnTlToBr>
-                      <a:noFill/>
-                    </a:lnTlToBr>
-                    <a:lnBlToTr>
-                      <a:noFill/>
-                    </a:lnBlToTr>
-                    <a:noFill/>
-                  </a:tcPr>
-                </a:tc>
-                <a:tc>
-                  <a:txBody>
-                    <a:bodyPr/>
-                    <a:p>
-                      <a:pPr indent="0" algn="ctr">
-                        <a:buNone/>
-                      </a:pPr>
-                      <a:r>
-                        <a:rPr lang="en-US" sz="1600" b="0">
-                          <a:cs typeface="+mn-lt"/>
-                        </a:rPr>
-                        <a:t> </a:t>
-                      </a:r>
-                      <a:endParaRPr lang="en-US" altLang="en-US" sz="1600" b="0">
-                        <a:ea typeface="Times New Roman" panose="02020603050405020304" charset="0"/>
-                        <a:cs typeface="+mn-lt"/>
-                      </a:endParaRPr>
-                    </a:p>
-                  </a:txBody>
-                  <a:tcPr marL="68580" marR="68580" marT="0" marB="0" vert="horz" anchor="ctr" anchorCtr="0">
-                    <a:lnL w="12700" cap="flat" cmpd="sng">
-                      <a:solidFill>
-                        <a:srgbClr val="080000"/>
-                      </a:solidFill>
-                      <a:prstDash val="solid"/>
-                      <a:headEnd type="none" w="med" len="med"/>
-                      <a:tailEnd type="none" w="med" len="med"/>
-                    </a:lnL>
-                    <a:lnR w="12700" cap="flat" cmpd="sng">
-                      <a:solidFill>
-                        <a:srgbClr val="080000"/>
-                      </a:solidFill>
-                      <a:prstDash val="solid"/>
-                      <a:headEnd type="none" w="med" len="med"/>
-                      <a:tailEnd type="none" w="med" len="med"/>
-                    </a:lnR>
-                    <a:lnT w="12700" cap="flat" cmpd="sng">
-                      <a:solidFill>
-                        <a:srgbClr val="080000"/>
-                      </a:solidFill>
-                      <a:prstDash val="solid"/>
-                      <a:headEnd type="none" w="med" len="med"/>
-                      <a:tailEnd type="none" w="med" len="med"/>
-                    </a:lnT>
-                    <a:lnB w="12700" cap="flat" cmpd="sng">
-                      <a:solidFill>
-                        <a:srgbClr val="080000"/>
-                      </a:solidFill>
-                      <a:prstDash val="solid"/>
-                      <a:headEnd type="none" w="med" len="med"/>
-                      <a:tailEnd type="none" w="med" len="med"/>
-                    </a:lnB>
-                    <a:lnTlToBr>
-                      <a:noFill/>
-                    </a:lnTlToBr>
-                    <a:lnBlToTr>
-                      <a:noFill/>
-                    </a:lnBlToTr>
-                    <a:noFill/>
-                  </a:tcPr>
-                </a:tc>
-                <a:tc>
-                  <a:txBody>
-                    <a:bodyPr/>
-                    <a:p>
-                      <a:pPr indent="0" algn="ctr">
-                        <a:buNone/>
-                      </a:pPr>
-                      <a:r>
-                        <a:rPr lang="en-US" sz="1600" b="0">
-                          <a:cs typeface="+mn-lt"/>
-                        </a:rPr>
-                        <a:t> </a:t>
-                      </a:r>
-                      <a:endParaRPr lang="en-US" altLang="en-US" sz="1600" b="0">
-                        <a:ea typeface="Times New Roman" panose="02020603050405020304" charset="0"/>
-                        <a:cs typeface="+mn-lt"/>
-                      </a:endParaRPr>
-                    </a:p>
-                  </a:txBody>
-                  <a:tcPr marL="68580" marR="68580" marT="0" marB="0" vert="horz" anchor="ctr" anchorCtr="0">
-                    <a:lnL w="12700" cap="flat" cmpd="sng">
-                      <a:solidFill>
-                        <a:srgbClr val="080000"/>
-                      </a:solidFill>
-                      <a:prstDash val="solid"/>
-                      <a:headEnd type="none" w="med" len="med"/>
-                      <a:tailEnd type="none" w="med" len="med"/>
-                    </a:lnL>
-                    <a:lnR w="12700" cap="flat" cmpd="sng">
-                      <a:solidFill>
-                        <a:srgbClr val="080000"/>
-                      </a:solidFill>
-                      <a:prstDash val="solid"/>
-                      <a:headEnd type="none" w="med" len="med"/>
-                      <a:tailEnd type="none" w="med" len="med"/>
-                    </a:lnR>
-                    <a:lnT w="12700" cap="flat" cmpd="sng">
-                      <a:solidFill>
-                        <a:srgbClr val="080000"/>
-                      </a:solidFill>
-                      <a:prstDash val="solid"/>
-                      <a:headEnd type="none" w="med" len="med"/>
-                      <a:tailEnd type="none" w="med" len="med"/>
-                    </a:lnT>
-                    <a:lnB w="12700" cap="flat" cmpd="sng">
-                      <a:solidFill>
-                        <a:srgbClr val="080000"/>
-                      </a:solidFill>
-                      <a:prstDash val="solid"/>
-                      <a:headEnd type="none" w="med" len="med"/>
-                      <a:tailEnd type="none" w="med" len="med"/>
-                    </a:lnB>
-                    <a:lnTlToBr>
-                      <a:noFill/>
-                    </a:lnTlToBr>
-                    <a:lnBlToTr>
-                      <a:noFill/>
-                    </a:lnBlToTr>
-                    <a:noFill/>
-                  </a:tcPr>
-                </a:tc>
-                <a:tc>
-                  <a:txBody>
-                    <a:bodyPr/>
-                    <a:p>
-                      <a:pPr indent="0" algn="ctr">
-                        <a:buNone/>
-                      </a:pPr>
-                      <a:r>
-                        <a:rPr lang="en-US" sz="1600" b="0">
-                          <a:cs typeface="+mn-lt"/>
-                        </a:rPr>
-                        <a:t> </a:t>
-                      </a:r>
-                      <a:endParaRPr lang="en-US" altLang="en-US" sz="1600" b="0">
-                        <a:ea typeface="Times New Roman" panose="02020603050405020304" charset="0"/>
-                        <a:cs typeface="+mn-lt"/>
-                      </a:endParaRPr>
-                    </a:p>
-                  </a:txBody>
-                  <a:tcPr marL="68580" marR="68580" marT="0" marB="0" vert="horz" anchor="ctr" anchorCtr="0">
-                    <a:lnL w="12700" cap="flat" cmpd="sng">
-                      <a:solidFill>
-                        <a:srgbClr val="080000"/>
-                      </a:solidFill>
-                      <a:prstDash val="solid"/>
-                      <a:headEnd type="none" w="med" len="med"/>
-                      <a:tailEnd type="none" w="med" len="med"/>
-                    </a:lnL>
-                    <a:lnR w="12700" cap="flat" cmpd="sng">
-                      <a:solidFill>
-                        <a:srgbClr val="080000"/>
-                      </a:solidFill>
-                      <a:prstDash val="solid"/>
-                      <a:headEnd type="none" w="med" len="med"/>
-                      <a:tailEnd type="none" w="med" len="med"/>
-                    </a:lnR>
-                    <a:lnT w="12700" cap="flat" cmpd="sng">
-                      <a:solidFill>
-                        <a:srgbClr val="080000"/>
-                      </a:solidFill>
-                      <a:prstDash val="solid"/>
-                      <a:headEnd type="none" w="med" len="med"/>
-                      <a:tailEnd type="none" w="med" len="med"/>
-                    </a:lnT>
-                    <a:lnB w="12700" cap="flat" cmpd="sng">
-                      <a:solidFill>
-                        <a:srgbClr val="080000"/>
-                      </a:solidFill>
-                      <a:prstDash val="solid"/>
-                      <a:headEnd type="none" w="med" len="med"/>
-                      <a:tailEnd type="none" w="med" len="med"/>
-                    </a:lnB>
-                    <a:lnTlToBr>
-                      <a:noFill/>
-                    </a:lnTlToBr>
-                    <a:lnBlToTr>
-                      <a:noFill/>
-                    </a:lnBlToTr>
-                    <a:noFill/>
-                  </a:tcPr>
-                </a:tc>
-              </a:tr>
-              <a:tr h="768350">
-                <a:tc>
-                  <a:txBody>
-                    <a:bodyPr/>
-                    <a:p>
-                      <a:pPr indent="0">
-                        <a:buNone/>
-                      </a:pPr>
-                      <a:r>
-                        <a:rPr lang="en-US" sz="1600" b="0">
-                          <a:cs typeface="+mn-lt"/>
-                        </a:rPr>
-                        <a:t>Tham gia dự án</a:t>
-                      </a:r>
-                      <a:endParaRPr lang="en-US" altLang="en-US" sz="1600" b="0">
-                        <a:ea typeface="Times New Roman" panose="02020603050405020304" charset="0"/>
-                        <a:cs typeface="+mn-lt"/>
-                      </a:endParaRPr>
-                    </a:p>
-                  </a:txBody>
-                  <a:tcPr marL="68580" marR="68580" marT="0" marB="0" vert="horz" anchor="ctr" anchorCtr="0">
-                    <a:lnL w="12700" cap="flat" cmpd="sng">
-                      <a:solidFill>
-                        <a:srgbClr val="080000"/>
-                      </a:solidFill>
-                      <a:prstDash val="solid"/>
-                      <a:headEnd type="none" w="med" len="med"/>
-                      <a:tailEnd type="none" w="med" len="med"/>
-                    </a:lnL>
-                    <a:lnR w="12700" cap="flat" cmpd="sng">
-                      <a:solidFill>
-                        <a:srgbClr val="080000"/>
-                      </a:solidFill>
-                      <a:prstDash val="solid"/>
-                      <a:headEnd type="none" w="med" len="med"/>
-                      <a:tailEnd type="none" w="med" len="med"/>
-                    </a:lnR>
-                    <a:lnT w="12700" cap="flat" cmpd="sng">
-                      <a:solidFill>
-                        <a:srgbClr val="080000"/>
-                      </a:solidFill>
-                      <a:prstDash val="solid"/>
-                      <a:headEnd type="none" w="med" len="med"/>
-                      <a:tailEnd type="none" w="med" len="med"/>
-                    </a:lnT>
-                    <a:lnB w="12700" cap="flat" cmpd="sng">
-                      <a:solidFill>
-                        <a:srgbClr val="080000"/>
-                      </a:solidFill>
-                      <a:prstDash val="solid"/>
-                      <a:headEnd type="none" w="med" len="med"/>
-                      <a:tailEnd type="none" w="med" len="med"/>
-                    </a:lnB>
-                    <a:lnTlToBr>
-                      <a:noFill/>
-                    </a:lnTlToBr>
-                    <a:lnBlToTr>
-                      <a:noFill/>
-                    </a:lnBlToTr>
-                    <a:noFill/>
-                  </a:tcPr>
-                </a:tc>
-                <a:tc>
-                  <a:txBody>
-                    <a:bodyPr/>
-                    <a:p>
-                      <a:pPr indent="0" algn="ctr">
-                        <a:buNone/>
-                      </a:pPr>
-                      <a:r>
-                        <a:rPr lang="en-US" sz="1600" b="0">
-                          <a:cs typeface="+mn-lt"/>
-                        </a:rPr>
-                        <a:t> </a:t>
-                      </a:r>
-                      <a:endParaRPr lang="en-US" altLang="en-US" sz="1600" b="0">
-                        <a:ea typeface="Times New Roman" panose="02020603050405020304" charset="0"/>
-                        <a:cs typeface="+mn-lt"/>
-                      </a:endParaRPr>
-                    </a:p>
-                  </a:txBody>
-                  <a:tcPr marL="68580" marR="68580" marT="0" marB="0" vert="horz" anchor="ctr" anchorCtr="0">
-                    <a:lnL w="12700" cap="flat" cmpd="sng">
-                      <a:solidFill>
-                        <a:srgbClr val="080000"/>
-                      </a:solidFill>
-                      <a:prstDash val="solid"/>
-                      <a:headEnd type="none" w="med" len="med"/>
-                      <a:tailEnd type="none" w="med" len="med"/>
-                    </a:lnL>
-                    <a:lnR w="12700" cap="flat" cmpd="sng">
-                      <a:solidFill>
-                        <a:srgbClr val="080000"/>
-                      </a:solidFill>
-                      <a:prstDash val="solid"/>
-                      <a:headEnd type="none" w="med" len="med"/>
-                      <a:tailEnd type="none" w="med" len="med"/>
-                    </a:lnR>
-                    <a:lnT w="12700" cap="flat" cmpd="sng">
-                      <a:solidFill>
-                        <a:srgbClr val="080000"/>
-                      </a:solidFill>
-                      <a:prstDash val="solid"/>
-                      <a:headEnd type="none" w="med" len="med"/>
-                      <a:tailEnd type="none" w="med" len="med"/>
-                    </a:lnT>
-                    <a:lnB w="12700" cap="flat" cmpd="sng">
-                      <a:solidFill>
-                        <a:srgbClr val="080000"/>
-                      </a:solidFill>
-                      <a:prstDash val="solid"/>
-                      <a:headEnd type="none" w="med" len="med"/>
-                      <a:tailEnd type="none" w="med" len="med"/>
-                    </a:lnB>
-                    <a:lnTlToBr>
-                      <a:noFill/>
-                    </a:lnTlToBr>
-                    <a:lnBlToTr>
-                      <a:noFill/>
-                    </a:lnBlToTr>
-                    <a:noFill/>
-                  </a:tcPr>
-                </a:tc>
-                <a:tc>
-                  <a:txBody>
-                    <a:bodyPr/>
-                    <a:p>
-                      <a:pPr indent="0" algn="ctr">
-                        <a:buNone/>
-                      </a:pPr>
-                      <a:r>
-                        <a:rPr lang="en-US" sz="1600" b="0">
-                          <a:cs typeface="+mn-lt"/>
-                        </a:rPr>
-                        <a:t> </a:t>
-                      </a:r>
-                      <a:endParaRPr lang="en-US" altLang="en-US" sz="1600" b="0">
-                        <a:ea typeface="Times New Roman" panose="02020603050405020304" charset="0"/>
-                        <a:cs typeface="+mn-lt"/>
-                      </a:endParaRPr>
-                    </a:p>
-                  </a:txBody>
-                  <a:tcPr marL="68580" marR="68580" marT="0" marB="0" vert="horz" anchor="ctr" anchorCtr="0">
-                    <a:lnL w="12700" cap="flat" cmpd="sng">
-                      <a:solidFill>
-                        <a:srgbClr val="080000"/>
-                      </a:solidFill>
-                      <a:prstDash val="solid"/>
-                      <a:headEnd type="none" w="med" len="med"/>
-                      <a:tailEnd type="none" w="med" len="med"/>
-                    </a:lnL>
-                    <a:lnR w="12700" cap="flat" cmpd="sng">
-                      <a:solidFill>
-                        <a:srgbClr val="080000"/>
-                      </a:solidFill>
-                      <a:prstDash val="solid"/>
-                      <a:headEnd type="none" w="med" len="med"/>
-                      <a:tailEnd type="none" w="med" len="med"/>
-                    </a:lnR>
-                    <a:lnT w="12700" cap="flat" cmpd="sng">
-                      <a:solidFill>
-                        <a:srgbClr val="080000"/>
-                      </a:solidFill>
-                      <a:prstDash val="solid"/>
-                      <a:headEnd type="none" w="med" len="med"/>
-                      <a:tailEnd type="none" w="med" len="med"/>
-                    </a:lnT>
-                    <a:lnB w="12700" cap="flat" cmpd="sng">
-                      <a:solidFill>
-                        <a:srgbClr val="080000"/>
-                      </a:solidFill>
-                      <a:prstDash val="solid"/>
-                      <a:headEnd type="none" w="med" len="med"/>
-                      <a:tailEnd type="none" w="med" len="med"/>
-                    </a:lnB>
-                    <a:lnTlToBr>
-                      <a:noFill/>
-                    </a:lnTlToBr>
-                    <a:lnBlToTr>
-                      <a:noFill/>
-                    </a:lnBlToTr>
-                    <a:noFill/>
-                  </a:tcPr>
-                </a:tc>
-                <a:tc>
-                  <a:txBody>
-                    <a:bodyPr/>
-                    <a:p>
-                      <a:pPr indent="0" algn="ctr">
-                        <a:buNone/>
-                      </a:pPr>
-                      <a:r>
-                        <a:rPr lang="en-US" sz="1600" b="0">
-                          <a:cs typeface="+mn-lt"/>
-                        </a:rPr>
-                        <a:t> </a:t>
-                      </a:r>
-                      <a:endParaRPr lang="en-US" altLang="en-US" sz="1600" b="0">
-                        <a:ea typeface="Times New Roman" panose="02020603050405020304" charset="0"/>
-                        <a:cs typeface="+mn-lt"/>
-                      </a:endParaRPr>
-                    </a:p>
-                  </a:txBody>
-                  <a:tcPr marL="68580" marR="68580" marT="0" marB="0" vert="horz" anchor="ctr" anchorCtr="0">
-                    <a:lnL w="12700" cap="flat" cmpd="sng">
-                      <a:solidFill>
-                        <a:srgbClr val="080000"/>
-                      </a:solidFill>
-                      <a:prstDash val="solid"/>
-                      <a:headEnd type="none" w="med" len="med"/>
-                      <a:tailEnd type="none" w="med" len="med"/>
-                    </a:lnL>
-                    <a:lnR w="12700" cap="flat" cmpd="sng">
-                      <a:solidFill>
-                        <a:srgbClr val="080000"/>
-                      </a:solidFill>
-                      <a:prstDash val="solid"/>
-                      <a:headEnd type="none" w="med" len="med"/>
-                      <a:tailEnd type="none" w="med" len="med"/>
-                    </a:lnR>
-                    <a:lnT w="12700" cap="flat" cmpd="sng">
-                      <a:solidFill>
-                        <a:srgbClr val="080000"/>
-                      </a:solidFill>
-                      <a:prstDash val="solid"/>
-                      <a:headEnd type="none" w="med" len="med"/>
-                      <a:tailEnd type="none" w="med" len="med"/>
-                    </a:lnT>
-                    <a:lnB w="12700" cap="flat" cmpd="sng">
-                      <a:solidFill>
-                        <a:srgbClr val="080000"/>
-                      </a:solidFill>
-                      <a:prstDash val="solid"/>
-                      <a:headEnd type="none" w="med" len="med"/>
-                      <a:tailEnd type="none" w="med" len="med"/>
-                    </a:lnB>
-                    <a:lnTlToBr>
-                      <a:noFill/>
-                    </a:lnTlToBr>
-                    <a:lnBlToTr>
-                      <a:noFill/>
-                    </a:lnBlToTr>
-                    <a:noFill/>
-                  </a:tcPr>
-                </a:tc>
-                <a:tc>
-                  <a:txBody>
-                    <a:bodyPr/>
-                    <a:p>
-                      <a:pPr indent="0" algn="ctr">
-                        <a:buNone/>
-                      </a:pPr>
-                      <a:r>
-                        <a:rPr lang="en-US" sz="1600" b="0">
-                          <a:cs typeface="+mn-lt"/>
-                        </a:rPr>
-                        <a:t> </a:t>
-                      </a:r>
-                      <a:endParaRPr lang="en-US" altLang="en-US" sz="1600" b="0">
-                        <a:ea typeface="Times New Roman" panose="02020603050405020304" charset="0"/>
-                        <a:cs typeface="+mn-lt"/>
-                      </a:endParaRPr>
-                    </a:p>
-                  </a:txBody>
-                  <a:tcPr marL="68580" marR="68580" marT="0" marB="0" vert="horz" anchor="ctr" anchorCtr="0">
-                    <a:lnL w="12700" cap="flat" cmpd="sng">
-                      <a:solidFill>
-                        <a:srgbClr val="080000"/>
-                      </a:solidFill>
-                      <a:prstDash val="solid"/>
-                      <a:headEnd type="none" w="med" len="med"/>
-                      <a:tailEnd type="none" w="med" len="med"/>
-                    </a:lnL>
-                    <a:lnR w="12700" cap="flat" cmpd="sng">
-                      <a:solidFill>
-                        <a:srgbClr val="080000"/>
-                      </a:solidFill>
-                      <a:prstDash val="solid"/>
-                      <a:headEnd type="none" w="med" len="med"/>
-                      <a:tailEnd type="none" w="med" len="med"/>
-                    </a:lnR>
-                    <a:lnT w="12700" cap="flat" cmpd="sng">
-                      <a:solidFill>
-                        <a:srgbClr val="080000"/>
-                      </a:solidFill>
-                      <a:prstDash val="solid"/>
-                      <a:headEnd type="none" w="med" len="med"/>
-                      <a:tailEnd type="none" w="med" len="med"/>
-                    </a:lnT>
-                    <a:lnB w="12700" cap="flat" cmpd="sng">
-                      <a:solidFill>
-                        <a:srgbClr val="080000"/>
-                      </a:solidFill>
-                      <a:prstDash val="solid"/>
-                      <a:headEnd type="none" w="med" len="med"/>
-                      <a:tailEnd type="none" w="med" len="med"/>
-                    </a:lnB>
-                    <a:lnTlToBr>
-                      <a:noFill/>
-                    </a:lnTlToBr>
-                    <a:lnBlToTr>
-                      <a:noFill/>
-                    </a:lnBlToTr>
-                    <a:noFill/>
-                  </a:tcPr>
-                </a:tc>
-                <a:tc>
-                  <a:txBody>
-                    <a:bodyPr/>
-                    <a:p>
-                      <a:pPr indent="0" algn="ctr">
-                        <a:buNone/>
-                      </a:pPr>
-                      <a:r>
-                        <a:rPr lang="en-US" sz="1600" b="0">
-                          <a:cs typeface="+mn-lt"/>
-                        </a:rPr>
-                        <a:t> </a:t>
-                      </a:r>
-                      <a:endParaRPr lang="en-US" altLang="en-US" sz="1600" b="0">
-                        <a:ea typeface="Times New Roman" panose="02020603050405020304" charset="0"/>
-                        <a:cs typeface="+mn-lt"/>
-                      </a:endParaRPr>
-                    </a:p>
-                  </a:txBody>
-                  <a:tcPr marL="68580" marR="68580" marT="0" marB="0" vert="horz" anchor="ctr" anchorCtr="0">
-                    <a:lnL w="12700" cap="flat" cmpd="sng">
-                      <a:solidFill>
-                        <a:srgbClr val="080000"/>
-                      </a:solidFill>
-                      <a:prstDash val="solid"/>
-                      <a:headEnd type="none" w="med" len="med"/>
-                      <a:tailEnd type="none" w="med" len="med"/>
-                    </a:lnL>
-                    <a:lnR w="12700" cap="flat" cmpd="sng">
-                      <a:solidFill>
-                        <a:srgbClr val="080000"/>
-                      </a:solidFill>
-                      <a:prstDash val="solid"/>
-                      <a:headEnd type="none" w="med" len="med"/>
-                      <a:tailEnd type="none" w="med" len="med"/>
-                    </a:lnR>
-                    <a:lnT w="12700" cap="flat" cmpd="sng">
-                      <a:solidFill>
-                        <a:srgbClr val="080000"/>
-                      </a:solidFill>
-                      <a:prstDash val="solid"/>
-                      <a:headEnd type="none" w="med" len="med"/>
-                      <a:tailEnd type="none" w="med" len="med"/>
-                    </a:lnT>
-                    <a:lnB w="12700" cap="flat" cmpd="sng">
-                      <a:solidFill>
-                        <a:srgbClr val="080000"/>
-                      </a:solidFill>
-                      <a:prstDash val="solid"/>
-                      <a:headEnd type="none" w="med" len="med"/>
-                      <a:tailEnd type="none" w="med" len="med"/>
-                    </a:lnB>
-                    <a:lnTlToBr>
-                      <a:noFill/>
-                    </a:lnTlToBr>
-                    <a:lnBlToTr>
-                      <a:noFill/>
-                    </a:lnBlToTr>
-                    <a:noFill/>
-                  </a:tcPr>
-                </a:tc>
-              </a:tr>
-              <a:tr h="768350">
-                <a:tc>
-                  <a:txBody>
-                    <a:bodyPr/>
-                    <a:p>
-                      <a:pPr indent="0">
-                        <a:buNone/>
-                      </a:pPr>
-                      <a:r>
-                        <a:rPr lang="en-US" sz="1600" b="0">
-                          <a:cs typeface="+mn-lt"/>
-                        </a:rPr>
-                        <a:t>Quá trính chuyển đổi</a:t>
-                      </a:r>
-                      <a:endParaRPr lang="en-US" altLang="en-US" sz="1600" b="0">
-                        <a:ea typeface="Times New Roman" panose="02020603050405020304" charset="0"/>
-                        <a:cs typeface="+mn-lt"/>
-                      </a:endParaRPr>
-                    </a:p>
-                  </a:txBody>
-                  <a:tcPr marL="68580" marR="68580" marT="0" marB="0" vert="horz" anchor="ctr" anchorCtr="0">
-                    <a:lnL w="12700" cap="flat" cmpd="sng">
-                      <a:solidFill>
-                        <a:srgbClr val="080000"/>
-                      </a:solidFill>
-                      <a:prstDash val="solid"/>
-                      <a:headEnd type="none" w="med" len="med"/>
-                      <a:tailEnd type="none" w="med" len="med"/>
-                    </a:lnL>
-                    <a:lnR w="12700" cap="flat" cmpd="sng">
-                      <a:solidFill>
-                        <a:srgbClr val="080000"/>
-                      </a:solidFill>
-                      <a:prstDash val="solid"/>
-                      <a:headEnd type="none" w="med" len="med"/>
-                      <a:tailEnd type="none" w="med" len="med"/>
-                    </a:lnR>
-                    <a:lnT w="12700" cap="flat" cmpd="sng">
-                      <a:solidFill>
-                        <a:srgbClr val="080000"/>
-                      </a:solidFill>
-                      <a:prstDash val="solid"/>
-                      <a:headEnd type="none" w="med" len="med"/>
-                      <a:tailEnd type="none" w="med" len="med"/>
-                    </a:lnT>
-                    <a:lnB w="12700" cap="flat" cmpd="sng">
-                      <a:solidFill>
-                        <a:srgbClr val="080000"/>
-                      </a:solidFill>
-                      <a:prstDash val="solid"/>
-                      <a:headEnd type="none" w="med" len="med"/>
-                      <a:tailEnd type="none" w="med" len="med"/>
-                    </a:lnB>
-                    <a:lnTlToBr>
-                      <a:noFill/>
-                    </a:lnTlToBr>
-                    <a:lnBlToTr>
-                      <a:noFill/>
-                    </a:lnBlToTr>
-                    <a:noFill/>
-                  </a:tcPr>
-                </a:tc>
-                <a:tc>
-                  <a:txBody>
-                    <a:bodyPr/>
-                    <a:p>
-                      <a:pPr indent="0" algn="ctr">
-                        <a:buNone/>
-                      </a:pPr>
-                      <a:r>
-                        <a:rPr lang="en-US" sz="1600" b="0">
-                          <a:cs typeface="+mn-lt"/>
-                        </a:rPr>
-                        <a:t> </a:t>
-                      </a:r>
-                      <a:endParaRPr lang="en-US" altLang="en-US" sz="1600" b="0">
-                        <a:ea typeface="Times New Roman" panose="02020603050405020304" charset="0"/>
-                        <a:cs typeface="+mn-lt"/>
-                      </a:endParaRPr>
-                    </a:p>
-                  </a:txBody>
-                  <a:tcPr marL="68580" marR="68580" marT="0" marB="0" vert="horz" anchor="ctr" anchorCtr="0">
-                    <a:lnL w="12700" cap="flat" cmpd="sng">
-                      <a:solidFill>
-                        <a:srgbClr val="080000"/>
-                      </a:solidFill>
-                      <a:prstDash val="solid"/>
-                      <a:headEnd type="none" w="med" len="med"/>
-                      <a:tailEnd type="none" w="med" len="med"/>
-                    </a:lnL>
-                    <a:lnR w="12700" cap="flat" cmpd="sng">
-                      <a:solidFill>
-                        <a:srgbClr val="080000"/>
-                      </a:solidFill>
-                      <a:prstDash val="solid"/>
-                      <a:headEnd type="none" w="med" len="med"/>
-                      <a:tailEnd type="none" w="med" len="med"/>
-                    </a:lnR>
-                    <a:lnT w="12700" cap="flat" cmpd="sng">
-                      <a:solidFill>
-                        <a:srgbClr val="080000"/>
-                      </a:solidFill>
-                      <a:prstDash val="solid"/>
-                      <a:headEnd type="none" w="med" len="med"/>
-                      <a:tailEnd type="none" w="med" len="med"/>
-                    </a:lnT>
-                    <a:lnB w="12700" cap="flat" cmpd="sng">
-                      <a:solidFill>
-                        <a:srgbClr val="080000"/>
-                      </a:solidFill>
-                      <a:prstDash val="solid"/>
-                      <a:headEnd type="none" w="med" len="med"/>
-                      <a:tailEnd type="none" w="med" len="med"/>
-                    </a:lnB>
-                    <a:lnTlToBr>
-                      <a:noFill/>
-                    </a:lnTlToBr>
-                    <a:lnBlToTr>
-                      <a:noFill/>
-                    </a:lnBlToTr>
-                    <a:noFill/>
-                  </a:tcPr>
-                </a:tc>
-                <a:tc>
-                  <a:txBody>
-                    <a:bodyPr/>
-                    <a:p>
-                      <a:pPr indent="0" algn="ctr">
-                        <a:buNone/>
-                      </a:pPr>
-                      <a:r>
-                        <a:rPr lang="en-US" sz="1600" b="0">
-                          <a:cs typeface="+mn-lt"/>
-                        </a:rPr>
-                        <a:t> </a:t>
-                      </a:r>
-                      <a:endParaRPr lang="en-US" altLang="en-US" sz="1600" b="0">
-                        <a:ea typeface="Times New Roman" panose="02020603050405020304" charset="0"/>
-                        <a:cs typeface="+mn-lt"/>
-                      </a:endParaRPr>
-                    </a:p>
-                  </a:txBody>
-                  <a:tcPr marL="68580" marR="68580" marT="0" marB="0" vert="horz" anchor="ctr" anchorCtr="0">
-                    <a:lnL w="12700" cap="flat" cmpd="sng">
-                      <a:solidFill>
-                        <a:srgbClr val="080000"/>
-                      </a:solidFill>
-                      <a:prstDash val="solid"/>
-                      <a:headEnd type="none" w="med" len="med"/>
-                      <a:tailEnd type="none" w="med" len="med"/>
-                    </a:lnL>
-                    <a:lnR w="12700" cap="flat" cmpd="sng">
-                      <a:solidFill>
-                        <a:srgbClr val="080000"/>
-                      </a:solidFill>
-                      <a:prstDash val="solid"/>
-                      <a:headEnd type="none" w="med" len="med"/>
-                      <a:tailEnd type="none" w="med" len="med"/>
-                    </a:lnR>
-                    <a:lnT w="12700" cap="flat" cmpd="sng">
-                      <a:solidFill>
-                        <a:srgbClr val="080000"/>
-                      </a:solidFill>
-                      <a:prstDash val="solid"/>
-                      <a:headEnd type="none" w="med" len="med"/>
-                      <a:tailEnd type="none" w="med" len="med"/>
-                    </a:lnT>
-                    <a:lnB w="12700" cap="flat" cmpd="sng">
-                      <a:solidFill>
-                        <a:srgbClr val="080000"/>
-                      </a:solidFill>
-                      <a:prstDash val="solid"/>
-                      <a:headEnd type="none" w="med" len="med"/>
-                      <a:tailEnd type="none" w="med" len="med"/>
-                    </a:lnB>
-                    <a:lnTlToBr>
-                      <a:noFill/>
-                    </a:lnTlToBr>
-                    <a:lnBlToTr>
-                      <a:noFill/>
-                    </a:lnBlToTr>
-                    <a:noFill/>
-                  </a:tcPr>
-                </a:tc>
-                <a:tc>
-                  <a:txBody>
-                    <a:bodyPr/>
-                    <a:p>
-                      <a:pPr indent="0" algn="ctr">
-                        <a:buNone/>
-                      </a:pPr>
-                      <a:r>
-                        <a:rPr lang="en-US" sz="1600" b="0">
-                          <a:cs typeface="+mn-lt"/>
-                        </a:rPr>
-                        <a:t> </a:t>
-                      </a:r>
-                      <a:endParaRPr lang="en-US" altLang="en-US" sz="1600" b="0">
-                        <a:ea typeface="Times New Roman" panose="02020603050405020304" charset="0"/>
-                        <a:cs typeface="+mn-lt"/>
-                      </a:endParaRPr>
-                    </a:p>
-                  </a:txBody>
-                  <a:tcPr marL="68580" marR="68580" marT="0" marB="0" vert="horz" anchor="ctr" anchorCtr="0">
-                    <a:lnL w="12700" cap="flat" cmpd="sng">
-                      <a:solidFill>
-                        <a:srgbClr val="080000"/>
-                      </a:solidFill>
-                      <a:prstDash val="solid"/>
-                      <a:headEnd type="none" w="med" len="med"/>
-                      <a:tailEnd type="none" w="med" len="med"/>
-                    </a:lnL>
-                    <a:lnR w="12700" cap="flat" cmpd="sng">
-                      <a:solidFill>
-                        <a:srgbClr val="080000"/>
-                      </a:solidFill>
-                      <a:prstDash val="solid"/>
-                      <a:headEnd type="none" w="med" len="med"/>
-                      <a:tailEnd type="none" w="med" len="med"/>
-                    </a:lnR>
-                    <a:lnT w="12700" cap="flat" cmpd="sng">
-                      <a:solidFill>
-                        <a:srgbClr val="080000"/>
-                      </a:solidFill>
-                      <a:prstDash val="solid"/>
-                      <a:headEnd type="none" w="med" len="med"/>
-                      <a:tailEnd type="none" w="med" len="med"/>
-                    </a:lnT>
-                    <a:lnB w="12700" cap="flat" cmpd="sng">
-                      <a:solidFill>
-                        <a:srgbClr val="080000"/>
-                      </a:solidFill>
-                      <a:prstDash val="solid"/>
-                      <a:headEnd type="none" w="med" len="med"/>
-                      <a:tailEnd type="none" w="med" len="med"/>
-                    </a:lnB>
-                    <a:lnTlToBr>
-                      <a:noFill/>
-                    </a:lnTlToBr>
-                    <a:lnBlToTr>
-                      <a:noFill/>
-                    </a:lnBlToTr>
-                    <a:noFill/>
-                  </a:tcPr>
-                </a:tc>
-                <a:tc>
-                  <a:txBody>
-                    <a:bodyPr/>
-                    <a:p>
-                      <a:pPr indent="0" algn="ctr">
-                        <a:buNone/>
-                      </a:pPr>
-                      <a:r>
-                        <a:rPr lang="en-US" sz="1600" b="0">
-                          <a:cs typeface="+mn-lt"/>
-                        </a:rPr>
-                        <a:t> </a:t>
-                      </a:r>
-                      <a:endParaRPr lang="en-US" altLang="en-US" sz="1600" b="0">
-                        <a:ea typeface="Times New Roman" panose="02020603050405020304" charset="0"/>
-                        <a:cs typeface="+mn-lt"/>
-                      </a:endParaRPr>
-                    </a:p>
-                  </a:txBody>
-                  <a:tcPr marL="68580" marR="68580" marT="0" marB="0" vert="horz" anchor="ctr" anchorCtr="0">
-                    <a:lnL w="12700" cap="flat" cmpd="sng">
-                      <a:solidFill>
-                        <a:srgbClr val="080000"/>
-                      </a:solidFill>
-                      <a:prstDash val="solid"/>
-                      <a:headEnd type="none" w="med" len="med"/>
-                      <a:tailEnd type="none" w="med" len="med"/>
-                    </a:lnL>
-                    <a:lnR w="12700" cap="flat" cmpd="sng">
-                      <a:solidFill>
-                        <a:srgbClr val="080000"/>
-                      </a:solidFill>
-                      <a:prstDash val="solid"/>
-                      <a:headEnd type="none" w="med" len="med"/>
-                      <a:tailEnd type="none" w="med" len="med"/>
-                    </a:lnR>
-                    <a:lnT w="12700" cap="flat" cmpd="sng">
-                      <a:solidFill>
-                        <a:srgbClr val="080000"/>
-                      </a:solidFill>
-                      <a:prstDash val="solid"/>
-                      <a:headEnd type="none" w="med" len="med"/>
-                      <a:tailEnd type="none" w="med" len="med"/>
-                    </a:lnT>
-                    <a:lnB w="12700" cap="flat" cmpd="sng">
-                      <a:solidFill>
-                        <a:srgbClr val="080000"/>
-                      </a:solidFill>
-                      <a:prstDash val="solid"/>
-                      <a:headEnd type="none" w="med" len="med"/>
-                      <a:tailEnd type="none" w="med" len="med"/>
-                    </a:lnB>
-                    <a:lnTlToBr>
-                      <a:noFill/>
-                    </a:lnTlToBr>
-                    <a:lnBlToTr>
-                      <a:noFill/>
-                    </a:lnBlToTr>
-                    <a:noFill/>
-                  </a:tcPr>
-                </a:tc>
-                <a:tc>
-                  <a:txBody>
-                    <a:bodyPr/>
-                    <a:p>
-                      <a:pPr indent="0" algn="ctr">
-                        <a:buNone/>
-                      </a:pPr>
-                      <a:endParaRPr lang="en-US" altLang="en-US" sz="1600" b="0">
-                        <a:ea typeface="Times New Roman" panose="02020603050405020304" charset="0"/>
-                        <a:cs typeface="+mn-lt"/>
-                      </a:endParaRPr>
-                    </a:p>
-                  </a:txBody>
-                  <a:tcPr marL="68580" marR="68580" marT="0" marB="0" vert="horz" anchor="ctr" anchorCtr="0">
-                    <a:lnL w="12700" cap="flat" cmpd="sng">
-                      <a:solidFill>
-                        <a:srgbClr val="080000"/>
-                      </a:solidFill>
-                      <a:prstDash val="solid"/>
-                      <a:headEnd type="none" w="med" len="med"/>
-                      <a:tailEnd type="none" w="med" len="med"/>
-                    </a:lnL>
-                    <a:lnR w="12700" cap="flat" cmpd="sng">
-                      <a:solidFill>
-                        <a:srgbClr val="080000"/>
-                      </a:solidFill>
-                      <a:prstDash val="solid"/>
-                      <a:headEnd type="none" w="med" len="med"/>
-                      <a:tailEnd type="none" w="med" len="med"/>
-                    </a:lnR>
-                    <a:lnT w="12700" cap="flat" cmpd="sng">
-                      <a:solidFill>
-                        <a:srgbClr val="080000"/>
-                      </a:solidFill>
-                      <a:prstDash val="solid"/>
-                      <a:headEnd type="none" w="med" len="med"/>
-                      <a:tailEnd type="none" w="med" len="med"/>
-                    </a:lnT>
-                    <a:lnB w="12700" cap="flat" cmpd="sng">
-                      <a:solidFill>
-                        <a:srgbClr val="080000"/>
-                      </a:solidFill>
-                      <a:prstDash val="solid"/>
-                      <a:headEnd type="none" w="med" len="med"/>
-                      <a:tailEnd type="none" w="med" len="med"/>
-                    </a:lnB>
-                    <a:lnTlToBr>
-                      <a:noFill/>
-                    </a:lnTlToBr>
-                    <a:lnBlToTr>
-                      <a:noFill/>
-                    </a:lnBlToTr>
-                    <a:noFill/>
-                  </a:tcPr>
-                </a:tc>
-              </a:tr>
-            </a:tbl>
-          </a:graphicData>
-        </a:graphic>
-      </p:graphicFrame>
-      <p:pic>
-        <p:nvPicPr>
-          <p:cNvPr id="5" name="Picture 4"/>
-          <p:cNvPicPr/>
-          <p:nvPr/>
+            <p:ph sz="half" idx="1"/>
+          </p:nvPr>
         </p:nvPicPr>
         <p:blipFill>
           <a:blip r:embed="rId2"/>
+          <a:srcRect/>
           <a:stretch>
             <a:fillRect/>
           </a:stretch>
         </p:blipFill>
         <p:spPr>
           <a:xfrm>
-            <a:off x="4531995" y="2390140"/>
-            <a:ext cx="463550" cy="777240"/>
+            <a:off x="7604760" y="1905635"/>
+            <a:ext cx="4587240" cy="4351655"/>
           </a:xfrm>
           <a:prstGeom prst="rect">
             <a:avLst/>
           </a:prstGeom>
-          <a:noFill/>
-          <a:ln w="9525">
-            <a:noFill/>
-          </a:ln>
+          <a:effectLst>
+            <a:glow>
+              <a:schemeClr val="bg1">
+                <a:alpha val="40000"/>
+              </a:schemeClr>
+            </a:glow>
+            <a:outerShdw blurRad="63500" sx="102000" sy="102000" algn="ctr" rotWithShape="0">
+              <a:prstClr val="black">
+                <a:alpha val="40000"/>
+              </a:prstClr>
+            </a:outerShdw>
+          </a:effectLst>
         </p:spPr>
       </p:pic>
       <p:pic>
         <p:nvPicPr>
-          <p:cNvPr id="6" name="Picture 5"/>
-          <p:cNvPicPr/>
+          <p:cNvPr id="5" name="Picture 4" descr="flutter-removebg-preview"/>
+          <p:cNvPicPr>
+            <a:picLocks noChangeAspect="1"/>
+          </p:cNvPicPr>
           <p:nvPr/>
         </p:nvPicPr>
         <p:blipFill>
@@ -12405,22 +13110,27 @@
         </p:blipFill>
         <p:spPr>
           <a:xfrm>
-            <a:off x="4980940" y="3159760"/>
-            <a:ext cx="516890" cy="786384"/>
+            <a:off x="1443990" y="1905635"/>
+            <a:ext cx="2495550" cy="2421890"/>
           </a:xfrm>
           <a:prstGeom prst="rect">
             <a:avLst/>
           </a:prstGeom>
-          <a:noFill/>
-          <a:ln w="9525">
-            <a:noFill/>
-          </a:ln>
+          <a:effectLst>
+            <a:outerShdw blurRad="177800" dist="38100" dir="18900000" algn="bl" rotWithShape="0">
+              <a:prstClr val="black">
+                <a:alpha val="27000"/>
+              </a:prstClr>
+            </a:outerShdw>
+          </a:effectLst>
         </p:spPr>
       </p:pic>
       <p:pic>
         <p:nvPicPr>
-          <p:cNvPr id="7" name="Picture 6"/>
-          <p:cNvPicPr/>
+          <p:cNvPr id="7" name="Picture 6" descr="Firebase-Realtime-Database-3-Vertical-Lockup-Light-768x513-removebg-preview"/>
+          <p:cNvPicPr>
+            <a:picLocks noChangeAspect="1"/>
+          </p:cNvPicPr>
           <p:nvPr/>
         </p:nvPicPr>
         <p:blipFill>
@@ -12431,23 +13141,30 @@
         </p:blipFill>
         <p:spPr>
           <a:xfrm>
-            <a:off x="5497830" y="3930650"/>
-            <a:ext cx="1008380" cy="777240"/>
+            <a:off x="3780155" y="2099310"/>
+            <a:ext cx="4631690" cy="3093085"/>
           </a:xfrm>
           <a:prstGeom prst="rect">
             <a:avLst/>
           </a:prstGeom>
-          <a:noFill/>
-          <a:ln w="9525">
-            <a:noFill/>
-          </a:ln>
+          <a:effectLst>
+            <a:outerShdw blurRad="177800" dist="38100" dir="18900000" algn="bl" rotWithShape="0">
+              <a:prstClr val="black">
+                <a:alpha val="27000"/>
+              </a:prstClr>
+            </a:outerShdw>
+          </a:effectLst>
         </p:spPr>
       </p:pic>
       <p:pic>
         <p:nvPicPr>
-          <p:cNvPr id="8" name="Picture 7"/>
-          <p:cNvPicPr/>
-          <p:nvPr/>
+          <p:cNvPr id="13" name="Content Placeholder 12" descr="dart-removebg-preview"/>
+          <p:cNvPicPr>
+            <a:picLocks noChangeAspect="1"/>
+          </p:cNvPicPr>
+          <p:nvPr>
+            <p:ph sz="half" idx="2"/>
+          </p:nvPr>
         </p:nvPicPr>
         <p:blipFill>
           <a:blip r:embed="rId5"/>
@@ -12457,44 +13174,334 @@
         </p:blipFill>
         <p:spPr>
           <a:xfrm>
-            <a:off x="6506210" y="4685665"/>
-            <a:ext cx="3044190" cy="786384"/>
+            <a:off x="1035685" y="3917315"/>
+            <a:ext cx="3220085" cy="2146935"/>
           </a:xfrm>
           <a:prstGeom prst="rect">
             <a:avLst/>
           </a:prstGeom>
-          <a:noFill/>
-          <a:ln w="9525">
-            <a:noFill/>
-          </a:ln>
+          <a:effectLst>
+            <a:outerShdw blurRad="177800" dist="38100" dir="18900000" algn="bl" rotWithShape="0">
+              <a:prstClr val="black">
+                <a:alpha val="27000"/>
+              </a:prstClr>
+            </a:outerShdw>
+          </a:effectLst>
         </p:spPr>
       </p:pic>
-      <p:pic>
-        <p:nvPicPr>
-          <p:cNvPr id="9" name="Picture 8"/>
-          <p:cNvPicPr/>
+      <p:sp>
+        <p:nvSpPr>
+          <p:cNvPr id="14" name="Text Placeholder 3"/>
+          <p:cNvSpPr>
+            <a:spLocks noGrp="1"/>
+          </p:cNvSpPr>
           <p:nvPr/>
-        </p:nvPicPr>
-        <p:blipFill>
-          <a:blip r:embed="rId2"/>
-          <a:stretch>
-            <a:fillRect/>
-          </a:stretch>
-        </p:blipFill>
+        </p:nvSpPr>
         <p:spPr>
           <a:xfrm>
-            <a:off x="9565005" y="5457190"/>
-            <a:ext cx="463550" cy="786384"/>
+            <a:off x="847725" y="1588770"/>
+            <a:ext cx="3456940" cy="510540"/>
           </a:xfrm>
           <a:prstGeom prst="rect">
             <a:avLst/>
           </a:prstGeom>
-          <a:noFill/>
-          <a:ln w="9525">
-            <a:noFill/>
-          </a:ln>
         </p:spPr>
-      </p:pic>
+        <p:txBody>
+          <a:bodyPr vert="horz" lIns="91440" tIns="45720" rIns="91440" bIns="45720" rtlCol="0" anchor="b">
+            <a:noAutofit/>
+          </a:bodyPr>
+          <a:lstStyle>
+            <a:lvl1pPr marL="0" indent="0" algn="l" defTabSz="914400" rtl="0" eaLnBrk="1" latinLnBrk="0" hangingPunct="1">
+              <a:lnSpc>
+                <a:spcPct val="90000"/>
+              </a:lnSpc>
+              <a:spcBef>
+                <a:spcPts val="1000"/>
+              </a:spcBef>
+              <a:buFont typeface="Arial" panose="020B0604020202020204" pitchFamily="34" charset="0"/>
+              <a:buNone/>
+              <a:defRPr sz="2400" b="1" kern="1200">
+                <a:solidFill>
+                  <a:schemeClr val="tx1"/>
+                </a:solidFill>
+                <a:latin typeface="+mn-lt"/>
+                <a:ea typeface="+mn-ea"/>
+                <a:cs typeface="+mn-cs"/>
+              </a:defRPr>
+            </a:lvl1pPr>
+            <a:lvl2pPr marL="457200" indent="0" algn="l" defTabSz="914400" rtl="0" eaLnBrk="1" latinLnBrk="0" hangingPunct="1">
+              <a:lnSpc>
+                <a:spcPct val="90000"/>
+              </a:lnSpc>
+              <a:spcBef>
+                <a:spcPts val="500"/>
+              </a:spcBef>
+              <a:buFont typeface="Arial" panose="020B0604020202020204" pitchFamily="34" charset="0"/>
+              <a:buNone/>
+              <a:defRPr sz="2000" b="1" kern="1200">
+                <a:solidFill>
+                  <a:schemeClr val="tx1"/>
+                </a:solidFill>
+                <a:latin typeface="+mn-lt"/>
+                <a:ea typeface="+mn-ea"/>
+                <a:cs typeface="+mn-cs"/>
+              </a:defRPr>
+            </a:lvl2pPr>
+            <a:lvl3pPr marL="914400" indent="0" algn="l" defTabSz="914400" rtl="0" eaLnBrk="1" latinLnBrk="0" hangingPunct="1">
+              <a:lnSpc>
+                <a:spcPct val="90000"/>
+              </a:lnSpc>
+              <a:spcBef>
+                <a:spcPts val="500"/>
+              </a:spcBef>
+              <a:buFont typeface="Arial" panose="020B0604020202020204" pitchFamily="34" charset="0"/>
+              <a:buNone/>
+              <a:defRPr sz="1800" b="1" kern="1200">
+                <a:solidFill>
+                  <a:schemeClr val="tx1"/>
+                </a:solidFill>
+                <a:latin typeface="+mn-lt"/>
+                <a:ea typeface="+mn-ea"/>
+                <a:cs typeface="+mn-cs"/>
+              </a:defRPr>
+            </a:lvl3pPr>
+            <a:lvl4pPr marL="1371600" indent="0" algn="l" defTabSz="914400" rtl="0" eaLnBrk="1" latinLnBrk="0" hangingPunct="1">
+              <a:lnSpc>
+                <a:spcPct val="90000"/>
+              </a:lnSpc>
+              <a:spcBef>
+                <a:spcPts val="500"/>
+              </a:spcBef>
+              <a:buFont typeface="Arial" panose="020B0604020202020204" pitchFamily="34" charset="0"/>
+              <a:buNone/>
+              <a:defRPr sz="1600" b="1" kern="1200">
+                <a:solidFill>
+                  <a:schemeClr val="tx1"/>
+                </a:solidFill>
+                <a:latin typeface="+mn-lt"/>
+                <a:ea typeface="+mn-ea"/>
+                <a:cs typeface="+mn-cs"/>
+              </a:defRPr>
+            </a:lvl4pPr>
+            <a:lvl5pPr marL="1828800" indent="0" algn="l" defTabSz="914400" rtl="0" eaLnBrk="1" latinLnBrk="0" hangingPunct="1">
+              <a:lnSpc>
+                <a:spcPct val="90000"/>
+              </a:lnSpc>
+              <a:spcBef>
+                <a:spcPts val="500"/>
+              </a:spcBef>
+              <a:buFont typeface="Arial" panose="020B0604020202020204" pitchFamily="34" charset="0"/>
+              <a:buNone/>
+              <a:defRPr sz="1600" b="1" kern="1200">
+                <a:solidFill>
+                  <a:schemeClr val="tx1"/>
+                </a:solidFill>
+                <a:latin typeface="+mn-lt"/>
+                <a:ea typeface="+mn-ea"/>
+                <a:cs typeface="+mn-cs"/>
+              </a:defRPr>
+            </a:lvl5pPr>
+            <a:lvl6pPr marL="2286000" indent="0" algn="l" defTabSz="914400" rtl="0" eaLnBrk="1" latinLnBrk="0" hangingPunct="1">
+              <a:lnSpc>
+                <a:spcPct val="90000"/>
+              </a:lnSpc>
+              <a:spcBef>
+                <a:spcPts val="500"/>
+              </a:spcBef>
+              <a:buFont typeface="Arial" panose="020B0604020202020204" pitchFamily="34" charset="0"/>
+              <a:buNone/>
+              <a:defRPr sz="1600" b="1" kern="1200">
+                <a:solidFill>
+                  <a:schemeClr val="tx1"/>
+                </a:solidFill>
+                <a:latin typeface="+mn-lt"/>
+                <a:ea typeface="+mn-ea"/>
+                <a:cs typeface="+mn-cs"/>
+              </a:defRPr>
+            </a:lvl6pPr>
+            <a:lvl7pPr marL="2743200" indent="0" algn="l" defTabSz="914400" rtl="0" eaLnBrk="1" latinLnBrk="0" hangingPunct="1">
+              <a:lnSpc>
+                <a:spcPct val="90000"/>
+              </a:lnSpc>
+              <a:spcBef>
+                <a:spcPts val="500"/>
+              </a:spcBef>
+              <a:buFont typeface="Arial" panose="020B0604020202020204" pitchFamily="34" charset="0"/>
+              <a:buNone/>
+              <a:defRPr sz="1600" b="1" kern="1200">
+                <a:solidFill>
+                  <a:schemeClr val="tx1"/>
+                </a:solidFill>
+                <a:latin typeface="+mn-lt"/>
+                <a:ea typeface="+mn-ea"/>
+                <a:cs typeface="+mn-cs"/>
+              </a:defRPr>
+            </a:lvl7pPr>
+            <a:lvl8pPr marL="3200400" indent="0" algn="l" defTabSz="914400" rtl="0" eaLnBrk="1" latinLnBrk="0" hangingPunct="1">
+              <a:lnSpc>
+                <a:spcPct val="90000"/>
+              </a:lnSpc>
+              <a:spcBef>
+                <a:spcPts val="500"/>
+              </a:spcBef>
+              <a:buFont typeface="Arial" panose="020B0604020202020204" pitchFamily="34" charset="0"/>
+              <a:buNone/>
+              <a:defRPr sz="1600" b="1" kern="1200">
+                <a:solidFill>
+                  <a:schemeClr val="tx1"/>
+                </a:solidFill>
+                <a:latin typeface="+mn-lt"/>
+                <a:ea typeface="+mn-ea"/>
+                <a:cs typeface="+mn-cs"/>
+              </a:defRPr>
+            </a:lvl8pPr>
+            <a:lvl9pPr marL="3657600" indent="0" algn="l" defTabSz="914400" rtl="0" eaLnBrk="1" latinLnBrk="0" hangingPunct="1">
+              <a:lnSpc>
+                <a:spcPct val="90000"/>
+              </a:lnSpc>
+              <a:spcBef>
+                <a:spcPts val="500"/>
+              </a:spcBef>
+              <a:buFont typeface="Arial" panose="020B0604020202020204" pitchFamily="34" charset="0"/>
+              <a:buNone/>
+              <a:defRPr sz="1600" b="1" kern="1200">
+                <a:solidFill>
+                  <a:schemeClr val="tx1"/>
+                </a:solidFill>
+                <a:latin typeface="+mn-lt"/>
+                <a:ea typeface="+mn-ea"/>
+                <a:cs typeface="+mn-cs"/>
+              </a:defRPr>
+            </a:lvl9pPr>
+          </a:lstStyle>
+          <a:p>
+            <a:pPr marL="457200" indent="-457200">
+              <a:lnSpc>
+                <a:spcPct val="150000"/>
+              </a:lnSpc>
+              <a:buAutoNum type="arabicPeriod"/>
+            </a:pPr>
+            <a:endParaRPr lang="en-US" altLang="en-GB" b="0">
+              <a:solidFill>
+                <a:srgbClr val="002060"/>
+              </a:solidFill>
+              <a:latin typeface="Segoe UI" panose="020B0502040204020203" charset="0"/>
+              <a:cs typeface="Segoe UI" panose="020B0502040204020203" charset="0"/>
+            </a:endParaRPr>
+          </a:p>
+          <a:p>
+            <a:pPr marL="457200" indent="-457200">
+              <a:lnSpc>
+                <a:spcPct val="150000"/>
+              </a:lnSpc>
+              <a:buAutoNum type="arabicPeriod"/>
+            </a:pPr>
+            <a:endParaRPr lang="en-US" altLang="en-GB" b="0">
+              <a:solidFill>
+                <a:srgbClr val="002060"/>
+              </a:solidFill>
+              <a:latin typeface="Segoe UI" panose="020B0502040204020203" charset="0"/>
+              <a:cs typeface="Segoe UI" panose="020B0502040204020203" charset="0"/>
+            </a:endParaRPr>
+          </a:p>
+          <a:p>
+            <a:pPr marL="457200" indent="-457200">
+              <a:lnSpc>
+                <a:spcPct val="150000"/>
+              </a:lnSpc>
+              <a:buAutoNum type="arabicPeriod"/>
+            </a:pPr>
+            <a:endParaRPr lang="en-US" altLang="en-GB" b="0">
+              <a:solidFill>
+                <a:srgbClr val="002060"/>
+              </a:solidFill>
+              <a:latin typeface="Segoe UI" panose="020B0502040204020203" charset="0"/>
+              <a:cs typeface="Segoe UI" panose="020B0502040204020203" charset="0"/>
+            </a:endParaRPr>
+          </a:p>
+          <a:p>
+            <a:pPr>
+              <a:lnSpc>
+                <a:spcPct val="150000"/>
+              </a:lnSpc>
+            </a:pPr>
+            <a:endParaRPr lang="en-US" altLang="en-GB" b="0">
+              <a:solidFill>
+                <a:srgbClr val="002060"/>
+              </a:solidFill>
+              <a:latin typeface="Segoe UI" panose="020B0502040204020203" charset="0"/>
+              <a:cs typeface="Segoe UI" panose="020B0502040204020203" charset="0"/>
+            </a:endParaRPr>
+          </a:p>
+          <a:p>
+            <a:pPr>
+              <a:lnSpc>
+                <a:spcPct val="150000"/>
+              </a:lnSpc>
+            </a:pPr>
+            <a:r>
+              <a:rPr lang="en-US" altLang="en-GB" b="0">
+                <a:solidFill>
+                  <a:srgbClr val="002060"/>
+                </a:solidFill>
+                <a:latin typeface="Segoe UI" panose="020B0502040204020203" charset="0"/>
+                <a:cs typeface="Segoe UI" panose="020B0502040204020203" charset="0"/>
+              </a:rPr>
+              <a:t>Các công nghệ</a:t>
+            </a:r>
+            <a:endParaRPr lang="en-US" altLang="en-GB" b="0">
+              <a:solidFill>
+                <a:srgbClr val="002060"/>
+              </a:solidFill>
+              <a:latin typeface="Segoe UI" panose="020B0502040204020203" charset="0"/>
+              <a:cs typeface="Segoe UI" panose="020B0502040204020203" charset="0"/>
+            </a:endParaRPr>
+          </a:p>
+        </p:txBody>
+      </p:sp>
+      <p:sp>
+        <p:nvSpPr>
+          <p:cNvPr id="15" name="Slide Number Placeholder 14"/>
+          <p:cNvSpPr>
+            <a:spLocks noGrp="1"/>
+          </p:cNvSpPr>
+          <p:nvPr>
+            <p:ph type="sldNum" sz="quarter" idx="12"/>
+          </p:nvPr>
+        </p:nvSpPr>
+        <p:spPr/>
+        <p:txBody>
+          <a:bodyPr/>
+          <a:p>
+            <a:fld id="{3C4FCFE7-4CFC-4698-A5C8-57D6C94FD847}" type="slidenum">
+              <a:rPr lang="en-US" smtClean="0"/>
+            </a:fld>
+            <a:endParaRPr lang="en-US"/>
+          </a:p>
+        </p:txBody>
+      </p:sp>
+      <p:sp>
+        <p:nvSpPr>
+          <p:cNvPr id="16" name="Footer Placeholder 15"/>
+          <p:cNvSpPr>
+            <a:spLocks noGrp="1"/>
+          </p:cNvSpPr>
+          <p:nvPr>
+            <p:ph type="ftr" sz="quarter" idx="11"/>
+          </p:nvPr>
+        </p:nvSpPr>
+        <p:spPr/>
+        <p:txBody>
+          <a:bodyPr/>
+          <a:p>
+            <a:r>
+              <a:rPr lang="en-US"/>
+              <a:t>Hoàng Minh Tài - 6051071102</a:t>
+            </a:r>
+            <a:endParaRPr lang="en-US"/>
+          </a:p>
+        </p:txBody>
+      </p:sp>
     </p:spTree>
   </p:cSld>
   <p:clrMapOvr>
@@ -12518,6 +13525,17 @@
 <file path=ppt/slides/slide5.xml><?xml version="1.0" encoding="utf-8"?>
 <p:sld xmlns:a="http://schemas.openxmlformats.org/drawingml/2006/main" xmlns:r="http://schemas.openxmlformats.org/officeDocument/2006/relationships" xmlns:p="http://schemas.openxmlformats.org/presentationml/2006/main">
   <p:cSld>
+    <p:bg>
+      <p:bgPr>
+        <a:blipFill>
+          <a:blip r:embed="rId1"/>
+          <a:stretch>
+            <a:fillRect/>
+          </a:stretch>
+        </a:blipFill>
+        <a:effectLst/>
+      </p:bgPr>
+    </p:bg>
     <p:spTree>
       <p:nvGrpSpPr>
         <p:cNvPr id="1" name=""/>
@@ -12537,197 +13555,189 @@
         </p:nvSpPr>
         <p:spPr>
           <a:xfrm>
-            <a:off x="839788" y="248285"/>
-            <a:ext cx="10515600" cy="1325563"/>
+            <a:off x="838200" y="365125"/>
+            <a:ext cx="10515600" cy="833755"/>
           </a:xfrm>
         </p:spPr>
         <p:txBody>
           <a:bodyPr anchor="ctr" anchorCtr="0"/>
           <a:p>
             <a:r>
-              <a:rPr lang="en-US" altLang="en-GB">
+              <a:rPr lang="en-US" altLang="en-GB" sz="2800" b="1">
                 <a:solidFill>
                   <a:schemeClr val="bg1"/>
                 </a:solidFill>
-                <a:sym typeface="+mn-ea"/>
+                <a:latin typeface="Segoe UI" panose="020B0502040204020203" charset="0"/>
+                <a:cs typeface="Segoe UI" panose="020B0502040204020203" charset="0"/>
               </a:rPr>
-              <a:t>Các công nghệ sử dụng</a:t>
-            </a:r>
-            <a:endParaRPr lang="en-US" altLang="en-GB">
+              <a:t>Giới thiệu về ứng dụng</a:t>
+            </a:r>
+            <a:endParaRPr lang="en-US" altLang="en-GB" sz="2800" b="1">
               <a:solidFill>
                 <a:schemeClr val="bg1"/>
               </a:solidFill>
-              <a:sym typeface="+mn-ea"/>
+              <a:latin typeface="Segoe UI" panose="020B0502040204020203" charset="0"/>
+              <a:cs typeface="Segoe UI" panose="020B0502040204020203" charset="0"/>
             </a:endParaRPr>
-          </a:p>
-        </p:txBody>
-      </p:sp>
-      <p:graphicFrame>
-        <p:nvGraphicFramePr>
-          <p:cNvPr id="12" name="Content Placeholder 11"/>
-          <p:cNvGraphicFramePr/>
-          <p:nvPr>
-            <p:ph sz="half" idx="2"/>
-          </p:nvPr>
-        </p:nvGraphicFramePr>
-        <p:xfrm>
-          <a:off x="839788" y="2505075"/>
-          <a:ext cx="5157470" cy="2132965"/>
-        </p:xfrm>
-        <a:graphic>
-          <a:graphicData uri="http://schemas.openxmlformats.org/drawingml/2006/table">
-            <a:tbl>
-              <a:tblPr firstRow="1" bandRow="1">
-                <a:tableStyleId>{5C22544A-7EE6-4342-B048-85BDC9FD1C3A}</a:tableStyleId>
-              </a:tblPr>
-              <a:tblGrid>
-                <a:gridCol w="2578735"/>
-                <a:gridCol w="2578735"/>
-              </a:tblGrid>
-              <a:tr h="1073785">
-                <a:tc gridSpan="2">
-                  <a:txBody>
-                    <a:bodyPr/>
-                    <a:p>
-                      <a:pPr algn="ctr">
-                        <a:buNone/>
-                      </a:pPr>
-                      <a:endParaRPr lang="en-GB" altLang="en-US">
-                        <a:solidFill>
-                          <a:schemeClr val="tx1"/>
-                        </a:solidFill>
-                      </a:endParaRPr>
-                    </a:p>
-                  </a:txBody>
-                  <a:tcPr>
-                    <a:noFill/>
-                  </a:tcPr>
-                </a:tc>
-                <a:tc hMerge="1">
-                  <a:tcPr>
-                    <a:noFill/>
-                  </a:tcPr>
-                </a:tc>
-              </a:tr>
-              <a:tr h="1059180">
-                <a:tc>
-                  <a:txBody>
-                    <a:bodyPr/>
-                    <a:p>
-                      <a:pPr>
-                        <a:buNone/>
-                      </a:pPr>
-                      <a:endParaRPr lang="en-GB" altLang="en-US"/>
-                    </a:p>
-                  </a:txBody>
-                  <a:tcPr>
-                    <a:noFill/>
-                  </a:tcPr>
-                </a:tc>
-                <a:tc>
-                  <a:txBody>
-                    <a:bodyPr/>
-                    <a:p>
-                      <a:pPr>
-                        <a:buNone/>
-                      </a:pPr>
-                      <a:endParaRPr lang="en-GB" altLang="en-US"/>
-                    </a:p>
-                  </a:txBody>
-                  <a:tcPr>
-                    <a:noFill/>
-                  </a:tcPr>
-                </a:tc>
-              </a:tr>
-            </a:tbl>
-          </a:graphicData>
-        </a:graphic>
-      </p:graphicFrame>
-      <p:sp>
-        <p:nvSpPr>
-          <p:cNvPr id="4" name="Text Placeholder 3"/>
-          <p:cNvSpPr>
-            <a:spLocks noGrp="1"/>
-          </p:cNvSpPr>
-          <p:nvPr>
-            <p:ph type="body" idx="1"/>
-          </p:nvPr>
-        </p:nvSpPr>
-        <p:spPr>
-          <a:xfrm>
-            <a:off x="598170" y="1483995"/>
-            <a:ext cx="6158865" cy="3372485"/>
-          </a:xfrm>
-        </p:spPr>
-        <p:txBody>
-          <a:bodyPr anchor="t" anchorCtr="0">
-            <a:noAutofit/>
-          </a:bodyPr>
-          <a:p>
-            <a:pPr marL="342900" indent="-342900" algn="just">
-              <a:lnSpc>
-                <a:spcPct val="160000"/>
-              </a:lnSpc>
-              <a:buFont typeface="Arial" panose="020B0604020202020204" pitchFamily="34" charset="0"/>
-              <a:buChar char="•"/>
-            </a:pPr>
-            <a:r>
-              <a:rPr lang="en-US" altLang="en-GB" sz="2200" b="0"/>
-              <a:t>Dependency Injection (DI): là một kỹ thuật lập trình giúp tách một class độc lập với các biến phụ thuộc. Với lập trình hướng đối tượng, chúng ta hầu như luôn phải làm việc với rất nhiều class trong một chương trình. Các class được liên kết với nhau theo một mối quan hệ nào đó. </a:t>
-            </a:r>
-            <a:endParaRPr lang="en-US" altLang="en-GB" sz="2200" b="0"/>
           </a:p>
         </p:txBody>
       </p:sp>
       <p:pic>
         <p:nvPicPr>
-          <p:cNvPr id="5" name="Picture 1" descr="IMG_256"/>
+          <p:cNvPr id="17" name="Content Placeholder 16" descr="E:\Workspace\My Document\Tốt nghiệp\Photos\SlidePic.pngSlidePic"/>
           <p:cNvPicPr>
             <a:picLocks noChangeAspect="1"/>
           </p:cNvPicPr>
           <p:nvPr>
-            <p:ph sz="quarter" idx="4"/>
+            <p:ph sz="half" idx="1"/>
           </p:nvPr>
         </p:nvPicPr>
         <p:blipFill>
-          <a:blip r:embed="rId1"/>
+          <a:blip r:embed="rId2"/>
+          <a:srcRect/>
           <a:stretch>
             <a:fillRect/>
           </a:stretch>
         </p:blipFill>
         <p:spPr>
           <a:xfrm>
-            <a:off x="6786245" y="1311275"/>
-            <a:ext cx="5408930" cy="3717925"/>
+            <a:off x="3802380" y="1905635"/>
+            <a:ext cx="4587240" cy="4351655"/>
           </a:xfrm>
           <a:prstGeom prst="rect">
             <a:avLst/>
           </a:prstGeom>
-          <a:noFill/>
-          <a:ln w="9525">
-            <a:noFill/>
-          </a:ln>
+          <a:effectLst>
+            <a:glow>
+              <a:schemeClr val="bg1">
+                <a:alpha val="40000"/>
+              </a:schemeClr>
+            </a:glow>
+            <a:outerShdw blurRad="63500" sx="102000" sy="102000" algn="ctr" rotWithShape="0">
+              <a:prstClr val="black">
+                <a:alpha val="40000"/>
+              </a:prstClr>
+            </a:outerShdw>
+          </a:effectLst>
         </p:spPr>
       </p:pic>
-      <p:sp>
-        <p:nvSpPr>
-          <p:cNvPr id="7" name="Text Placeholder 3"/>
-          <p:cNvSpPr>
-            <a:spLocks noGrp="1"/>
-          </p:cNvSpPr>
+      <p:pic>
+        <p:nvPicPr>
+          <p:cNvPr id="5" name="Picture 4" descr="E:\Workspace\My Document\Tốt nghiệp\Photos\R-removebg-preview.pngR-removebg-preview"/>
+          <p:cNvPicPr>
+            <a:picLocks noChangeAspect="1"/>
+          </p:cNvPicPr>
           <p:nvPr/>
-        </p:nvSpPr>
+        </p:nvPicPr>
+        <p:blipFill>
+          <a:blip r:embed="rId3"/>
+          <a:srcRect/>
+          <a:stretch>
+            <a:fillRect/>
+          </a:stretch>
+        </p:blipFill>
         <p:spPr>
           <a:xfrm>
-            <a:off x="840105" y="4856480"/>
-            <a:ext cx="9945370" cy="1062355"/>
+            <a:off x="2092325" y="2272030"/>
+            <a:ext cx="1801495" cy="1560195"/>
+          </a:xfrm>
+          <a:prstGeom prst="rect">
+            <a:avLst/>
+          </a:prstGeom>
+          <a:effectLst>
+            <a:outerShdw blurRad="177800" dist="38100" dir="18900000" algn="bl" rotWithShape="0">
+              <a:prstClr val="black">
+                <a:alpha val="27000"/>
+              </a:prstClr>
+            </a:outerShdw>
+          </a:effectLst>
+        </p:spPr>
+      </p:pic>
+      <p:pic>
+        <p:nvPicPr>
+          <p:cNvPr id="7" name="Picture 6" descr="E:\Workspace\My Document\Tốt nghiệp\Photos\2721990-removebg-preview.png2721990-removebg-preview"/>
+          <p:cNvPicPr>
+            <a:picLocks noChangeAspect="1"/>
+          </p:cNvPicPr>
+          <p:nvPr/>
+        </p:nvPicPr>
+        <p:blipFill>
+          <a:blip r:embed="rId4"/>
+          <a:srcRect/>
+          <a:stretch>
+            <a:fillRect/>
+          </a:stretch>
+        </p:blipFill>
+        <p:spPr>
+          <a:xfrm>
+            <a:off x="8389620" y="1804670"/>
+            <a:ext cx="2495550" cy="2495550"/>
+          </a:xfrm>
+          <a:prstGeom prst="rect">
+            <a:avLst/>
+          </a:prstGeom>
+          <a:effectLst>
+            <a:outerShdw blurRad="177800" dist="38100" dir="18900000" algn="bl" rotWithShape="0">
+              <a:prstClr val="black">
+                <a:alpha val="27000"/>
+              </a:prstClr>
+            </a:outerShdw>
+          </a:effectLst>
+        </p:spPr>
+      </p:pic>
+      <p:pic>
+        <p:nvPicPr>
+          <p:cNvPr id="13" name="Content Placeholder 12" descr="E:\Workspace\My Document\Tốt nghiệp\Photos\5355757-removebg-preview.png5355757-removebg-preview"/>
+          <p:cNvPicPr>
+            <a:picLocks noChangeAspect="1"/>
+          </p:cNvPicPr>
+          <p:nvPr>
+            <p:ph sz="half" idx="2"/>
+          </p:nvPr>
+        </p:nvPicPr>
+        <p:blipFill>
+          <a:blip r:embed="rId5"/>
+          <a:srcRect/>
+          <a:stretch>
+            <a:fillRect/>
+          </a:stretch>
+        </p:blipFill>
+        <p:spPr>
+          <a:xfrm>
+            <a:off x="2244725" y="4430395"/>
+            <a:ext cx="1649095" cy="1649095"/>
+          </a:xfrm>
+          <a:prstGeom prst="rect">
+            <a:avLst/>
+          </a:prstGeom>
+          <a:effectLst>
+            <a:outerShdw blurRad="177800" dist="38100" dir="18900000" algn="bl" rotWithShape="0">
+              <a:prstClr val="black">
+                <a:alpha val="27000"/>
+              </a:prstClr>
+            </a:outerShdw>
+          </a:effectLst>
+        </p:spPr>
+      </p:pic>
+      <p:sp>
+        <p:nvSpPr>
+          <p:cNvPr id="14" name="Text Placeholder 3"/>
+          <p:cNvSpPr>
+            <a:spLocks noGrp="1"/>
+          </p:cNvSpPr>
+          <p:nvPr/>
+        </p:nvSpPr>
+        <p:spPr>
+          <a:xfrm>
+            <a:off x="847725" y="1588770"/>
+            <a:ext cx="3456940" cy="510540"/>
           </a:xfrm>
           <a:prstGeom prst="rect">
             <a:avLst/>
           </a:prstGeom>
         </p:spPr>
         <p:txBody>
-          <a:bodyPr vert="horz" lIns="91440" tIns="45720" rIns="91440" bIns="45720" rtlCol="0" anchor="t" anchorCtr="0">
+          <a:bodyPr vert="horz" lIns="91440" tIns="45720" rIns="91440" bIns="45720" rtlCol="0" anchor="b">
             <a:noAutofit/>
           </a:bodyPr>
           <a:lstStyle>
@@ -12895,17 +13905,162 @@
             </a:lvl9pPr>
           </a:lstStyle>
           <a:p>
+            <a:pPr marL="457200" indent="-457200">
+              <a:lnSpc>
+                <a:spcPct val="150000"/>
+              </a:lnSpc>
+              <a:buAutoNum type="arabicPeriod"/>
+            </a:pPr>
+            <a:endParaRPr lang="en-US" altLang="en-GB" b="0">
+              <a:solidFill>
+                <a:srgbClr val="002060"/>
+              </a:solidFill>
+              <a:latin typeface="Segoe UI" panose="020B0502040204020203" charset="0"/>
+              <a:cs typeface="Segoe UI" panose="020B0502040204020203" charset="0"/>
+            </a:endParaRPr>
+          </a:p>
+          <a:p>
+            <a:pPr marL="457200" indent="-457200">
+              <a:lnSpc>
+                <a:spcPct val="150000"/>
+              </a:lnSpc>
+              <a:buAutoNum type="arabicPeriod"/>
+            </a:pPr>
+            <a:endParaRPr lang="en-US" altLang="en-GB" b="0">
+              <a:solidFill>
+                <a:srgbClr val="002060"/>
+              </a:solidFill>
+              <a:latin typeface="Segoe UI" panose="020B0502040204020203" charset="0"/>
+              <a:cs typeface="Segoe UI" panose="020B0502040204020203" charset="0"/>
+            </a:endParaRPr>
+          </a:p>
+          <a:p>
+            <a:pPr marL="457200" indent="-457200">
+              <a:lnSpc>
+                <a:spcPct val="150000"/>
+              </a:lnSpc>
+              <a:buAutoNum type="arabicPeriod"/>
+            </a:pPr>
+            <a:endParaRPr lang="en-US" altLang="en-GB" b="0">
+              <a:solidFill>
+                <a:srgbClr val="002060"/>
+              </a:solidFill>
+              <a:latin typeface="Segoe UI" panose="020B0502040204020203" charset="0"/>
+              <a:cs typeface="Segoe UI" panose="020B0502040204020203" charset="0"/>
+            </a:endParaRPr>
+          </a:p>
+          <a:p>
             <a:pPr>
               <a:lnSpc>
-                <a:spcPct val="160000"/>
-              </a:lnSpc>
-              <a:buFont typeface="Arial" panose="020B0604020202020204" pitchFamily="34" charset="0"/>
+                <a:spcPct val="150000"/>
+              </a:lnSpc>
             </a:pPr>
-            <a:r>
-              <a:rPr lang="en-US" altLang="en-GB" sz="2200" b="0"/>
-              <a:t>Dependency là một loại quan hệ giữa 2 class mà trong đó một class hoạt động độc lập và class còn lại phụ thuộc bởi class kia.</a:t>
-            </a:r>
-            <a:endParaRPr lang="en-US" altLang="en-GB" sz="2200" b="0"/>
+            <a:endParaRPr lang="en-US" altLang="en-GB" b="0">
+              <a:solidFill>
+                <a:srgbClr val="002060"/>
+              </a:solidFill>
+              <a:latin typeface="Segoe UI" panose="020B0502040204020203" charset="0"/>
+              <a:cs typeface="Segoe UI" panose="020B0502040204020203" charset="0"/>
+            </a:endParaRPr>
+          </a:p>
+          <a:p>
+            <a:pPr>
+              <a:lnSpc>
+                <a:spcPct val="150000"/>
+              </a:lnSpc>
+            </a:pPr>
+            <a:r>
+              <a:rPr lang="en-US" altLang="en-GB" b="0">
+                <a:solidFill>
+                  <a:srgbClr val="002060"/>
+                </a:solidFill>
+                <a:latin typeface="Segoe UI" panose="020B0502040204020203" charset="0"/>
+                <a:cs typeface="Segoe UI" panose="020B0502040204020203" charset="0"/>
+              </a:rPr>
+              <a:t>Các tính năng nổi bật</a:t>
+            </a:r>
+            <a:endParaRPr lang="en-US" altLang="en-GB" b="0">
+              <a:solidFill>
+                <a:srgbClr val="002060"/>
+              </a:solidFill>
+              <a:latin typeface="Segoe UI" panose="020B0502040204020203" charset="0"/>
+              <a:cs typeface="Segoe UI" panose="020B0502040204020203" charset="0"/>
+            </a:endParaRPr>
+          </a:p>
+        </p:txBody>
+      </p:sp>
+      <p:pic>
+        <p:nvPicPr>
+          <p:cNvPr id="3" name="Picture 2" descr="E:\Workspace\My Document\Tốt nghiệp\Photos\3315887-removebg-preview.png3315887-removebg-preview"/>
+          <p:cNvPicPr>
+            <a:picLocks noChangeAspect="1"/>
+          </p:cNvPicPr>
+          <p:nvPr/>
+        </p:nvPicPr>
+        <p:blipFill>
+          <a:blip r:embed="rId6"/>
+          <a:srcRect/>
+          <a:stretch>
+            <a:fillRect/>
+          </a:stretch>
+        </p:blipFill>
+        <p:spPr>
+          <a:xfrm>
+            <a:off x="8495665" y="3973195"/>
+            <a:ext cx="2283460" cy="2284095"/>
+          </a:xfrm>
+          <a:prstGeom prst="rect">
+            <a:avLst/>
+          </a:prstGeom>
+          <a:effectLst>
+            <a:outerShdw blurRad="177800" dist="38100" dir="18900000" algn="bl" rotWithShape="0">
+              <a:prstClr val="black">
+                <a:alpha val="27000"/>
+              </a:prstClr>
+            </a:outerShdw>
+          </a:effectLst>
+        </p:spPr>
+      </p:pic>
+      <p:sp>
+        <p:nvSpPr>
+          <p:cNvPr id="4" name="Slide Number Placeholder 3"/>
+          <p:cNvSpPr>
+            <a:spLocks noGrp="1"/>
+          </p:cNvSpPr>
+          <p:nvPr>
+            <p:ph type="sldNum" sz="quarter" idx="12"/>
+          </p:nvPr>
+        </p:nvSpPr>
+        <p:spPr/>
+        <p:txBody>
+          <a:bodyPr/>
+          <a:p>
+            <a:fld id="{3C4FCFE7-4CFC-4698-A5C8-57D6C94FD847}" type="slidenum">
+              <a:rPr lang="en-US" smtClean="0"/>
+            </a:fld>
+            <a:endParaRPr lang="en-US"/>
+          </a:p>
+        </p:txBody>
+      </p:sp>
+      <p:sp>
+        <p:nvSpPr>
+          <p:cNvPr id="6" name="Footer Placeholder 5"/>
+          <p:cNvSpPr>
+            <a:spLocks noGrp="1"/>
+          </p:cNvSpPr>
+          <p:nvPr>
+            <p:ph type="ftr" sz="quarter" idx="11"/>
+          </p:nvPr>
+        </p:nvSpPr>
+        <p:spPr/>
+        <p:txBody>
+          <a:bodyPr/>
+          <a:p>
+            <a:r>
+              <a:rPr lang="en-US"/>
+              <a:t>Hoàng Minh Tài - 6051071102</a:t>
+            </a:r>
+            <a:endParaRPr lang="en-US"/>
           </a:p>
         </p:txBody>
       </p:sp>
@@ -12932,6 +14087,17 @@
 <file path=ppt/slides/slide6.xml><?xml version="1.0" encoding="utf-8"?>
 <p:sld xmlns:a="http://schemas.openxmlformats.org/drawingml/2006/main" xmlns:r="http://schemas.openxmlformats.org/officeDocument/2006/relationships" xmlns:p="http://schemas.openxmlformats.org/presentationml/2006/main">
   <p:cSld>
+    <p:bg>
+      <p:bgPr>
+        <a:blipFill>
+          <a:blip r:embed="rId1"/>
+          <a:stretch>
+            <a:fillRect/>
+          </a:stretch>
+        </a:blipFill>
+        <a:effectLst/>
+      </p:bgPr>
+    </p:bg>
     <p:spTree>
       <p:nvGrpSpPr>
         <p:cNvPr id="1" name=""/>
@@ -12951,167 +14117,189 @@
         </p:nvSpPr>
         <p:spPr>
           <a:xfrm>
-            <a:off x="839788" y="248285"/>
-            <a:ext cx="10515600" cy="1325563"/>
+            <a:off x="838200" y="365125"/>
+            <a:ext cx="10515600" cy="833755"/>
           </a:xfrm>
         </p:spPr>
         <p:txBody>
           <a:bodyPr anchor="ctr" anchorCtr="0"/>
           <a:p>
             <a:r>
-              <a:rPr lang="en-US" altLang="en-GB">
+              <a:rPr lang="en-US" altLang="en-GB" sz="2800" b="1">
                 <a:solidFill>
                   <a:schemeClr val="bg1"/>
                 </a:solidFill>
-                <a:sym typeface="+mn-ea"/>
+                <a:latin typeface="Segoe UI" panose="020B0502040204020203" charset="0"/>
+                <a:cs typeface="Segoe UI" panose="020B0502040204020203" charset="0"/>
               </a:rPr>
-              <a:t>Các công nghệ sử dụng</a:t>
-            </a:r>
-            <a:endParaRPr lang="en-US" altLang="en-GB">
+              <a:t>Giới thiệu về hệ thống đề xuất nội dung</a:t>
+            </a:r>
+            <a:endParaRPr lang="en-US" altLang="en-GB" sz="2800" b="1">
               <a:solidFill>
                 <a:schemeClr val="bg1"/>
               </a:solidFill>
-              <a:sym typeface="+mn-ea"/>
+              <a:latin typeface="Segoe UI" panose="020B0502040204020203" charset="0"/>
+              <a:cs typeface="Segoe UI" panose="020B0502040204020203" charset="0"/>
             </a:endParaRPr>
           </a:p>
         </p:txBody>
       </p:sp>
-      <p:graphicFrame>
-        <p:nvGraphicFramePr>
-          <p:cNvPr id="12" name="Content Placeholder 11"/>
-          <p:cNvGraphicFramePr/>
-          <p:nvPr>
-            <p:ph sz="half" idx="2"/>
-          </p:nvPr>
-        </p:nvGraphicFramePr>
-        <p:xfrm>
-          <a:off x="839788" y="2505075"/>
-          <a:ext cx="5157470" cy="2132965"/>
-        </p:xfrm>
-        <a:graphic>
-          <a:graphicData uri="http://schemas.openxmlformats.org/drawingml/2006/table">
-            <a:tbl>
-              <a:tblPr firstRow="1" bandRow="1">
-                <a:tableStyleId>{5C22544A-7EE6-4342-B048-85BDC9FD1C3A}</a:tableStyleId>
-              </a:tblPr>
-              <a:tblGrid>
-                <a:gridCol w="2578735"/>
-                <a:gridCol w="2578735"/>
-              </a:tblGrid>
-              <a:tr h="1073785">
-                <a:tc gridSpan="2">
-                  <a:txBody>
-                    <a:bodyPr/>
-                    <a:p>
-                      <a:pPr algn="ctr">
-                        <a:buNone/>
-                      </a:pPr>
-                      <a:endParaRPr lang="en-GB" altLang="en-US">
-                        <a:solidFill>
-                          <a:schemeClr val="tx1"/>
-                        </a:solidFill>
-                      </a:endParaRPr>
-                    </a:p>
-                  </a:txBody>
-                  <a:tcPr>
-                    <a:noFill/>
-                  </a:tcPr>
-                </a:tc>
-                <a:tc hMerge="1">
-                  <a:tcPr>
-                    <a:noFill/>
-                  </a:tcPr>
-                </a:tc>
-              </a:tr>
-              <a:tr h="1059180">
-                <a:tc>
-                  <a:txBody>
-                    <a:bodyPr/>
-                    <a:p>
-                      <a:pPr>
-                        <a:buNone/>
-                      </a:pPr>
-                      <a:endParaRPr lang="en-GB" altLang="en-US"/>
-                    </a:p>
-                  </a:txBody>
-                  <a:tcPr>
-                    <a:noFill/>
-                  </a:tcPr>
-                </a:tc>
-                <a:tc>
-                  <a:txBody>
-                    <a:bodyPr/>
-                    <a:p>
-                      <a:pPr>
-                        <a:buNone/>
-                      </a:pPr>
-                      <a:endParaRPr lang="en-GB" altLang="en-US"/>
-                    </a:p>
-                  </a:txBody>
-                  <a:tcPr>
-                    <a:noFill/>
-                  </a:tcPr>
-                </a:tc>
-              </a:tr>
-            </a:tbl>
-          </a:graphicData>
-        </a:graphic>
-      </p:graphicFrame>
-      <p:sp>
-        <p:nvSpPr>
-          <p:cNvPr id="4" name="Text Placeholder 3"/>
-          <p:cNvSpPr>
-            <a:spLocks noGrp="1"/>
-          </p:cNvSpPr>
-          <p:nvPr>
-            <p:ph type="body" idx="1"/>
-          </p:nvPr>
-        </p:nvSpPr>
+      <p:pic>
+        <p:nvPicPr>
+          <p:cNvPr id="17" name="Content Placeholder 16" descr="E:\Workspace\My Document\Tốt nghiệp\Photos\SlidePic.pngSlidePic"/>
+          <p:cNvPicPr>
+            <a:picLocks noChangeAspect="1"/>
+          </p:cNvPicPr>
+          <p:nvPr>
+            <p:ph sz="half" idx="1"/>
+          </p:nvPr>
+        </p:nvPicPr>
+        <p:blipFill>
+          <a:blip r:embed="rId2"/>
+          <a:srcRect/>
+          <a:stretch>
+            <a:fillRect/>
+          </a:stretch>
+        </p:blipFill>
         <p:spPr>
           <a:xfrm>
-            <a:off x="598170" y="1483995"/>
-            <a:ext cx="5082540" cy="3372485"/>
+            <a:off x="3802380" y="1905635"/>
+            <a:ext cx="4587240" cy="4351655"/>
           </a:xfrm>
+          <a:prstGeom prst="rect">
+            <a:avLst/>
+          </a:prstGeom>
+          <a:effectLst>
+            <a:glow>
+              <a:schemeClr val="bg1">
+                <a:alpha val="40000"/>
+              </a:schemeClr>
+            </a:glow>
+            <a:outerShdw blurRad="63500" sx="102000" sy="102000" algn="ctr" rotWithShape="0">
+              <a:prstClr val="black">
+                <a:alpha val="40000"/>
+              </a:prstClr>
+            </a:outerShdw>
+          </a:effectLst>
         </p:spPr>
-        <p:txBody>
-          <a:bodyPr anchor="t" anchorCtr="0">
-            <a:noAutofit/>
-          </a:bodyPr>
-          <a:p>
-            <a:pPr marL="342900" indent="-342900" algn="just">
-              <a:lnSpc>
-                <a:spcPct val="160000"/>
-              </a:lnSpc>
-              <a:buFont typeface="Arial" panose="020B0604020202020204" pitchFamily="34" charset="0"/>
-              <a:buChar char="•"/>
-            </a:pPr>
-            <a:r>
-              <a:rPr lang="en-US" altLang="en-GB" sz="2200" b="0"/>
-              <a:t>Angular là một framework FE và được viết bằng TypeScript. Google tạo ra framework này với mục đích viết nên giao diện web đạt hiệu quả tốt về cả thời gian và trải nghiệm. </a:t>
-            </a:r>
-            <a:endParaRPr lang="en-US" altLang="en-GB" sz="2200" b="0"/>
-          </a:p>
-        </p:txBody>
-      </p:sp>
-      <p:sp>
-        <p:nvSpPr>
-          <p:cNvPr id="7" name="Text Placeholder 3"/>
-          <p:cNvSpPr>
-            <a:spLocks noGrp="1"/>
-          </p:cNvSpPr>
+      </p:pic>
+      <p:pic>
+        <p:nvPicPr>
+          <p:cNvPr id="5" name="Picture 4" descr="E:\Workspace\My Document\Tốt nghiệp\Photos\OIP-removebg-preview.pngOIP-removebg-preview"/>
+          <p:cNvPicPr>
+            <a:picLocks noChangeAspect="1"/>
+          </p:cNvPicPr>
           <p:nvPr/>
-        </p:nvSpPr>
+        </p:nvPicPr>
+        <p:blipFill>
+          <a:blip r:embed="rId3"/>
+          <a:srcRect/>
+          <a:stretch>
+            <a:fillRect/>
+          </a:stretch>
+        </p:blipFill>
         <p:spPr>
           <a:xfrm>
-            <a:off x="840105" y="4358640"/>
-            <a:ext cx="8828405" cy="1680210"/>
+            <a:off x="1481138" y="1905635"/>
+            <a:ext cx="2421255" cy="2421890"/>
+          </a:xfrm>
+          <a:prstGeom prst="rect">
+            <a:avLst/>
+          </a:prstGeom>
+          <a:effectLst>
+            <a:outerShdw blurRad="177800" dist="38100" dir="18900000" algn="bl" rotWithShape="0">
+              <a:prstClr val="black">
+                <a:alpha val="27000"/>
+              </a:prstClr>
+            </a:outerShdw>
+          </a:effectLst>
+        </p:spPr>
+      </p:pic>
+      <p:pic>
+        <p:nvPicPr>
+          <p:cNvPr id="7" name="Picture 6" descr="E:\Workspace\My Document\Tốt nghiệp\Photos\jupyter_white-removebg-preview.pngjupyter_white-removebg-preview"/>
+          <p:cNvPicPr>
+            <a:picLocks noChangeAspect="1"/>
+          </p:cNvPicPr>
+          <p:nvPr/>
+        </p:nvPicPr>
+        <p:blipFill>
+          <a:blip r:embed="rId4"/>
+          <a:srcRect/>
+          <a:stretch>
+            <a:fillRect/>
+          </a:stretch>
+        </p:blipFill>
+        <p:spPr>
+          <a:xfrm>
+            <a:off x="8220075" y="2534920"/>
+            <a:ext cx="3092450" cy="3093085"/>
+          </a:xfrm>
+          <a:prstGeom prst="rect">
+            <a:avLst/>
+          </a:prstGeom>
+          <a:effectLst>
+            <a:outerShdw blurRad="177800" dist="38100" dir="18900000" algn="bl" rotWithShape="0">
+              <a:prstClr val="black">
+                <a:alpha val="27000"/>
+              </a:prstClr>
+            </a:outerShdw>
+          </a:effectLst>
+        </p:spPr>
+      </p:pic>
+      <p:pic>
+        <p:nvPicPr>
+          <p:cNvPr id="13" name="Content Placeholder 12" descr="E:\Workspace\My Document\Tốt nghiệp\Photos\flask-logo-png-transparent-removebg-preview.pngflask-logo-png-transparent-removebg-preview"/>
+          <p:cNvPicPr>
+            <a:picLocks noChangeAspect="1"/>
+          </p:cNvPicPr>
+          <p:nvPr>
+            <p:ph sz="half" idx="2"/>
+          </p:nvPr>
+        </p:nvPicPr>
+        <p:blipFill>
+          <a:blip r:embed="rId5"/>
+          <a:srcRect/>
+          <a:stretch>
+            <a:fillRect/>
+          </a:stretch>
+        </p:blipFill>
+        <p:spPr>
+          <a:xfrm>
+            <a:off x="1809433" y="3917315"/>
+            <a:ext cx="1672590" cy="2146935"/>
+          </a:xfrm>
+          <a:prstGeom prst="rect">
+            <a:avLst/>
+          </a:prstGeom>
+          <a:effectLst>
+            <a:outerShdw blurRad="177800" dist="38100" dir="18900000" algn="bl" rotWithShape="0">
+              <a:prstClr val="black">
+                <a:alpha val="27000"/>
+              </a:prstClr>
+            </a:outerShdw>
+          </a:effectLst>
+        </p:spPr>
+      </p:pic>
+      <p:sp>
+        <p:nvSpPr>
+          <p:cNvPr id="14" name="Text Placeholder 3"/>
+          <p:cNvSpPr>
+            <a:spLocks noGrp="1"/>
+          </p:cNvSpPr>
+          <p:nvPr/>
+        </p:nvSpPr>
+        <p:spPr>
+          <a:xfrm>
+            <a:off x="847725" y="1588770"/>
+            <a:ext cx="3456940" cy="510540"/>
           </a:xfrm>
           <a:prstGeom prst="rect">
             <a:avLst/>
           </a:prstGeom>
         </p:spPr>
         <p:txBody>
-          <a:bodyPr vert="horz" lIns="91440" tIns="45720" rIns="91440" bIns="45720" rtlCol="0" anchor="t" anchorCtr="0">
+          <a:bodyPr vert="horz" lIns="91440" tIns="45720" rIns="91440" bIns="45720" rtlCol="0" anchor="b">
             <a:noAutofit/>
           </a:bodyPr>
           <a:lstStyle>
@@ -13279,48 +14467,133 @@
             </a:lvl9pPr>
           </a:lstStyle>
           <a:p>
-            <a:pPr algn="just">
-              <a:lnSpc>
-                <a:spcPct val="160000"/>
-              </a:lnSpc>
-              <a:buFont typeface="Arial" panose="020B0604020202020204" pitchFamily="34" charset="0"/>
+            <a:pPr marL="457200" indent="-457200">
+              <a:lnSpc>
+                <a:spcPct val="150000"/>
+              </a:lnSpc>
+              <a:buAutoNum type="arabicPeriod"/>
             </a:pPr>
-            <a:r>
-              <a:rPr lang="en-US" altLang="en-GB" sz="2200" b="0">
-                <a:sym typeface="+mn-ea"/>
+            <a:endParaRPr lang="en-US" altLang="en-GB" b="0">
+              <a:solidFill>
+                <a:srgbClr val="002060"/>
+              </a:solidFill>
+              <a:latin typeface="Segoe UI" panose="020B0502040204020203" charset="0"/>
+              <a:cs typeface="Segoe UI" panose="020B0502040204020203" charset="0"/>
+            </a:endParaRPr>
+          </a:p>
+          <a:p>
+            <a:pPr marL="457200" indent="-457200">
+              <a:lnSpc>
+                <a:spcPct val="150000"/>
+              </a:lnSpc>
+              <a:buAutoNum type="arabicPeriod"/>
+            </a:pPr>
+            <a:endParaRPr lang="en-US" altLang="en-GB" b="0">
+              <a:solidFill>
+                <a:srgbClr val="002060"/>
+              </a:solidFill>
+              <a:latin typeface="Segoe UI" panose="020B0502040204020203" charset="0"/>
+              <a:cs typeface="Segoe UI" panose="020B0502040204020203" charset="0"/>
+            </a:endParaRPr>
+          </a:p>
+          <a:p>
+            <a:pPr marL="457200" indent="-457200">
+              <a:lnSpc>
+                <a:spcPct val="150000"/>
+              </a:lnSpc>
+              <a:buAutoNum type="arabicPeriod"/>
+            </a:pPr>
+            <a:endParaRPr lang="en-US" altLang="en-GB" b="0">
+              <a:solidFill>
+                <a:srgbClr val="002060"/>
+              </a:solidFill>
+              <a:latin typeface="Segoe UI" panose="020B0502040204020203" charset="0"/>
+              <a:cs typeface="Segoe UI" panose="020B0502040204020203" charset="0"/>
+            </a:endParaRPr>
+          </a:p>
+          <a:p>
+            <a:pPr>
+              <a:lnSpc>
+                <a:spcPct val="150000"/>
+              </a:lnSpc>
+            </a:pPr>
+            <a:endParaRPr lang="en-US" altLang="en-GB" b="0">
+              <a:solidFill>
+                <a:srgbClr val="002060"/>
+              </a:solidFill>
+              <a:latin typeface="Segoe UI" panose="020B0502040204020203" charset="0"/>
+              <a:cs typeface="Segoe UI" panose="020B0502040204020203" charset="0"/>
+            </a:endParaRPr>
+          </a:p>
+          <a:p>
+            <a:pPr>
+              <a:lnSpc>
+                <a:spcPct val="150000"/>
+              </a:lnSpc>
+            </a:pPr>
+            <a:r>
+              <a:rPr lang="en-US" altLang="en-GB" b="0">
+                <a:solidFill>
+                  <a:srgbClr val="002060"/>
+                </a:solidFill>
+                <a:latin typeface="Segoe UI" panose="020B0502040204020203" charset="0"/>
+                <a:cs typeface="Segoe UI" panose="020B0502040204020203" charset="0"/>
               </a:rPr>
-              <a:t>Không chỉ đem lại những lợi ích như một framework, mà Angular còn giữ nguyên cấu trúc như ngôn ngữ lập trình tiêu chuẩn. Điều đó giúp các nhà phát triển vừa dễ mở rộng dự án cũng như việc bảo trì.</a:t>
-            </a:r>
-            <a:endParaRPr lang="en-US" altLang="en-GB" sz="2200" b="0"/>
-          </a:p>
-        </p:txBody>
-      </p:sp>
-      <p:pic>
-        <p:nvPicPr>
-          <p:cNvPr id="101" name="Picture 100"/>
-          <p:cNvPicPr/>
-          <p:nvPr/>
-        </p:nvPicPr>
-        <p:blipFill>
-          <a:blip r:embed="rId1"/>
-          <a:stretch>
-            <a:fillRect/>
-          </a:stretch>
-        </p:blipFill>
-        <p:spPr>
-          <a:xfrm>
-            <a:off x="5997575" y="1617980"/>
-            <a:ext cx="5855970" cy="2896870"/>
-          </a:xfrm>
-          <a:prstGeom prst="rect">
-            <a:avLst/>
-          </a:prstGeom>
-          <a:noFill/>
-          <a:ln w="9525">
-            <a:noFill/>
-          </a:ln>
-        </p:spPr>
-      </p:pic>
+              <a:t>Các công nghệ</a:t>
+            </a:r>
+            <a:endParaRPr lang="en-US" altLang="en-GB" b="0">
+              <a:solidFill>
+                <a:srgbClr val="002060"/>
+              </a:solidFill>
+              <a:latin typeface="Segoe UI" panose="020B0502040204020203" charset="0"/>
+              <a:cs typeface="Segoe UI" panose="020B0502040204020203" charset="0"/>
+            </a:endParaRPr>
+          </a:p>
+        </p:txBody>
+      </p:sp>
+      <p:sp>
+        <p:nvSpPr>
+          <p:cNvPr id="3" name="Slide Number Placeholder 2"/>
+          <p:cNvSpPr>
+            <a:spLocks noGrp="1"/>
+          </p:cNvSpPr>
+          <p:nvPr>
+            <p:ph type="sldNum" sz="quarter" idx="12"/>
+          </p:nvPr>
+        </p:nvSpPr>
+        <p:spPr/>
+        <p:txBody>
+          <a:bodyPr/>
+          <a:p>
+            <a:fld id="{3C4FCFE7-4CFC-4698-A5C8-57D6C94FD847}" type="slidenum">
+              <a:rPr lang="en-US" smtClean="0"/>
+            </a:fld>
+            <a:endParaRPr lang="en-US"/>
+          </a:p>
+        </p:txBody>
+      </p:sp>
+      <p:sp>
+        <p:nvSpPr>
+          <p:cNvPr id="4" name="Footer Placeholder 3"/>
+          <p:cNvSpPr>
+            <a:spLocks noGrp="1"/>
+          </p:cNvSpPr>
+          <p:nvPr>
+            <p:ph type="ftr" sz="quarter" idx="11"/>
+          </p:nvPr>
+        </p:nvSpPr>
+        <p:spPr/>
+        <p:txBody>
+          <a:bodyPr/>
+          <a:p>
+            <a:r>
+              <a:rPr lang="en-US"/>
+              <a:t>Hoàng Minh Tài - 6051071102</a:t>
+            </a:r>
+            <a:endParaRPr lang="en-US"/>
+          </a:p>
+        </p:txBody>
+      </p:sp>
     </p:spTree>
   </p:cSld>
   <p:clrMapOvr>
@@ -13344,6 +14617,17 @@
 <file path=ppt/slides/slide7.xml><?xml version="1.0" encoding="utf-8"?>
 <p:sld xmlns:a="http://schemas.openxmlformats.org/drawingml/2006/main" xmlns:r="http://schemas.openxmlformats.org/officeDocument/2006/relationships" xmlns:p="http://schemas.openxmlformats.org/presentationml/2006/main">
   <p:cSld>
+    <p:bg>
+      <p:bgPr>
+        <a:blipFill>
+          <a:blip r:embed="rId1"/>
+          <a:stretch>
+            <a:fillRect/>
+          </a:stretch>
+        </a:blipFill>
+        <a:effectLst/>
+      </p:bgPr>
+    </p:bg>
     <p:spTree>
       <p:nvGrpSpPr>
         <p:cNvPr id="1" name=""/>
@@ -13363,131 +14647,189 @@
         </p:nvSpPr>
         <p:spPr>
           <a:xfrm>
-            <a:off x="838200" y="219075"/>
-            <a:ext cx="10515600" cy="1325563"/>
+            <a:off x="838200" y="365125"/>
+            <a:ext cx="10515600" cy="833755"/>
           </a:xfrm>
         </p:spPr>
         <p:txBody>
           <a:bodyPr anchor="ctr" anchorCtr="0"/>
           <a:p>
             <a:r>
-              <a:rPr lang="en-US" altLang="en-GB">
+              <a:rPr lang="en-US" altLang="en-GB" sz="2800" b="1">
                 <a:solidFill>
                   <a:schemeClr val="bg1"/>
                 </a:solidFill>
-                <a:sym typeface="+mn-ea"/>
+                <a:latin typeface="Segoe UI" panose="020B0502040204020203" charset="0"/>
+                <a:cs typeface="Segoe UI" panose="020B0502040204020203" charset="0"/>
               </a:rPr>
-              <a:t>Các công nghệ sử dụng</a:t>
-            </a:r>
-            <a:endParaRPr lang="en-US" altLang="en-GB">
+              <a:t>Giới thiệu về hệ thống đề xuất nội dung</a:t>
+            </a:r>
+            <a:endParaRPr lang="en-US" altLang="en-GB" sz="2800" b="1">
               <a:solidFill>
                 <a:schemeClr val="bg1"/>
               </a:solidFill>
-              <a:sym typeface="+mn-ea"/>
+              <a:latin typeface="Segoe UI" panose="020B0502040204020203" charset="0"/>
+              <a:cs typeface="Segoe UI" panose="020B0502040204020203" charset="0"/>
             </a:endParaRPr>
           </a:p>
         </p:txBody>
       </p:sp>
-      <p:graphicFrame>
-        <p:nvGraphicFramePr>
-          <p:cNvPr id="12" name="Content Placeholder 11"/>
-          <p:cNvGraphicFramePr/>
+      <p:pic>
+        <p:nvPicPr>
+          <p:cNvPr id="17" name="Content Placeholder 16" descr="E:\Workspace\My Document\Tốt nghiệp\Photos\SlidePic.pngSlidePic"/>
+          <p:cNvPicPr>
+            <a:picLocks noChangeAspect="1"/>
+          </p:cNvPicPr>
           <p:nvPr>
             <p:ph sz="half" idx="1"/>
           </p:nvPr>
-        </p:nvGraphicFramePr>
-        <p:xfrm>
-          <a:off x="838200" y="1825625"/>
-          <a:ext cx="5181600" cy="2132965"/>
-        </p:xfrm>
-        <a:graphic>
-          <a:graphicData uri="http://schemas.openxmlformats.org/drawingml/2006/table">
-            <a:tbl>
-              <a:tblPr firstRow="1" bandRow="1">
-                <a:tableStyleId>{5C22544A-7EE6-4342-B048-85BDC9FD1C3A}</a:tableStyleId>
-              </a:tblPr>
-              <a:tblGrid>
-                <a:gridCol w="2590800"/>
-                <a:gridCol w="2590800"/>
-              </a:tblGrid>
-              <a:tr h="1073785">
-                <a:tc gridSpan="2">
-                  <a:txBody>
-                    <a:bodyPr/>
-                    <a:p>
-                      <a:pPr algn="ctr">
-                        <a:buNone/>
-                      </a:pPr>
-                      <a:endParaRPr lang="en-GB" altLang="en-US">
-                        <a:solidFill>
-                          <a:schemeClr val="tx1"/>
-                        </a:solidFill>
-                      </a:endParaRPr>
-                    </a:p>
-                  </a:txBody>
-                  <a:tcPr>
-                    <a:noFill/>
-                  </a:tcPr>
-                </a:tc>
-                <a:tc hMerge="1">
-                  <a:tcPr>
-                    <a:noFill/>
-                  </a:tcPr>
-                </a:tc>
-              </a:tr>
-              <a:tr h="1059180">
-                <a:tc>
-                  <a:txBody>
-                    <a:bodyPr/>
-                    <a:p>
-                      <a:pPr>
-                        <a:buNone/>
-                      </a:pPr>
-                      <a:endParaRPr lang="en-GB" altLang="en-US"/>
-                    </a:p>
-                  </a:txBody>
-                  <a:tcPr>
-                    <a:noFill/>
-                  </a:tcPr>
-                </a:tc>
-                <a:tc>
-                  <a:txBody>
-                    <a:bodyPr/>
-                    <a:p>
-                      <a:pPr>
-                        <a:buNone/>
-                      </a:pPr>
-                      <a:endParaRPr lang="en-GB" altLang="en-US"/>
-                    </a:p>
-                  </a:txBody>
-                  <a:tcPr>
-                    <a:noFill/>
-                  </a:tcPr>
-                </a:tc>
-              </a:tr>
-            </a:tbl>
-          </a:graphicData>
-        </a:graphic>
-      </p:graphicFrame>
-      <p:sp>
-        <p:nvSpPr>
-          <p:cNvPr id="7" name="Text Placeholder 3"/>
-          <p:cNvSpPr>
-            <a:spLocks noGrp="1"/>
-          </p:cNvSpPr>
-          <p:nvPr/>
-        </p:nvSpPr>
+        </p:nvPicPr>
+        <p:blipFill>
+          <a:blip r:embed="rId2"/>
+          <a:srcRect/>
+          <a:stretch>
+            <a:fillRect/>
+          </a:stretch>
+        </p:blipFill>
         <p:spPr>
           <a:xfrm>
-            <a:off x="1376680" y="6189980"/>
-            <a:ext cx="8828405" cy="513080"/>
+            <a:off x="7604760" y="1905635"/>
+            <a:ext cx="4587240" cy="4351655"/>
+          </a:xfrm>
+          <a:prstGeom prst="rect">
+            <a:avLst/>
+          </a:prstGeom>
+          <a:effectLst>
+            <a:glow>
+              <a:schemeClr val="bg1">
+                <a:alpha val="40000"/>
+              </a:schemeClr>
+            </a:glow>
+            <a:outerShdw blurRad="63500" sx="102000" sy="102000" algn="ctr" rotWithShape="0">
+              <a:prstClr val="black">
+                <a:alpha val="40000"/>
+              </a:prstClr>
+            </a:outerShdw>
+          </a:effectLst>
+        </p:spPr>
+      </p:pic>
+      <p:pic>
+        <p:nvPicPr>
+          <p:cNvPr id="5" name="Picture 4" descr="E:\Workspace\My Document\Tốt nghiệp\Photos\pandas-logo-removebg-preview.pngpandas-logo-removebg-preview"/>
+          <p:cNvPicPr>
+            <a:picLocks noChangeAspect="1"/>
+          </p:cNvPicPr>
+          <p:nvPr/>
+        </p:nvPicPr>
+        <p:blipFill>
+          <a:blip r:embed="rId3"/>
+          <a:srcRect/>
+          <a:stretch>
+            <a:fillRect/>
+          </a:stretch>
+        </p:blipFill>
+        <p:spPr>
+          <a:xfrm>
+            <a:off x="1481138" y="2628583"/>
+            <a:ext cx="2421255" cy="975995"/>
+          </a:xfrm>
+          <a:prstGeom prst="rect">
+            <a:avLst/>
+          </a:prstGeom>
+          <a:effectLst>
+            <a:outerShdw blurRad="177800" dist="38100" dir="18900000" algn="bl" rotWithShape="0">
+              <a:prstClr val="black">
+                <a:alpha val="27000"/>
+              </a:prstClr>
+            </a:outerShdw>
+          </a:effectLst>
+        </p:spPr>
+      </p:pic>
+      <p:pic>
+        <p:nvPicPr>
+          <p:cNvPr id="7" name="Picture 6" descr="E:\Workspace\My Document\Tốt nghiệp\Photos\1280px-Scikit_learn_logo_small.svg_-removebg-preview.png1280px-Scikit_learn_logo_small.svg_-removebg-preview"/>
+          <p:cNvPicPr>
+            <a:picLocks noChangeAspect="1"/>
+          </p:cNvPicPr>
+          <p:nvPr/>
+        </p:nvPicPr>
+        <p:blipFill>
+          <a:blip r:embed="rId4"/>
+          <a:srcRect/>
+          <a:stretch>
+            <a:fillRect/>
+          </a:stretch>
+        </p:blipFill>
+        <p:spPr>
+          <a:xfrm>
+            <a:off x="4304665" y="3250565"/>
+            <a:ext cx="3092450" cy="1661795"/>
+          </a:xfrm>
+          <a:prstGeom prst="rect">
+            <a:avLst/>
+          </a:prstGeom>
+          <a:effectLst>
+            <a:outerShdw blurRad="177800" dist="38100" dir="18900000" algn="bl" rotWithShape="0">
+              <a:prstClr val="black">
+                <a:alpha val="27000"/>
+              </a:prstClr>
+            </a:outerShdw>
+          </a:effectLst>
+        </p:spPr>
+      </p:pic>
+      <p:pic>
+        <p:nvPicPr>
+          <p:cNvPr id="13" name="Content Placeholder 12" descr="E:\Workspace\My Document\Tốt nghiệp\Photos\numpy-removebg-preview.pngnumpy-removebg-preview"/>
+          <p:cNvPicPr>
+            <a:picLocks noChangeAspect="1"/>
+          </p:cNvPicPr>
+          <p:nvPr>
+            <p:ph sz="half" idx="2"/>
+          </p:nvPr>
+        </p:nvPicPr>
+        <p:blipFill>
+          <a:blip r:embed="rId5"/>
+          <a:srcRect/>
+          <a:stretch>
+            <a:fillRect/>
+          </a:stretch>
+        </p:blipFill>
+        <p:spPr>
+          <a:xfrm>
+            <a:off x="1432560" y="3604895"/>
+            <a:ext cx="2287270" cy="2287270"/>
+          </a:xfrm>
+          <a:prstGeom prst="rect">
+            <a:avLst/>
+          </a:prstGeom>
+          <a:effectLst>
+            <a:outerShdw blurRad="177800" dist="38100" dir="18900000" algn="bl" rotWithShape="0">
+              <a:prstClr val="black">
+                <a:alpha val="27000"/>
+              </a:prstClr>
+            </a:outerShdw>
+          </a:effectLst>
+        </p:spPr>
+      </p:pic>
+      <p:sp>
+        <p:nvSpPr>
+          <p:cNvPr id="14" name="Text Placeholder 3"/>
+          <p:cNvSpPr>
+            <a:spLocks noGrp="1"/>
+          </p:cNvSpPr>
+          <p:nvPr/>
+        </p:nvSpPr>
+        <p:spPr>
+          <a:xfrm>
+            <a:off x="847725" y="1588770"/>
+            <a:ext cx="3456940" cy="510540"/>
           </a:xfrm>
           <a:prstGeom prst="rect">
             <a:avLst/>
           </a:prstGeom>
         </p:spPr>
         <p:txBody>
-          <a:bodyPr vert="horz" lIns="91440" tIns="45720" rIns="91440" bIns="45720" rtlCol="0" anchor="ctr" anchorCtr="0">
+          <a:bodyPr vert="horz" lIns="91440" tIns="45720" rIns="91440" bIns="45720" rtlCol="0" anchor="b">
             <a:noAutofit/>
           </a:bodyPr>
           <a:lstStyle>
@@ -13655,52 +14997,133 @@
             </a:lvl9pPr>
           </a:lstStyle>
           <a:p>
-            <a:pPr algn="ctr">
-              <a:lnSpc>
-                <a:spcPct val="160000"/>
-              </a:lnSpc>
-              <a:buFont typeface="Arial" panose="020B0604020202020204" pitchFamily="34" charset="0"/>
+            <a:pPr marL="457200" indent="-457200">
+              <a:lnSpc>
+                <a:spcPct val="150000"/>
+              </a:lnSpc>
+              <a:buAutoNum type="arabicPeriod"/>
             </a:pPr>
-            <a:r>
-              <a:rPr lang="en-US" altLang="en-GB" sz="2200" b="0">
-                <a:sym typeface="+mn-ea"/>
+            <a:endParaRPr lang="en-US" altLang="en-GB" b="0">
+              <a:solidFill>
+                <a:srgbClr val="002060"/>
+              </a:solidFill>
+              <a:latin typeface="Segoe UI" panose="020B0502040204020203" charset="0"/>
+              <a:cs typeface="Segoe UI" panose="020B0502040204020203" charset="0"/>
+            </a:endParaRPr>
+          </a:p>
+          <a:p>
+            <a:pPr marL="457200" indent="-457200">
+              <a:lnSpc>
+                <a:spcPct val="150000"/>
+              </a:lnSpc>
+              <a:buAutoNum type="arabicPeriod"/>
+            </a:pPr>
+            <a:endParaRPr lang="en-US" altLang="en-GB" b="0">
+              <a:solidFill>
+                <a:srgbClr val="002060"/>
+              </a:solidFill>
+              <a:latin typeface="Segoe UI" panose="020B0502040204020203" charset="0"/>
+              <a:cs typeface="Segoe UI" panose="020B0502040204020203" charset="0"/>
+            </a:endParaRPr>
+          </a:p>
+          <a:p>
+            <a:pPr marL="457200" indent="-457200">
+              <a:lnSpc>
+                <a:spcPct val="150000"/>
+              </a:lnSpc>
+              <a:buAutoNum type="arabicPeriod"/>
+            </a:pPr>
+            <a:endParaRPr lang="en-US" altLang="en-GB" b="0">
+              <a:solidFill>
+                <a:srgbClr val="002060"/>
+              </a:solidFill>
+              <a:latin typeface="Segoe UI" panose="020B0502040204020203" charset="0"/>
+              <a:cs typeface="Segoe UI" panose="020B0502040204020203" charset="0"/>
+            </a:endParaRPr>
+          </a:p>
+          <a:p>
+            <a:pPr>
+              <a:lnSpc>
+                <a:spcPct val="150000"/>
+              </a:lnSpc>
+            </a:pPr>
+            <a:endParaRPr lang="en-US" altLang="en-GB" b="0">
+              <a:solidFill>
+                <a:srgbClr val="002060"/>
+              </a:solidFill>
+              <a:latin typeface="Segoe UI" panose="020B0502040204020203" charset="0"/>
+              <a:cs typeface="Segoe UI" panose="020B0502040204020203" charset="0"/>
+            </a:endParaRPr>
+          </a:p>
+          <a:p>
+            <a:pPr>
+              <a:lnSpc>
+                <a:spcPct val="150000"/>
+              </a:lnSpc>
+            </a:pPr>
+            <a:r>
+              <a:rPr lang="en-US" altLang="en-GB" b="0">
+                <a:solidFill>
+                  <a:srgbClr val="002060"/>
+                </a:solidFill>
+                <a:latin typeface="Segoe UI" panose="020B0502040204020203" charset="0"/>
+                <a:cs typeface="Segoe UI" panose="020B0502040204020203" charset="0"/>
               </a:rPr>
-              <a:t>Ưu điểm của Angular</a:t>
-            </a:r>
-            <a:endParaRPr lang="en-US" altLang="en-GB" sz="2200" b="0"/>
-          </a:p>
-        </p:txBody>
-      </p:sp>
-      <p:pic>
-        <p:nvPicPr>
-          <p:cNvPr id="24" name="Picture 1" descr="IMG_256"/>
-          <p:cNvPicPr>
-            <a:picLocks noChangeAspect="1"/>
-          </p:cNvPicPr>
-          <p:nvPr>
-            <p:ph sz="half" idx="2"/>
-          </p:nvPr>
-        </p:nvPicPr>
-        <p:blipFill>
-          <a:blip r:embed="rId1"/>
-          <a:stretch>
-            <a:fillRect/>
-          </a:stretch>
-        </p:blipFill>
-        <p:spPr>
-          <a:xfrm>
-            <a:off x="2094865" y="1578610"/>
-            <a:ext cx="8002270" cy="4578350"/>
-          </a:xfrm>
-          <a:prstGeom prst="rect">
-            <a:avLst/>
-          </a:prstGeom>
-          <a:noFill/>
-          <a:ln w="9525">
-            <a:noFill/>
-          </a:ln>
-        </p:spPr>
-      </p:pic>
+              <a:t>Các thư viện</a:t>
+            </a:r>
+            <a:endParaRPr lang="en-US" altLang="en-GB" b="0">
+              <a:solidFill>
+                <a:srgbClr val="002060"/>
+              </a:solidFill>
+              <a:latin typeface="Segoe UI" panose="020B0502040204020203" charset="0"/>
+              <a:cs typeface="Segoe UI" panose="020B0502040204020203" charset="0"/>
+            </a:endParaRPr>
+          </a:p>
+        </p:txBody>
+      </p:sp>
+      <p:sp>
+        <p:nvSpPr>
+          <p:cNvPr id="3" name="Slide Number Placeholder 2"/>
+          <p:cNvSpPr>
+            <a:spLocks noGrp="1"/>
+          </p:cNvSpPr>
+          <p:nvPr>
+            <p:ph type="sldNum" sz="quarter" idx="12"/>
+          </p:nvPr>
+        </p:nvSpPr>
+        <p:spPr/>
+        <p:txBody>
+          <a:bodyPr/>
+          <a:p>
+            <a:fld id="{3C4FCFE7-4CFC-4698-A5C8-57D6C94FD847}" type="slidenum">
+              <a:rPr lang="en-US" smtClean="0"/>
+            </a:fld>
+            <a:endParaRPr lang="en-US"/>
+          </a:p>
+        </p:txBody>
+      </p:sp>
+      <p:sp>
+        <p:nvSpPr>
+          <p:cNvPr id="4" name="Footer Placeholder 3"/>
+          <p:cNvSpPr>
+            <a:spLocks noGrp="1"/>
+          </p:cNvSpPr>
+          <p:nvPr>
+            <p:ph type="ftr" sz="quarter" idx="11"/>
+          </p:nvPr>
+        </p:nvSpPr>
+        <p:spPr/>
+        <p:txBody>
+          <a:bodyPr/>
+          <a:p>
+            <a:r>
+              <a:rPr lang="en-US"/>
+              <a:t>Hoàng Minh Tài - 6051071102</a:t>
+            </a:r>
+            <a:endParaRPr lang="en-US"/>
+          </a:p>
+        </p:txBody>
+      </p:sp>
     </p:spTree>
   </p:cSld>
   <p:clrMapOvr>
@@ -13724,6 +15147,14 @@
 <file path=ppt/slides/slide8.xml><?xml version="1.0" encoding="utf-8"?>
 <p:sld xmlns:a="http://schemas.openxmlformats.org/drawingml/2006/main" xmlns:r="http://schemas.openxmlformats.org/officeDocument/2006/relationships" xmlns:p="http://schemas.openxmlformats.org/presentationml/2006/main">
   <p:cSld>
+    <p:bg>
+      <p:bgPr>
+        <a:blipFill>
+          <a:blip r:embed="rId1"/>
+        </a:blipFill>
+        <a:effectLst/>
+      </p:bgPr>
+    </p:bg>
     <p:spTree>
       <p:nvGrpSpPr>
         <p:cNvPr id="1" name=""/>
@@ -13743,115 +15174,36 @@
         </p:nvSpPr>
         <p:spPr>
           <a:xfrm>
-            <a:off x="838200" y="219075"/>
-            <a:ext cx="10515600" cy="1325563"/>
+            <a:off x="838200" y="365125"/>
+            <a:ext cx="10515600" cy="833120"/>
           </a:xfrm>
         </p:spPr>
         <p:txBody>
           <a:bodyPr anchor="ctr" anchorCtr="0"/>
           <a:p>
             <a:r>
-              <a:rPr lang="en-US" altLang="en-GB">
+              <a:rPr lang="en-US" altLang="en-GB" sz="2800" b="1">
                 <a:solidFill>
                   <a:schemeClr val="bg1"/>
                 </a:solidFill>
-                <a:sym typeface="+mn-ea"/>
+                <a:latin typeface="Segoe UI" panose="020B0502040204020203" charset="0"/>
+                <a:cs typeface="Segoe UI" panose="020B0502040204020203" charset="0"/>
               </a:rPr>
-              <a:t>Các công nghệ sử dụng</a:t>
-            </a:r>
-            <a:endParaRPr lang="en-US" altLang="en-GB">
+              <a:t>Giới thiệu về hệ thống đề xuất nội dung</a:t>
+            </a:r>
+            <a:endParaRPr lang="en-US" altLang="en-GB" sz="2800" b="1">
               <a:solidFill>
                 <a:schemeClr val="bg1"/>
               </a:solidFill>
-              <a:sym typeface="+mn-ea"/>
+              <a:latin typeface="Segoe UI" panose="020B0502040204020203" charset="0"/>
+              <a:cs typeface="Segoe UI" panose="020B0502040204020203" charset="0"/>
             </a:endParaRPr>
           </a:p>
         </p:txBody>
       </p:sp>
-      <p:graphicFrame>
-        <p:nvGraphicFramePr>
-          <p:cNvPr id="12" name="Content Placeholder 11"/>
-          <p:cNvGraphicFramePr/>
-          <p:nvPr>
-            <p:ph sz="half" idx="1"/>
-          </p:nvPr>
-        </p:nvGraphicFramePr>
-        <p:xfrm>
-          <a:off x="838200" y="1825625"/>
-          <a:ext cx="5181600" cy="2132965"/>
-        </p:xfrm>
-        <a:graphic>
-          <a:graphicData uri="http://schemas.openxmlformats.org/drawingml/2006/table">
-            <a:tbl>
-              <a:tblPr firstRow="1" bandRow="1">
-                <a:tableStyleId>{5C22544A-7EE6-4342-B048-85BDC9FD1C3A}</a:tableStyleId>
-              </a:tblPr>
-              <a:tblGrid>
-                <a:gridCol w="2590800"/>
-                <a:gridCol w="2590800"/>
-              </a:tblGrid>
-              <a:tr h="1073785">
-                <a:tc gridSpan="2">
-                  <a:txBody>
-                    <a:bodyPr/>
-                    <a:p>
-                      <a:pPr algn="ctr">
-                        <a:buNone/>
-                      </a:pPr>
-                      <a:endParaRPr lang="en-GB" altLang="en-US">
-                        <a:solidFill>
-                          <a:schemeClr val="tx1"/>
-                        </a:solidFill>
-                      </a:endParaRPr>
-                    </a:p>
-                  </a:txBody>
-                  <a:tcPr>
-                    <a:noFill/>
-                  </a:tcPr>
-                </a:tc>
-                <a:tc hMerge="1">
-                  <a:tcPr>
-                    <a:noFill/>
-                  </a:tcPr>
-                </a:tc>
-              </a:tr>
-              <a:tr h="1059180">
-                <a:tc>
-                  <a:txBody>
-                    <a:bodyPr/>
-                    <a:p>
-                      <a:pPr>
-                        <a:buNone/>
-                      </a:pPr>
-                      <a:endParaRPr lang="en-GB" altLang="en-US"/>
-                    </a:p>
-                  </a:txBody>
-                  <a:tcPr>
-                    <a:noFill/>
-                  </a:tcPr>
-                </a:tc>
-                <a:tc>
-                  <a:txBody>
-                    <a:bodyPr/>
-                    <a:p>
-                      <a:pPr>
-                        <a:buNone/>
-                      </a:pPr>
-                      <a:endParaRPr lang="en-GB" altLang="en-US"/>
-                    </a:p>
-                  </a:txBody>
-                  <a:tcPr>
-                    <a:noFill/>
-                  </a:tcPr>
-                </a:tc>
-              </a:tr>
-            </a:tbl>
-          </a:graphicData>
-        </a:graphic>
-      </p:graphicFrame>
-      <p:sp>
-        <p:nvSpPr>
-          <p:cNvPr id="7" name="Text Placeholder 3"/>
+      <p:sp>
+        <p:nvSpPr>
+          <p:cNvPr id="14" name="Text Placeholder 3"/>
           <p:cNvSpPr>
             <a:spLocks noGrp="1"/>
           </p:cNvSpPr>
@@ -13859,15 +15211,15 @@
         </p:nvSpPr>
         <p:spPr>
           <a:xfrm>
-            <a:off x="1376680" y="6189980"/>
-            <a:ext cx="8828405" cy="513080"/>
+            <a:off x="847725" y="1282065"/>
+            <a:ext cx="3456940" cy="510540"/>
           </a:xfrm>
           <a:prstGeom prst="rect">
             <a:avLst/>
           </a:prstGeom>
         </p:spPr>
         <p:txBody>
-          <a:bodyPr vert="horz" lIns="91440" tIns="45720" rIns="91440" bIns="45720" rtlCol="0" anchor="ctr" anchorCtr="0">
+          <a:bodyPr vert="horz" lIns="91440" tIns="45720" rIns="91440" bIns="45720" rtlCol="0" anchor="b">
             <a:noAutofit/>
           </a:bodyPr>
           <a:lstStyle>
@@ -14035,25 +15387,93 @@
             </a:lvl9pPr>
           </a:lstStyle>
           <a:p>
-            <a:pPr algn="ctr">
-              <a:lnSpc>
-                <a:spcPct val="160000"/>
-              </a:lnSpc>
-              <a:buFont typeface="Arial" panose="020B0604020202020204" pitchFamily="34" charset="0"/>
+            <a:pPr marL="457200" indent="-457200">
+              <a:lnSpc>
+                <a:spcPct val="150000"/>
+              </a:lnSpc>
+              <a:buAutoNum type="arabicPeriod"/>
             </a:pPr>
-            <a:r>
-              <a:rPr lang="en-US" altLang="en-GB" sz="2200" b="0">
-                <a:sym typeface="+mn-ea"/>
+            <a:endParaRPr lang="en-US" altLang="en-GB" b="0">
+              <a:solidFill>
+                <a:srgbClr val="002060"/>
+              </a:solidFill>
+              <a:latin typeface="Segoe UI" panose="020B0502040204020203" charset="0"/>
+              <a:cs typeface="Segoe UI" panose="020B0502040204020203" charset="0"/>
+            </a:endParaRPr>
+          </a:p>
+          <a:p>
+            <a:pPr marL="457200" indent="-457200">
+              <a:lnSpc>
+                <a:spcPct val="150000"/>
+              </a:lnSpc>
+              <a:buAutoNum type="arabicPeriod"/>
+            </a:pPr>
+            <a:endParaRPr lang="en-US" altLang="en-GB" b="0">
+              <a:solidFill>
+                <a:srgbClr val="002060"/>
+              </a:solidFill>
+              <a:latin typeface="Segoe UI" panose="020B0502040204020203" charset="0"/>
+              <a:cs typeface="Segoe UI" panose="020B0502040204020203" charset="0"/>
+            </a:endParaRPr>
+          </a:p>
+          <a:p>
+            <a:pPr marL="457200" indent="-457200">
+              <a:lnSpc>
+                <a:spcPct val="150000"/>
+              </a:lnSpc>
+              <a:buAutoNum type="arabicPeriod"/>
+            </a:pPr>
+            <a:endParaRPr lang="en-US" altLang="en-GB" b="0">
+              <a:solidFill>
+                <a:srgbClr val="002060"/>
+              </a:solidFill>
+              <a:latin typeface="Segoe UI" panose="020B0502040204020203" charset="0"/>
+              <a:cs typeface="Segoe UI" panose="020B0502040204020203" charset="0"/>
+            </a:endParaRPr>
+          </a:p>
+          <a:p>
+            <a:pPr>
+              <a:lnSpc>
+                <a:spcPct val="150000"/>
+              </a:lnSpc>
+            </a:pPr>
+            <a:endParaRPr lang="en-US" altLang="en-GB" b="0">
+              <a:solidFill>
+                <a:srgbClr val="002060"/>
+              </a:solidFill>
+              <a:latin typeface="Segoe UI" panose="020B0502040204020203" charset="0"/>
+              <a:cs typeface="Segoe UI" panose="020B0502040204020203" charset="0"/>
+            </a:endParaRPr>
+          </a:p>
+          <a:p>
+            <a:pPr>
+              <a:lnSpc>
+                <a:spcPct val="150000"/>
+              </a:lnSpc>
+            </a:pPr>
+            <a:r>
+              <a:rPr lang="en-US" altLang="en-GB" b="0">
+                <a:solidFill>
+                  <a:srgbClr val="002060"/>
+                </a:solidFill>
+                <a:latin typeface="Segoe UI" panose="020B0502040204020203" charset="0"/>
+                <a:cs typeface="Segoe UI" panose="020B0502040204020203" charset="0"/>
               </a:rPr>
-              <a:t>Nhược điểm của Angular</a:t>
-            </a:r>
-            <a:endParaRPr lang="en-US" altLang="en-GB" sz="2200" b="0"/>
+              <a:t>Cách thức hoạt động</a:t>
+            </a:r>
+            <a:endParaRPr lang="en-US" altLang="en-GB" b="0">
+              <a:solidFill>
+                <a:srgbClr val="002060"/>
+              </a:solidFill>
+              <a:latin typeface="Segoe UI" panose="020B0502040204020203" charset="0"/>
+              <a:cs typeface="Segoe UI" panose="020B0502040204020203" charset="0"/>
+            </a:endParaRPr>
           </a:p>
         </p:txBody>
       </p:sp>
       <p:pic>
         <p:nvPicPr>
-          <p:cNvPr id="25" name="Picture 2" descr="IMG_256"/>
+          <p:cNvPr id="10" name="Content Placeholder 9"/>
           <p:cNvPicPr>
             <a:picLocks noChangeAspect="1"/>
           </p:cNvPicPr>
@@ -14062,25 +15482,64 @@
           </p:nvPr>
         </p:nvPicPr>
         <p:blipFill>
-          <a:blip r:embed="rId1"/>
+          <a:blip r:embed="rId2"/>
           <a:stretch>
             <a:fillRect/>
           </a:stretch>
         </p:blipFill>
         <p:spPr>
           <a:xfrm>
-            <a:off x="2147570" y="1562735"/>
-            <a:ext cx="7896860" cy="4610100"/>
+            <a:off x="1259840" y="1876425"/>
+            <a:ext cx="9672320" cy="4484370"/>
           </a:xfrm>
           <a:prstGeom prst="rect">
             <a:avLst/>
           </a:prstGeom>
-          <a:noFill/>
-          <a:ln w="9525">
-            <a:noFill/>
-          </a:ln>
         </p:spPr>
       </p:pic>
+      <p:sp>
+        <p:nvSpPr>
+          <p:cNvPr id="12" name="Slide Number Placeholder 11"/>
+          <p:cNvSpPr>
+            <a:spLocks noGrp="1"/>
+          </p:cNvSpPr>
+          <p:nvPr>
+            <p:ph type="sldNum" sz="quarter" idx="12"/>
+          </p:nvPr>
+        </p:nvSpPr>
+        <p:spPr/>
+        <p:txBody>
+          <a:bodyPr/>
+          <a:p>
+            <a:fld id="{3C4FCFE7-4CFC-4698-A5C8-57D6C94FD847}" type="slidenum">
+              <a:rPr lang="en-US" smtClean="0"/>
+            </a:fld>
+            <a:endParaRPr lang="en-US"/>
+          </a:p>
+        </p:txBody>
+      </p:sp>
+      <p:sp>
+        <p:nvSpPr>
+          <p:cNvPr id="15" name="Footer Placeholder 14"/>
+          <p:cNvSpPr>
+            <a:spLocks noGrp="1"/>
+          </p:cNvSpPr>
+          <p:nvPr>
+            <p:ph type="ftr" sz="quarter" idx="11"/>
+          </p:nvPr>
+        </p:nvSpPr>
+        <p:spPr/>
+        <p:txBody>
+          <a:bodyPr/>
+          <a:p>
+            <a:r>
+              <a:rPr lang="en-US"/>
+              <a:t>Hoàng Minh Tài - 6051071102</a:t>
+            </a:r>
+            <a:endParaRPr lang="en-US"/>
+          </a:p>
+        </p:txBody>
+      </p:sp>
     </p:spTree>
   </p:cSld>
   <p:clrMapOvr>
@@ -14104,6 +15563,14 @@
 <file path=ppt/slides/slide9.xml><?xml version="1.0" encoding="utf-8"?>
 <p:sld xmlns:a="http://schemas.openxmlformats.org/drawingml/2006/main" xmlns:r="http://schemas.openxmlformats.org/officeDocument/2006/relationships" xmlns:p="http://schemas.openxmlformats.org/presentationml/2006/main">
   <p:cSld>
+    <p:bg>
+      <p:bgPr>
+        <a:blipFill>
+          <a:blip r:embed="rId1"/>
+        </a:blipFill>
+        <a:effectLst/>
+      </p:bgPr>
+    </p:bg>
     <p:spTree>
       <p:nvGrpSpPr>
         <p:cNvPr id="1" name=""/>
@@ -14123,180 +15590,311 @@
         </p:nvSpPr>
         <p:spPr>
           <a:xfrm>
-            <a:off x="839788" y="229235"/>
-            <a:ext cx="10515600" cy="1325563"/>
+            <a:off x="838200" y="365125"/>
+            <a:ext cx="10515600" cy="916940"/>
           </a:xfrm>
         </p:spPr>
         <p:txBody>
           <a:bodyPr anchor="ctr" anchorCtr="0"/>
           <a:p>
             <a:r>
-              <a:rPr lang="en-US" altLang="en-GB">
+              <a:rPr lang="en-US" altLang="en-GB" sz="2800" b="1">
                 <a:solidFill>
                   <a:schemeClr val="bg1"/>
                 </a:solidFill>
-                <a:sym typeface="+mn-ea"/>
+                <a:latin typeface="Segoe UI" panose="020B0502040204020203" charset="0"/>
+                <a:cs typeface="Segoe UI" panose="020B0502040204020203" charset="0"/>
               </a:rPr>
-              <a:t>Các công nghệ sử dụng</a:t>
-            </a:r>
-            <a:endParaRPr lang="en-US" altLang="en-GB">
+              <a:t>Giới thiệu về hệ thống đề xuất nội dung</a:t>
+            </a:r>
+            <a:endParaRPr lang="en-US" altLang="en-GB" sz="2800" b="1">
               <a:solidFill>
                 <a:schemeClr val="bg1"/>
               </a:solidFill>
-              <a:sym typeface="+mn-ea"/>
+              <a:latin typeface="Segoe UI" panose="020B0502040204020203" charset="0"/>
+              <a:cs typeface="Segoe UI" panose="020B0502040204020203" charset="0"/>
             </a:endParaRPr>
           </a:p>
         </p:txBody>
       </p:sp>
-      <p:graphicFrame>
-        <p:nvGraphicFramePr>
-          <p:cNvPr id="12" name="Content Placeholder 11"/>
-          <p:cNvGraphicFramePr/>
-          <p:nvPr>
-            <p:ph sz="half" idx="2"/>
-          </p:nvPr>
-        </p:nvGraphicFramePr>
-        <p:xfrm>
-          <a:off x="839788" y="2505075"/>
-          <a:ext cx="5157470" cy="2132965"/>
-        </p:xfrm>
-        <a:graphic>
-          <a:graphicData uri="http://schemas.openxmlformats.org/drawingml/2006/table">
-            <a:tbl>
-              <a:tblPr firstRow="1" bandRow="1">
-                <a:tableStyleId>{5C22544A-7EE6-4342-B048-85BDC9FD1C3A}</a:tableStyleId>
-              </a:tblPr>
-              <a:tblGrid>
-                <a:gridCol w="2578735"/>
-                <a:gridCol w="2578735"/>
-              </a:tblGrid>
-              <a:tr h="1073785">
-                <a:tc gridSpan="2">
-                  <a:txBody>
-                    <a:bodyPr/>
-                    <a:p>
-                      <a:pPr algn="ctr">
-                        <a:buNone/>
-                      </a:pPr>
-                      <a:endParaRPr lang="en-GB" altLang="en-US">
-                        <a:solidFill>
-                          <a:schemeClr val="tx1"/>
-                        </a:solidFill>
-                      </a:endParaRPr>
-                    </a:p>
-                  </a:txBody>
-                  <a:tcPr>
-                    <a:noFill/>
-                  </a:tcPr>
-                </a:tc>
-                <a:tc hMerge="1">
-                  <a:tcPr>
-                    <a:noFill/>
-                  </a:tcPr>
-                </a:tc>
-              </a:tr>
-              <a:tr h="1059180">
-                <a:tc>
-                  <a:txBody>
-                    <a:bodyPr/>
-                    <a:p>
-                      <a:pPr>
-                        <a:buNone/>
-                      </a:pPr>
-                      <a:endParaRPr lang="en-GB" altLang="en-US"/>
-                    </a:p>
-                  </a:txBody>
-                  <a:tcPr>
-                    <a:noFill/>
-                  </a:tcPr>
-                </a:tc>
-                <a:tc>
-                  <a:txBody>
-                    <a:bodyPr/>
-                    <a:p>
-                      <a:pPr>
-                        <a:buNone/>
-                      </a:pPr>
-                      <a:endParaRPr lang="en-GB" altLang="en-US"/>
-                    </a:p>
-                  </a:txBody>
-                  <a:tcPr>
-                    <a:noFill/>
-                  </a:tcPr>
-                </a:tc>
-              </a:tr>
-            </a:tbl>
-          </a:graphicData>
-        </a:graphic>
-      </p:graphicFrame>
-      <p:sp>
-        <p:nvSpPr>
-          <p:cNvPr id="4" name="Text Placeholder 3"/>
-          <p:cNvSpPr>
-            <a:spLocks noGrp="1"/>
-          </p:cNvSpPr>
-          <p:nvPr>
-            <p:ph type="body" idx="1"/>
-          </p:nvPr>
+      <p:sp>
+        <p:nvSpPr>
+          <p:cNvPr id="14" name="Text Placeholder 3"/>
+          <p:cNvSpPr>
+            <a:spLocks noGrp="1"/>
+          </p:cNvSpPr>
+          <p:nvPr/>
         </p:nvSpPr>
         <p:spPr>
           <a:xfrm>
-            <a:off x="930910" y="2148205"/>
-            <a:ext cx="6047740" cy="823595"/>
-          </a:xfrm>
-        </p:spPr>
-        <p:txBody>
-          <a:bodyPr anchor="t" anchorCtr="0">
-            <a:noAutofit/>
-          </a:bodyPr>
-          <a:p>
-            <a:pPr marL="342900" indent="-342900" algn="just">
-              <a:lnSpc>
-                <a:spcPct val="160000"/>
-              </a:lnSpc>
-              <a:buFont typeface="Arial" panose="020B0604020202020204" pitchFamily="34" charset="0"/>
-              <a:buChar char="•"/>
-            </a:pPr>
-            <a:r>
-              <a:rPr lang="en-US" altLang="en-GB" sz="2200" b="0"/>
-              <a:t>ASP.NET Web API : là một khuôn khổ để xây dựng các dịch vụ HTTP có thể được truy cập từ bất kỳ ứng dụng khách nào bao gồm cả trình duyệt và thiết bị di động. Nó là một nền tảng lý tưởng để xây dựng các ứng dụng RESTful trên .NET Framework</a:t>
-            </a:r>
-            <a:endParaRPr lang="en-US" altLang="en-GB" sz="2200" b="0"/>
-          </a:p>
-        </p:txBody>
-      </p:sp>
-      <p:pic>
-        <p:nvPicPr>
-          <p:cNvPr id="104" name="Picture 103"/>
-          <p:cNvPicPr/>
-          <p:nvPr/>
-        </p:nvPicPr>
-        <p:blipFill>
-          <a:blip r:embed="rId1"/>
-          <a:stretch>
-            <a:fillRect/>
-          </a:stretch>
-        </p:blipFill>
-        <p:spPr>
-          <a:xfrm>
-            <a:off x="6096000" y="3429000"/>
-            <a:ext cx="0" cy="0"/>
+            <a:off x="847725" y="1282065"/>
+            <a:ext cx="3456940" cy="510540"/>
           </a:xfrm>
           <a:prstGeom prst="rect">
             <a:avLst/>
           </a:prstGeom>
-          <a:noFill/>
-          <a:ln w="9525">
-            <a:noFill/>
-          </a:ln>
         </p:spPr>
-      </p:pic>
+        <p:txBody>
+          <a:bodyPr vert="horz" lIns="91440" tIns="45720" rIns="91440" bIns="45720" rtlCol="0" anchor="b">
+            <a:noAutofit/>
+          </a:bodyPr>
+          <a:lstStyle>
+            <a:lvl1pPr marL="0" indent="0" algn="l" defTabSz="914400" rtl="0" eaLnBrk="1" latinLnBrk="0" hangingPunct="1">
+              <a:lnSpc>
+                <a:spcPct val="90000"/>
+              </a:lnSpc>
+              <a:spcBef>
+                <a:spcPts val="1000"/>
+              </a:spcBef>
+              <a:buFont typeface="Arial" panose="020B0604020202020204" pitchFamily="34" charset="0"/>
+              <a:buNone/>
+              <a:defRPr sz="2400" b="1" kern="1200">
+                <a:solidFill>
+                  <a:schemeClr val="tx1"/>
+                </a:solidFill>
+                <a:latin typeface="+mn-lt"/>
+                <a:ea typeface="+mn-ea"/>
+                <a:cs typeface="+mn-cs"/>
+              </a:defRPr>
+            </a:lvl1pPr>
+            <a:lvl2pPr marL="457200" indent="0" algn="l" defTabSz="914400" rtl="0" eaLnBrk="1" latinLnBrk="0" hangingPunct="1">
+              <a:lnSpc>
+                <a:spcPct val="90000"/>
+              </a:lnSpc>
+              <a:spcBef>
+                <a:spcPts val="500"/>
+              </a:spcBef>
+              <a:buFont typeface="Arial" panose="020B0604020202020204" pitchFamily="34" charset="0"/>
+              <a:buNone/>
+              <a:defRPr sz="2000" b="1" kern="1200">
+                <a:solidFill>
+                  <a:schemeClr val="tx1"/>
+                </a:solidFill>
+                <a:latin typeface="+mn-lt"/>
+                <a:ea typeface="+mn-ea"/>
+                <a:cs typeface="+mn-cs"/>
+              </a:defRPr>
+            </a:lvl2pPr>
+            <a:lvl3pPr marL="914400" indent="0" algn="l" defTabSz="914400" rtl="0" eaLnBrk="1" latinLnBrk="0" hangingPunct="1">
+              <a:lnSpc>
+                <a:spcPct val="90000"/>
+              </a:lnSpc>
+              <a:spcBef>
+                <a:spcPts val="500"/>
+              </a:spcBef>
+              <a:buFont typeface="Arial" panose="020B0604020202020204" pitchFamily="34" charset="0"/>
+              <a:buNone/>
+              <a:defRPr sz="1800" b="1" kern="1200">
+                <a:solidFill>
+                  <a:schemeClr val="tx1"/>
+                </a:solidFill>
+                <a:latin typeface="+mn-lt"/>
+                <a:ea typeface="+mn-ea"/>
+                <a:cs typeface="+mn-cs"/>
+              </a:defRPr>
+            </a:lvl3pPr>
+            <a:lvl4pPr marL="1371600" indent="0" algn="l" defTabSz="914400" rtl="0" eaLnBrk="1" latinLnBrk="0" hangingPunct="1">
+              <a:lnSpc>
+                <a:spcPct val="90000"/>
+              </a:lnSpc>
+              <a:spcBef>
+                <a:spcPts val="500"/>
+              </a:spcBef>
+              <a:buFont typeface="Arial" panose="020B0604020202020204" pitchFamily="34" charset="0"/>
+              <a:buNone/>
+              <a:defRPr sz="1600" b="1" kern="1200">
+                <a:solidFill>
+                  <a:schemeClr val="tx1"/>
+                </a:solidFill>
+                <a:latin typeface="+mn-lt"/>
+                <a:ea typeface="+mn-ea"/>
+                <a:cs typeface="+mn-cs"/>
+              </a:defRPr>
+            </a:lvl4pPr>
+            <a:lvl5pPr marL="1828800" indent="0" algn="l" defTabSz="914400" rtl="0" eaLnBrk="1" latinLnBrk="0" hangingPunct="1">
+              <a:lnSpc>
+                <a:spcPct val="90000"/>
+              </a:lnSpc>
+              <a:spcBef>
+                <a:spcPts val="500"/>
+              </a:spcBef>
+              <a:buFont typeface="Arial" panose="020B0604020202020204" pitchFamily="34" charset="0"/>
+              <a:buNone/>
+              <a:defRPr sz="1600" b="1" kern="1200">
+                <a:solidFill>
+                  <a:schemeClr val="tx1"/>
+                </a:solidFill>
+                <a:latin typeface="+mn-lt"/>
+                <a:ea typeface="+mn-ea"/>
+                <a:cs typeface="+mn-cs"/>
+              </a:defRPr>
+            </a:lvl5pPr>
+            <a:lvl6pPr marL="2286000" indent="0" algn="l" defTabSz="914400" rtl="0" eaLnBrk="1" latinLnBrk="0" hangingPunct="1">
+              <a:lnSpc>
+                <a:spcPct val="90000"/>
+              </a:lnSpc>
+              <a:spcBef>
+                <a:spcPts val="500"/>
+              </a:spcBef>
+              <a:buFont typeface="Arial" panose="020B0604020202020204" pitchFamily="34" charset="0"/>
+              <a:buNone/>
+              <a:defRPr sz="1600" b="1" kern="1200">
+                <a:solidFill>
+                  <a:schemeClr val="tx1"/>
+                </a:solidFill>
+                <a:latin typeface="+mn-lt"/>
+                <a:ea typeface="+mn-ea"/>
+                <a:cs typeface="+mn-cs"/>
+              </a:defRPr>
+            </a:lvl6pPr>
+            <a:lvl7pPr marL="2743200" indent="0" algn="l" defTabSz="914400" rtl="0" eaLnBrk="1" latinLnBrk="0" hangingPunct="1">
+              <a:lnSpc>
+                <a:spcPct val="90000"/>
+              </a:lnSpc>
+              <a:spcBef>
+                <a:spcPts val="500"/>
+              </a:spcBef>
+              <a:buFont typeface="Arial" panose="020B0604020202020204" pitchFamily="34" charset="0"/>
+              <a:buNone/>
+              <a:defRPr sz="1600" b="1" kern="1200">
+                <a:solidFill>
+                  <a:schemeClr val="tx1"/>
+                </a:solidFill>
+                <a:latin typeface="+mn-lt"/>
+                <a:ea typeface="+mn-ea"/>
+                <a:cs typeface="+mn-cs"/>
+              </a:defRPr>
+            </a:lvl7pPr>
+            <a:lvl8pPr marL="3200400" indent="0" algn="l" defTabSz="914400" rtl="0" eaLnBrk="1" latinLnBrk="0" hangingPunct="1">
+              <a:lnSpc>
+                <a:spcPct val="90000"/>
+              </a:lnSpc>
+              <a:spcBef>
+                <a:spcPts val="500"/>
+              </a:spcBef>
+              <a:buFont typeface="Arial" panose="020B0604020202020204" pitchFamily="34" charset="0"/>
+              <a:buNone/>
+              <a:defRPr sz="1600" b="1" kern="1200">
+                <a:solidFill>
+                  <a:schemeClr val="tx1"/>
+                </a:solidFill>
+                <a:latin typeface="+mn-lt"/>
+                <a:ea typeface="+mn-ea"/>
+                <a:cs typeface="+mn-cs"/>
+              </a:defRPr>
+            </a:lvl8pPr>
+            <a:lvl9pPr marL="3657600" indent="0" algn="l" defTabSz="914400" rtl="0" eaLnBrk="1" latinLnBrk="0" hangingPunct="1">
+              <a:lnSpc>
+                <a:spcPct val="90000"/>
+              </a:lnSpc>
+              <a:spcBef>
+                <a:spcPts val="500"/>
+              </a:spcBef>
+              <a:buFont typeface="Arial" panose="020B0604020202020204" pitchFamily="34" charset="0"/>
+              <a:buNone/>
+              <a:defRPr sz="1600" b="1" kern="1200">
+                <a:solidFill>
+                  <a:schemeClr val="tx1"/>
+                </a:solidFill>
+                <a:latin typeface="+mn-lt"/>
+                <a:ea typeface="+mn-ea"/>
+                <a:cs typeface="+mn-cs"/>
+              </a:defRPr>
+            </a:lvl9pPr>
+          </a:lstStyle>
+          <a:p>
+            <a:pPr marL="457200" indent="-457200">
+              <a:lnSpc>
+                <a:spcPct val="150000"/>
+              </a:lnSpc>
+              <a:buAutoNum type="arabicPeriod"/>
+            </a:pPr>
+            <a:endParaRPr lang="en-US" altLang="en-GB" b="0">
+              <a:solidFill>
+                <a:srgbClr val="002060"/>
+              </a:solidFill>
+              <a:latin typeface="Segoe UI" panose="020B0502040204020203" charset="0"/>
+              <a:cs typeface="Segoe UI" panose="020B0502040204020203" charset="0"/>
+            </a:endParaRPr>
+          </a:p>
+          <a:p>
+            <a:pPr marL="457200" indent="-457200">
+              <a:lnSpc>
+                <a:spcPct val="150000"/>
+              </a:lnSpc>
+              <a:buAutoNum type="arabicPeriod"/>
+            </a:pPr>
+            <a:endParaRPr lang="en-US" altLang="en-GB" b="0">
+              <a:solidFill>
+                <a:srgbClr val="002060"/>
+              </a:solidFill>
+              <a:latin typeface="Segoe UI" panose="020B0502040204020203" charset="0"/>
+              <a:cs typeface="Segoe UI" panose="020B0502040204020203" charset="0"/>
+            </a:endParaRPr>
+          </a:p>
+          <a:p>
+            <a:pPr marL="457200" indent="-457200">
+              <a:lnSpc>
+                <a:spcPct val="150000"/>
+              </a:lnSpc>
+              <a:buAutoNum type="arabicPeriod"/>
+            </a:pPr>
+            <a:endParaRPr lang="en-US" altLang="en-GB" b="0">
+              <a:solidFill>
+                <a:srgbClr val="002060"/>
+              </a:solidFill>
+              <a:latin typeface="Segoe UI" panose="020B0502040204020203" charset="0"/>
+              <a:cs typeface="Segoe UI" panose="020B0502040204020203" charset="0"/>
+            </a:endParaRPr>
+          </a:p>
+          <a:p>
+            <a:pPr>
+              <a:lnSpc>
+                <a:spcPct val="150000"/>
+              </a:lnSpc>
+            </a:pPr>
+            <a:endParaRPr lang="en-US" altLang="en-GB" b="0">
+              <a:solidFill>
+                <a:srgbClr val="002060"/>
+              </a:solidFill>
+              <a:latin typeface="Segoe UI" panose="020B0502040204020203" charset="0"/>
+              <a:cs typeface="Segoe UI" panose="020B0502040204020203" charset="0"/>
+            </a:endParaRPr>
+          </a:p>
+          <a:p>
+            <a:pPr>
+              <a:lnSpc>
+                <a:spcPct val="150000"/>
+              </a:lnSpc>
+            </a:pPr>
+            <a:r>
+              <a:rPr lang="en-US" altLang="en-GB" b="0">
+                <a:solidFill>
+                  <a:srgbClr val="002060"/>
+                </a:solidFill>
+                <a:latin typeface="Segoe UI" panose="020B0502040204020203" charset="0"/>
+                <a:cs typeface="Segoe UI" panose="020B0502040204020203" charset="0"/>
+              </a:rPr>
+              <a:t>Cách thức hoạt động</a:t>
+            </a:r>
+            <a:endParaRPr lang="en-US" altLang="en-GB" b="0">
+              <a:solidFill>
+                <a:srgbClr val="002060"/>
+              </a:solidFill>
+              <a:latin typeface="Segoe UI" panose="020B0502040204020203" charset="0"/>
+              <a:cs typeface="Segoe UI" panose="020B0502040204020203" charset="0"/>
+            </a:endParaRPr>
+          </a:p>
+        </p:txBody>
+      </p:sp>
       <p:pic>
         <p:nvPicPr>
-          <p:cNvPr id="106" name="Content Placeholder 105"/>
-          <p:cNvPicPr/>
-          <p:nvPr>
-            <p:ph sz="quarter" idx="4"/>
+          <p:cNvPr id="4" name="Content Placeholder 3"/>
+          <p:cNvPicPr>
+            <a:picLocks noChangeAspect="1"/>
+          </p:cNvPicPr>
+          <p:nvPr>
+            <p:ph sz="half" idx="1"/>
           </p:nvPr>
         </p:nvPicPr>
         <p:blipFill>
@@ -14307,18 +15905,83 @@
         </p:blipFill>
         <p:spPr>
           <a:xfrm>
-            <a:off x="7837805" y="1988185"/>
-            <a:ext cx="3251200" cy="2852420"/>
+            <a:off x="991870" y="2117090"/>
+            <a:ext cx="5181600" cy="3348355"/>
           </a:xfrm>
           <a:prstGeom prst="rect">
             <a:avLst/>
           </a:prstGeom>
-          <a:noFill/>
-          <a:ln w="9525">
-            <a:noFill/>
-          </a:ln>
         </p:spPr>
       </p:pic>
+      <p:pic>
+        <p:nvPicPr>
+          <p:cNvPr id="8" name="Content Placeholder 7"/>
+          <p:cNvPicPr>
+            <a:picLocks noChangeAspect="1"/>
+          </p:cNvPicPr>
+          <p:nvPr>
+            <p:ph sz="half" idx="2"/>
+          </p:nvPr>
+        </p:nvPicPr>
+        <p:blipFill>
+          <a:blip r:embed="rId3"/>
+          <a:stretch>
+            <a:fillRect/>
+          </a:stretch>
+        </p:blipFill>
+        <p:spPr>
+          <a:xfrm>
+            <a:off x="6176010" y="2117090"/>
+            <a:ext cx="4996180" cy="3348355"/>
+          </a:xfrm>
+          <a:prstGeom prst="rect">
+            <a:avLst/>
+          </a:prstGeom>
+        </p:spPr>
+      </p:pic>
+      <p:sp>
+        <p:nvSpPr>
+          <p:cNvPr id="9" name="Slide Number Placeholder 8"/>
+          <p:cNvSpPr>
+            <a:spLocks noGrp="1"/>
+          </p:cNvSpPr>
+          <p:nvPr>
+            <p:ph type="sldNum" sz="quarter" idx="12"/>
+          </p:nvPr>
+        </p:nvSpPr>
+        <p:spPr/>
+        <p:txBody>
+          <a:bodyPr/>
+          <a:p>
+            <a:fld id="{3C4FCFE7-4CFC-4698-A5C8-57D6C94FD847}" type="slidenum">
+              <a:rPr lang="en-US" smtClean="0"/>
+            </a:fld>
+            <a:endParaRPr lang="en-US"/>
+          </a:p>
+        </p:txBody>
+      </p:sp>
+      <p:sp>
+        <p:nvSpPr>
+          <p:cNvPr id="11" name="Footer Placeholder 10"/>
+          <p:cNvSpPr>
+            <a:spLocks noGrp="1"/>
+          </p:cNvSpPr>
+          <p:nvPr>
+            <p:ph type="ftr" sz="quarter" idx="11"/>
+          </p:nvPr>
+        </p:nvSpPr>
+        <p:spPr/>
+        <p:txBody>
+          <a:bodyPr/>
+          <a:p>
+            <a:r>
+              <a:rPr lang="en-US"/>
+              <a:t>Hoàng Minh Tài - 6051071102</a:t>
+            </a:r>
+            <a:endParaRPr lang="en-US"/>
+          </a:p>
+        </p:txBody>
+      </p:sp>
     </p:spTree>
   </p:cSld>
   <p:clrMapOvr>
